--- a/ESCULENT.pptx
+++ b/ESCULENT.pptx
@@ -4,13 +4,20 @@
   <p:sldMasterIdLst>
     <p:sldMasterId id="2147483648" r:id="rId1"/>
   </p:sldMasterIdLst>
+  <p:notesMasterIdLst>
+    <p:notesMasterId r:id="rId12"/>
+  </p:notesMasterIdLst>
   <p:sldIdLst>
     <p:sldId id="262" r:id="rId2"/>
     <p:sldId id="256" r:id="rId3"/>
-    <p:sldId id="264" r:id="rId4"/>
-    <p:sldId id="261" r:id="rId5"/>
-    <p:sldId id="260" r:id="rId6"/>
-    <p:sldId id="263" r:id="rId7"/>
+    <p:sldId id="270" r:id="rId4"/>
+    <p:sldId id="264" r:id="rId5"/>
+    <p:sldId id="261" r:id="rId6"/>
+    <p:sldId id="260" r:id="rId7"/>
+    <p:sldId id="263" r:id="rId8"/>
+    <p:sldId id="266" r:id="rId9"/>
+    <p:sldId id="267" r:id="rId10"/>
+    <p:sldId id="268" r:id="rId11"/>
   </p:sldIdLst>
   <p:sldSz cx="12192000" cy="6858000"/>
   <p:notesSz cx="6858000" cy="9144000"/>
@@ -115,6 +122,1441 @@
     </p:ext>
   </p:extLst>
 </p:presentation>
+</file>
+
+<file path=ppt/notesMasters/notesMaster1.xml><?xml version="1.0" encoding="utf-8"?>
+<p:notesMaster xmlns:a="http://schemas.openxmlformats.org/drawingml/2006/main" xmlns:r="http://schemas.openxmlformats.org/officeDocument/2006/relationships" xmlns:p="http://schemas.openxmlformats.org/presentationml/2006/main">
+  <p:cSld>
+    <p:bg>
+      <p:bgRef idx="1001">
+        <a:schemeClr val="bg1"/>
+      </p:bgRef>
+    </p:bg>
+    <p:spTree>
+      <p:nvGrpSpPr>
+        <p:cNvPr id="1" name=""/>
+        <p:cNvGrpSpPr/>
+        <p:nvPr/>
+      </p:nvGrpSpPr>
+      <p:grpSpPr>
+        <a:xfrm>
+          <a:off x="0" y="0"/>
+          <a:ext cx="0" cy="0"/>
+          <a:chOff x="0" y="0"/>
+          <a:chExt cx="0" cy="0"/>
+        </a:xfrm>
+      </p:grpSpPr>
+      <p:sp>
+        <p:nvSpPr>
+          <p:cNvPr id="2" name="Header Placeholder 1"/>
+          <p:cNvSpPr>
+            <a:spLocks noGrp="1"/>
+          </p:cNvSpPr>
+          <p:nvPr>
+            <p:ph type="hdr" sz="quarter"/>
+          </p:nvPr>
+        </p:nvSpPr>
+        <p:spPr>
+          <a:xfrm>
+            <a:off x="0" y="0"/>
+            <a:ext cx="2971800" cy="458788"/>
+          </a:xfrm>
+          <a:prstGeom prst="rect">
+            <a:avLst/>
+          </a:prstGeom>
+        </p:spPr>
+        <p:txBody>
+          <a:bodyPr vert="horz" lIns="91440" tIns="45720" rIns="91440" bIns="45720" rtlCol="0"/>
+          <a:lstStyle>
+            <a:lvl1pPr algn="l">
+              <a:defRPr sz="1200"/>
+            </a:lvl1pPr>
+          </a:lstStyle>
+          <a:p>
+            <a:endParaRPr lang="en-US"/>
+          </a:p>
+        </p:txBody>
+      </p:sp>
+      <p:sp>
+        <p:nvSpPr>
+          <p:cNvPr id="3" name="Date Placeholder 2"/>
+          <p:cNvSpPr>
+            <a:spLocks noGrp="1"/>
+          </p:cNvSpPr>
+          <p:nvPr>
+            <p:ph type="dt" idx="1"/>
+          </p:nvPr>
+        </p:nvSpPr>
+        <p:spPr>
+          <a:xfrm>
+            <a:off x="3884613" y="0"/>
+            <a:ext cx="2971800" cy="458788"/>
+          </a:xfrm>
+          <a:prstGeom prst="rect">
+            <a:avLst/>
+          </a:prstGeom>
+        </p:spPr>
+        <p:txBody>
+          <a:bodyPr vert="horz" lIns="91440" tIns="45720" rIns="91440" bIns="45720" rtlCol="0"/>
+          <a:lstStyle>
+            <a:lvl1pPr algn="r">
+              <a:defRPr sz="1200"/>
+            </a:lvl1pPr>
+          </a:lstStyle>
+          <a:p>
+            <a:fld id="{8AA486E0-785D-467E-8DA1-3AE9122A56A2}" type="datetimeFigureOut">
+              <a:rPr lang="en-US" smtClean="0"/>
+              <a:t>10/27/2020</a:t>
+            </a:fld>
+            <a:endParaRPr lang="en-US"/>
+          </a:p>
+        </p:txBody>
+      </p:sp>
+      <p:sp>
+        <p:nvSpPr>
+          <p:cNvPr id="4" name="Slide Image Placeholder 3"/>
+          <p:cNvSpPr>
+            <a:spLocks noGrp="1" noRot="1" noChangeAspect="1"/>
+          </p:cNvSpPr>
+          <p:nvPr>
+            <p:ph type="sldImg" idx="2"/>
+          </p:nvPr>
+        </p:nvSpPr>
+        <p:spPr>
+          <a:xfrm>
+            <a:off x="685800" y="1143000"/>
+            <a:ext cx="5486400" cy="3086100"/>
+          </a:xfrm>
+          <a:prstGeom prst="rect">
+            <a:avLst/>
+          </a:prstGeom>
+          <a:noFill/>
+          <a:ln w="12700">
+            <a:solidFill>
+              <a:prstClr val="black"/>
+            </a:solidFill>
+          </a:ln>
+        </p:spPr>
+        <p:txBody>
+          <a:bodyPr vert="horz" lIns="91440" tIns="45720" rIns="91440" bIns="45720" rtlCol="0" anchor="ctr"/>
+          <a:lstStyle/>
+          <a:p>
+            <a:endParaRPr lang="en-US"/>
+          </a:p>
+        </p:txBody>
+      </p:sp>
+      <p:sp>
+        <p:nvSpPr>
+          <p:cNvPr id="5" name="Notes Placeholder 4"/>
+          <p:cNvSpPr>
+            <a:spLocks noGrp="1"/>
+          </p:cNvSpPr>
+          <p:nvPr>
+            <p:ph type="body" sz="quarter" idx="3"/>
+          </p:nvPr>
+        </p:nvSpPr>
+        <p:spPr>
+          <a:xfrm>
+            <a:off x="685800" y="4400550"/>
+            <a:ext cx="5486400" cy="3600450"/>
+          </a:xfrm>
+          <a:prstGeom prst="rect">
+            <a:avLst/>
+          </a:prstGeom>
+        </p:spPr>
+        <p:txBody>
+          <a:bodyPr vert="horz" lIns="91440" tIns="45720" rIns="91440" bIns="45720" rtlCol="0"/>
+          <a:lstStyle/>
+          <a:p>
+            <a:pPr lvl="0"/>
+            <a:r>
+              <a:rPr lang="en-US"/>
+              <a:t>Click to edit Master text styles</a:t>
+            </a:r>
+          </a:p>
+          <a:p>
+            <a:pPr lvl="1"/>
+            <a:r>
+              <a:rPr lang="en-US"/>
+              <a:t>Second level</a:t>
+            </a:r>
+          </a:p>
+          <a:p>
+            <a:pPr lvl="2"/>
+            <a:r>
+              <a:rPr lang="en-US"/>
+              <a:t>Third level</a:t>
+            </a:r>
+          </a:p>
+          <a:p>
+            <a:pPr lvl="3"/>
+            <a:r>
+              <a:rPr lang="en-US"/>
+              <a:t>Fourth level</a:t>
+            </a:r>
+          </a:p>
+          <a:p>
+            <a:pPr lvl="4"/>
+            <a:r>
+              <a:rPr lang="en-US"/>
+              <a:t>Fifth level</a:t>
+            </a:r>
+          </a:p>
+        </p:txBody>
+      </p:sp>
+      <p:sp>
+        <p:nvSpPr>
+          <p:cNvPr id="6" name="Footer Placeholder 5"/>
+          <p:cNvSpPr>
+            <a:spLocks noGrp="1"/>
+          </p:cNvSpPr>
+          <p:nvPr>
+            <p:ph type="ftr" sz="quarter" idx="4"/>
+          </p:nvPr>
+        </p:nvSpPr>
+        <p:spPr>
+          <a:xfrm>
+            <a:off x="0" y="8685213"/>
+            <a:ext cx="2971800" cy="458787"/>
+          </a:xfrm>
+          <a:prstGeom prst="rect">
+            <a:avLst/>
+          </a:prstGeom>
+        </p:spPr>
+        <p:txBody>
+          <a:bodyPr vert="horz" lIns="91440" tIns="45720" rIns="91440" bIns="45720" rtlCol="0" anchor="b"/>
+          <a:lstStyle>
+            <a:lvl1pPr algn="l">
+              <a:defRPr sz="1200"/>
+            </a:lvl1pPr>
+          </a:lstStyle>
+          <a:p>
+            <a:endParaRPr lang="en-US"/>
+          </a:p>
+        </p:txBody>
+      </p:sp>
+      <p:sp>
+        <p:nvSpPr>
+          <p:cNvPr id="7" name="Slide Number Placeholder 6"/>
+          <p:cNvSpPr>
+            <a:spLocks noGrp="1"/>
+          </p:cNvSpPr>
+          <p:nvPr>
+            <p:ph type="sldNum" sz="quarter" idx="5"/>
+          </p:nvPr>
+        </p:nvSpPr>
+        <p:spPr>
+          <a:xfrm>
+            <a:off x="3884613" y="8685213"/>
+            <a:ext cx="2971800" cy="458787"/>
+          </a:xfrm>
+          <a:prstGeom prst="rect">
+            <a:avLst/>
+          </a:prstGeom>
+        </p:spPr>
+        <p:txBody>
+          <a:bodyPr vert="horz" lIns="91440" tIns="45720" rIns="91440" bIns="45720" rtlCol="0" anchor="b"/>
+          <a:lstStyle>
+            <a:lvl1pPr algn="r">
+              <a:defRPr sz="1200"/>
+            </a:lvl1pPr>
+          </a:lstStyle>
+          <a:p>
+            <a:fld id="{8340A06A-1837-4BE9-9E21-BD460EB73CFB}" type="slidenum">
+              <a:rPr lang="en-US" smtClean="0"/>
+              <a:t>‹#›</a:t>
+            </a:fld>
+            <a:endParaRPr lang="en-US"/>
+          </a:p>
+        </p:txBody>
+      </p:sp>
+    </p:spTree>
+    <p:extLst>
+      <p:ext uri="{BB962C8B-B14F-4D97-AF65-F5344CB8AC3E}">
+        <p14:creationId xmlns:p14="http://schemas.microsoft.com/office/powerpoint/2010/main" val="2877434765"/>
+      </p:ext>
+    </p:extLst>
+  </p:cSld>
+  <p:clrMap bg1="lt1" tx1="dk1" bg2="lt2" tx2="dk2" accent1="accent1" accent2="accent2" accent3="accent3" accent4="accent4" accent5="accent5" accent6="accent6" hlink="hlink" folHlink="folHlink"/>
+  <p:notesStyle>
+    <a:lvl1pPr marL="0" algn="l" defTabSz="914400" rtl="0" eaLnBrk="1" latinLnBrk="0" hangingPunct="1">
+      <a:defRPr sz="1200" kern="1200">
+        <a:solidFill>
+          <a:schemeClr val="tx1"/>
+        </a:solidFill>
+        <a:latin typeface="+mn-lt"/>
+        <a:ea typeface="+mn-ea"/>
+        <a:cs typeface="+mn-cs"/>
+      </a:defRPr>
+    </a:lvl1pPr>
+    <a:lvl2pPr marL="457200" algn="l" defTabSz="914400" rtl="0" eaLnBrk="1" latinLnBrk="0" hangingPunct="1">
+      <a:defRPr sz="1200" kern="1200">
+        <a:solidFill>
+          <a:schemeClr val="tx1"/>
+        </a:solidFill>
+        <a:latin typeface="+mn-lt"/>
+        <a:ea typeface="+mn-ea"/>
+        <a:cs typeface="+mn-cs"/>
+      </a:defRPr>
+    </a:lvl2pPr>
+    <a:lvl3pPr marL="914400" algn="l" defTabSz="914400" rtl="0" eaLnBrk="1" latinLnBrk="0" hangingPunct="1">
+      <a:defRPr sz="1200" kern="1200">
+        <a:solidFill>
+          <a:schemeClr val="tx1"/>
+        </a:solidFill>
+        <a:latin typeface="+mn-lt"/>
+        <a:ea typeface="+mn-ea"/>
+        <a:cs typeface="+mn-cs"/>
+      </a:defRPr>
+    </a:lvl3pPr>
+    <a:lvl4pPr marL="1371600" algn="l" defTabSz="914400" rtl="0" eaLnBrk="1" latinLnBrk="0" hangingPunct="1">
+      <a:defRPr sz="1200" kern="1200">
+        <a:solidFill>
+          <a:schemeClr val="tx1"/>
+        </a:solidFill>
+        <a:latin typeface="+mn-lt"/>
+        <a:ea typeface="+mn-ea"/>
+        <a:cs typeface="+mn-cs"/>
+      </a:defRPr>
+    </a:lvl4pPr>
+    <a:lvl5pPr marL="1828800" algn="l" defTabSz="914400" rtl="0" eaLnBrk="1" latinLnBrk="0" hangingPunct="1">
+      <a:defRPr sz="1200" kern="1200">
+        <a:solidFill>
+          <a:schemeClr val="tx1"/>
+        </a:solidFill>
+        <a:latin typeface="+mn-lt"/>
+        <a:ea typeface="+mn-ea"/>
+        <a:cs typeface="+mn-cs"/>
+      </a:defRPr>
+    </a:lvl5pPr>
+    <a:lvl6pPr marL="2286000" algn="l" defTabSz="914400" rtl="0" eaLnBrk="1" latinLnBrk="0" hangingPunct="1">
+      <a:defRPr sz="1200" kern="1200">
+        <a:solidFill>
+          <a:schemeClr val="tx1"/>
+        </a:solidFill>
+        <a:latin typeface="+mn-lt"/>
+        <a:ea typeface="+mn-ea"/>
+        <a:cs typeface="+mn-cs"/>
+      </a:defRPr>
+    </a:lvl6pPr>
+    <a:lvl7pPr marL="2743200" algn="l" defTabSz="914400" rtl="0" eaLnBrk="1" latinLnBrk="0" hangingPunct="1">
+      <a:defRPr sz="1200" kern="1200">
+        <a:solidFill>
+          <a:schemeClr val="tx1"/>
+        </a:solidFill>
+        <a:latin typeface="+mn-lt"/>
+        <a:ea typeface="+mn-ea"/>
+        <a:cs typeface="+mn-cs"/>
+      </a:defRPr>
+    </a:lvl7pPr>
+    <a:lvl8pPr marL="3200400" algn="l" defTabSz="914400" rtl="0" eaLnBrk="1" latinLnBrk="0" hangingPunct="1">
+      <a:defRPr sz="1200" kern="1200">
+        <a:solidFill>
+          <a:schemeClr val="tx1"/>
+        </a:solidFill>
+        <a:latin typeface="+mn-lt"/>
+        <a:ea typeface="+mn-ea"/>
+        <a:cs typeface="+mn-cs"/>
+      </a:defRPr>
+    </a:lvl8pPr>
+    <a:lvl9pPr marL="3657600" algn="l" defTabSz="914400" rtl="0" eaLnBrk="1" latinLnBrk="0" hangingPunct="1">
+      <a:defRPr sz="1200" kern="1200">
+        <a:solidFill>
+          <a:schemeClr val="tx1"/>
+        </a:solidFill>
+        <a:latin typeface="+mn-lt"/>
+        <a:ea typeface="+mn-ea"/>
+        <a:cs typeface="+mn-cs"/>
+      </a:defRPr>
+    </a:lvl9pPr>
+  </p:notesStyle>
+</p:notesMaster>
+</file>
+
+<file path=ppt/notesSlides/notesSlide1.xml><?xml version="1.0" encoding="utf-8"?>
+<p:notes xmlns:a="http://schemas.openxmlformats.org/drawingml/2006/main" xmlns:r="http://schemas.openxmlformats.org/officeDocument/2006/relationships" xmlns:p="http://schemas.openxmlformats.org/presentationml/2006/main">
+  <p:cSld>
+    <p:spTree>
+      <p:nvGrpSpPr>
+        <p:cNvPr id="1" name=""/>
+        <p:cNvGrpSpPr/>
+        <p:nvPr/>
+      </p:nvGrpSpPr>
+      <p:grpSpPr>
+        <a:xfrm>
+          <a:off x="0" y="0"/>
+          <a:ext cx="0" cy="0"/>
+          <a:chOff x="0" y="0"/>
+          <a:chExt cx="0" cy="0"/>
+        </a:xfrm>
+      </p:grpSpPr>
+      <p:sp>
+        <p:nvSpPr>
+          <p:cNvPr id="2" name="Slide Image Placeholder 1"/>
+          <p:cNvSpPr>
+            <a:spLocks noGrp="1" noRot="1" noChangeAspect="1"/>
+          </p:cNvSpPr>
+          <p:nvPr>
+            <p:ph type="sldImg"/>
+          </p:nvPr>
+        </p:nvSpPr>
+        <p:spPr/>
+      </p:sp>
+      <p:sp>
+        <p:nvSpPr>
+          <p:cNvPr id="3" name="Notes Placeholder 2"/>
+          <p:cNvSpPr>
+            <a:spLocks noGrp="1"/>
+          </p:cNvSpPr>
+          <p:nvPr>
+            <p:ph type="body" idx="1"/>
+          </p:nvPr>
+        </p:nvSpPr>
+        <p:spPr/>
+        <p:txBody>
+          <a:bodyPr/>
+          <a:lstStyle/>
+          <a:p>
+            <a:r>
+              <a:rPr lang="en-US" dirty="0"/>
+              <a:t>APP/LOGIN components</a:t>
+            </a:r>
+          </a:p>
+        </p:txBody>
+      </p:sp>
+      <p:sp>
+        <p:nvSpPr>
+          <p:cNvPr id="4" name="Slide Number Placeholder 3"/>
+          <p:cNvSpPr>
+            <a:spLocks noGrp="1"/>
+          </p:cNvSpPr>
+          <p:nvPr>
+            <p:ph type="sldNum" sz="quarter" idx="5"/>
+          </p:nvPr>
+        </p:nvSpPr>
+        <p:spPr/>
+        <p:txBody>
+          <a:bodyPr/>
+          <a:lstStyle/>
+          <a:p>
+            <a:fld id="{8340A06A-1837-4BE9-9E21-BD460EB73CFB}" type="slidenum">
+              <a:rPr lang="en-US" smtClean="0"/>
+              <a:t>2</a:t>
+            </a:fld>
+            <a:endParaRPr lang="en-US"/>
+          </a:p>
+        </p:txBody>
+      </p:sp>
+    </p:spTree>
+    <p:extLst>
+      <p:ext uri="{BB962C8B-B14F-4D97-AF65-F5344CB8AC3E}">
+        <p14:creationId xmlns:p14="http://schemas.microsoft.com/office/powerpoint/2010/main" val="143026673"/>
+      </p:ext>
+    </p:extLst>
+  </p:cSld>
+  <p:clrMapOvr>
+    <a:masterClrMapping/>
+  </p:clrMapOvr>
+</p:notes>
+</file>
+
+<file path=ppt/notesSlides/notesSlide2.xml><?xml version="1.0" encoding="utf-8"?>
+<p:notes xmlns:a="http://schemas.openxmlformats.org/drawingml/2006/main" xmlns:r="http://schemas.openxmlformats.org/officeDocument/2006/relationships" xmlns:p="http://schemas.openxmlformats.org/presentationml/2006/main">
+  <p:cSld>
+    <p:spTree>
+      <p:nvGrpSpPr>
+        <p:cNvPr id="1" name=""/>
+        <p:cNvGrpSpPr/>
+        <p:nvPr/>
+      </p:nvGrpSpPr>
+      <p:grpSpPr>
+        <a:xfrm>
+          <a:off x="0" y="0"/>
+          <a:ext cx="0" cy="0"/>
+          <a:chOff x="0" y="0"/>
+          <a:chExt cx="0" cy="0"/>
+        </a:xfrm>
+      </p:grpSpPr>
+      <p:sp>
+        <p:nvSpPr>
+          <p:cNvPr id="2" name="Slide Image Placeholder 1"/>
+          <p:cNvSpPr>
+            <a:spLocks noGrp="1" noRot="1" noChangeAspect="1"/>
+          </p:cNvSpPr>
+          <p:nvPr>
+            <p:ph type="sldImg"/>
+          </p:nvPr>
+        </p:nvSpPr>
+        <p:spPr/>
+      </p:sp>
+      <p:sp>
+        <p:nvSpPr>
+          <p:cNvPr id="3" name="Notes Placeholder 2"/>
+          <p:cNvSpPr>
+            <a:spLocks noGrp="1"/>
+          </p:cNvSpPr>
+          <p:nvPr>
+            <p:ph type="body" idx="1"/>
+          </p:nvPr>
+        </p:nvSpPr>
+        <p:spPr/>
+        <p:txBody>
+          <a:bodyPr/>
+          <a:lstStyle/>
+          <a:p>
+            <a:pPr marL="0" marR="0" lvl="0" indent="0" algn="l" defTabSz="914400" rtl="0" eaLnBrk="1" fontAlgn="auto" latinLnBrk="0" hangingPunct="1">
+              <a:lnSpc>
+                <a:spcPct val="100000"/>
+              </a:lnSpc>
+              <a:spcBef>
+                <a:spcPts val="0"/>
+              </a:spcBef>
+              <a:spcAft>
+                <a:spcPts val="0"/>
+              </a:spcAft>
+              <a:buClrTx/>
+              <a:buSzTx/>
+              <a:buFontTx/>
+              <a:buNone/>
+              <a:tabLst/>
+              <a:defRPr/>
+            </a:pPr>
+            <a:r>
+              <a:rPr lang="en-US" dirty="0"/>
+              <a:t>APP/LOGIN/INGREDIENT_SELECTOR components with only date picker and header showing from the INGREDIENT_SELECTOR component.</a:t>
+            </a:r>
+          </a:p>
+          <a:p>
+            <a:endParaRPr lang="en-US" dirty="0"/>
+          </a:p>
+        </p:txBody>
+      </p:sp>
+      <p:sp>
+        <p:nvSpPr>
+          <p:cNvPr id="4" name="Slide Number Placeholder 3"/>
+          <p:cNvSpPr>
+            <a:spLocks noGrp="1"/>
+          </p:cNvSpPr>
+          <p:nvPr>
+            <p:ph type="sldNum" sz="quarter" idx="5"/>
+          </p:nvPr>
+        </p:nvSpPr>
+        <p:spPr/>
+        <p:txBody>
+          <a:bodyPr/>
+          <a:lstStyle/>
+          <a:p>
+            <a:fld id="{8340A06A-1837-4BE9-9E21-BD460EB73CFB}" type="slidenum">
+              <a:rPr lang="en-US" smtClean="0"/>
+              <a:t>3</a:t>
+            </a:fld>
+            <a:endParaRPr lang="en-US"/>
+          </a:p>
+        </p:txBody>
+      </p:sp>
+    </p:spTree>
+    <p:extLst>
+      <p:ext uri="{BB962C8B-B14F-4D97-AF65-F5344CB8AC3E}">
+        <p14:creationId xmlns:p14="http://schemas.microsoft.com/office/powerpoint/2010/main" val="2247410832"/>
+      </p:ext>
+    </p:extLst>
+  </p:cSld>
+  <p:clrMapOvr>
+    <a:masterClrMapping/>
+  </p:clrMapOvr>
+</p:notes>
+</file>
+
+<file path=ppt/notesSlides/notesSlide3.xml><?xml version="1.0" encoding="utf-8"?>
+<p:notes xmlns:a="http://schemas.openxmlformats.org/drawingml/2006/main" xmlns:r="http://schemas.openxmlformats.org/officeDocument/2006/relationships" xmlns:p="http://schemas.openxmlformats.org/presentationml/2006/main">
+  <p:cSld>
+    <p:spTree>
+      <p:nvGrpSpPr>
+        <p:cNvPr id="1" name=""/>
+        <p:cNvGrpSpPr/>
+        <p:nvPr/>
+      </p:nvGrpSpPr>
+      <p:grpSpPr>
+        <a:xfrm>
+          <a:off x="0" y="0"/>
+          <a:ext cx="0" cy="0"/>
+          <a:chOff x="0" y="0"/>
+          <a:chExt cx="0" cy="0"/>
+        </a:xfrm>
+      </p:grpSpPr>
+      <p:sp>
+        <p:nvSpPr>
+          <p:cNvPr id="2" name="Slide Image Placeholder 1"/>
+          <p:cNvSpPr>
+            <a:spLocks noGrp="1" noRot="1" noChangeAspect="1"/>
+          </p:cNvSpPr>
+          <p:nvPr>
+            <p:ph type="sldImg"/>
+          </p:nvPr>
+        </p:nvSpPr>
+        <p:spPr/>
+      </p:sp>
+      <p:sp>
+        <p:nvSpPr>
+          <p:cNvPr id="3" name="Notes Placeholder 2"/>
+          <p:cNvSpPr>
+            <a:spLocks noGrp="1"/>
+          </p:cNvSpPr>
+          <p:nvPr>
+            <p:ph type="body" idx="1"/>
+          </p:nvPr>
+        </p:nvSpPr>
+        <p:spPr/>
+        <p:txBody>
+          <a:bodyPr/>
+          <a:lstStyle/>
+          <a:p>
+            <a:r>
+              <a:rPr lang="en-US" dirty="0"/>
+              <a:t>APP/LOGIN/INGREDIENT_SELECTOR components</a:t>
+            </a:r>
+          </a:p>
+        </p:txBody>
+      </p:sp>
+      <p:sp>
+        <p:nvSpPr>
+          <p:cNvPr id="4" name="Slide Number Placeholder 3"/>
+          <p:cNvSpPr>
+            <a:spLocks noGrp="1"/>
+          </p:cNvSpPr>
+          <p:nvPr>
+            <p:ph type="sldNum" sz="quarter" idx="5"/>
+          </p:nvPr>
+        </p:nvSpPr>
+        <p:spPr/>
+        <p:txBody>
+          <a:bodyPr/>
+          <a:lstStyle/>
+          <a:p>
+            <a:fld id="{8340A06A-1837-4BE9-9E21-BD460EB73CFB}" type="slidenum">
+              <a:rPr lang="en-US" smtClean="0"/>
+              <a:t>4</a:t>
+            </a:fld>
+            <a:endParaRPr lang="en-US"/>
+          </a:p>
+        </p:txBody>
+      </p:sp>
+    </p:spTree>
+    <p:extLst>
+      <p:ext uri="{BB962C8B-B14F-4D97-AF65-F5344CB8AC3E}">
+        <p14:creationId xmlns:p14="http://schemas.microsoft.com/office/powerpoint/2010/main" val="2953329074"/>
+      </p:ext>
+    </p:extLst>
+  </p:cSld>
+  <p:clrMapOvr>
+    <a:masterClrMapping/>
+  </p:clrMapOvr>
+</p:notes>
+</file>
+
+<file path=ppt/notesSlides/notesSlide4.xml><?xml version="1.0" encoding="utf-8"?>
+<p:notes xmlns:a="http://schemas.openxmlformats.org/drawingml/2006/main" xmlns:r="http://schemas.openxmlformats.org/officeDocument/2006/relationships" xmlns:p="http://schemas.openxmlformats.org/presentationml/2006/main">
+  <p:cSld>
+    <p:spTree>
+      <p:nvGrpSpPr>
+        <p:cNvPr id="1" name=""/>
+        <p:cNvGrpSpPr/>
+        <p:nvPr/>
+      </p:nvGrpSpPr>
+      <p:grpSpPr>
+        <a:xfrm>
+          <a:off x="0" y="0"/>
+          <a:ext cx="0" cy="0"/>
+          <a:chOff x="0" y="0"/>
+          <a:chExt cx="0" cy="0"/>
+        </a:xfrm>
+      </p:grpSpPr>
+      <p:sp>
+        <p:nvSpPr>
+          <p:cNvPr id="2" name="Slide Image Placeholder 1"/>
+          <p:cNvSpPr>
+            <a:spLocks noGrp="1" noRot="1" noChangeAspect="1"/>
+          </p:cNvSpPr>
+          <p:nvPr>
+            <p:ph type="sldImg"/>
+          </p:nvPr>
+        </p:nvSpPr>
+        <p:spPr/>
+      </p:sp>
+      <p:sp>
+        <p:nvSpPr>
+          <p:cNvPr id="3" name="Notes Placeholder 2"/>
+          <p:cNvSpPr>
+            <a:spLocks noGrp="1"/>
+          </p:cNvSpPr>
+          <p:nvPr>
+            <p:ph type="body" idx="1"/>
+          </p:nvPr>
+        </p:nvSpPr>
+        <p:spPr/>
+        <p:txBody>
+          <a:bodyPr/>
+          <a:lstStyle/>
+          <a:p>
+            <a:pPr marL="0" marR="0" lvl="0" indent="0" algn="l" defTabSz="914400" rtl="0" eaLnBrk="1" fontAlgn="auto" latinLnBrk="0" hangingPunct="1">
+              <a:lnSpc>
+                <a:spcPct val="100000"/>
+              </a:lnSpc>
+              <a:spcBef>
+                <a:spcPts val="0"/>
+              </a:spcBef>
+              <a:spcAft>
+                <a:spcPts val="0"/>
+              </a:spcAft>
+              <a:buClrTx/>
+              <a:buSzTx/>
+              <a:buFontTx/>
+              <a:buNone/>
+              <a:tabLst/>
+              <a:defRPr/>
+            </a:pPr>
+            <a:r>
+              <a:rPr lang="en-US" dirty="0"/>
+              <a:t>APP/LOGIN/INGREDIENT_SELECTOR/INGREDIENT_RESULT components the </a:t>
+            </a:r>
+            <a:r>
+              <a:rPr lang="en-US" dirty="0" err="1"/>
+              <a:t>datepicker</a:t>
+            </a:r>
+            <a:r>
+              <a:rPr lang="en-US" dirty="0"/>
+              <a:t> and the header will only show from the INGREDIENT_SELECTOR component</a:t>
+            </a:r>
+          </a:p>
+          <a:p>
+            <a:endParaRPr lang="en-US" dirty="0"/>
+          </a:p>
+        </p:txBody>
+      </p:sp>
+      <p:sp>
+        <p:nvSpPr>
+          <p:cNvPr id="4" name="Slide Number Placeholder 3"/>
+          <p:cNvSpPr>
+            <a:spLocks noGrp="1"/>
+          </p:cNvSpPr>
+          <p:nvPr>
+            <p:ph type="sldNum" sz="quarter" idx="5"/>
+          </p:nvPr>
+        </p:nvSpPr>
+        <p:spPr/>
+        <p:txBody>
+          <a:bodyPr/>
+          <a:lstStyle/>
+          <a:p>
+            <a:fld id="{8340A06A-1837-4BE9-9E21-BD460EB73CFB}" type="slidenum">
+              <a:rPr lang="en-US" smtClean="0"/>
+              <a:t>5</a:t>
+            </a:fld>
+            <a:endParaRPr lang="en-US"/>
+          </a:p>
+        </p:txBody>
+      </p:sp>
+    </p:spTree>
+    <p:extLst>
+      <p:ext uri="{BB962C8B-B14F-4D97-AF65-F5344CB8AC3E}">
+        <p14:creationId xmlns:p14="http://schemas.microsoft.com/office/powerpoint/2010/main" val="592085490"/>
+      </p:ext>
+    </p:extLst>
+  </p:cSld>
+  <p:clrMapOvr>
+    <a:masterClrMapping/>
+  </p:clrMapOvr>
+</p:notes>
+</file>
+
+<file path=ppt/notesSlides/notesSlide5.xml><?xml version="1.0" encoding="utf-8"?>
+<p:notes xmlns:a="http://schemas.openxmlformats.org/drawingml/2006/main" xmlns:r="http://schemas.openxmlformats.org/officeDocument/2006/relationships" xmlns:p="http://schemas.openxmlformats.org/presentationml/2006/main">
+  <p:cSld>
+    <p:spTree>
+      <p:nvGrpSpPr>
+        <p:cNvPr id="1" name=""/>
+        <p:cNvGrpSpPr/>
+        <p:nvPr/>
+      </p:nvGrpSpPr>
+      <p:grpSpPr>
+        <a:xfrm>
+          <a:off x="0" y="0"/>
+          <a:ext cx="0" cy="0"/>
+          <a:chOff x="0" y="0"/>
+          <a:chExt cx="0" cy="0"/>
+        </a:xfrm>
+      </p:grpSpPr>
+      <p:sp>
+        <p:nvSpPr>
+          <p:cNvPr id="2" name="Slide Image Placeholder 1"/>
+          <p:cNvSpPr>
+            <a:spLocks noGrp="1" noRot="1" noChangeAspect="1"/>
+          </p:cNvSpPr>
+          <p:nvPr>
+            <p:ph type="sldImg"/>
+          </p:nvPr>
+        </p:nvSpPr>
+        <p:spPr/>
+      </p:sp>
+      <p:sp>
+        <p:nvSpPr>
+          <p:cNvPr id="3" name="Notes Placeholder 2"/>
+          <p:cNvSpPr>
+            <a:spLocks noGrp="1"/>
+          </p:cNvSpPr>
+          <p:nvPr>
+            <p:ph type="body" idx="1"/>
+          </p:nvPr>
+        </p:nvSpPr>
+        <p:spPr/>
+        <p:txBody>
+          <a:bodyPr/>
+          <a:lstStyle/>
+          <a:p>
+            <a:pPr marL="0" marR="0" lvl="0" indent="0" algn="l" defTabSz="914400" rtl="0" eaLnBrk="1" fontAlgn="auto" latinLnBrk="0" hangingPunct="1">
+              <a:lnSpc>
+                <a:spcPct val="100000"/>
+              </a:lnSpc>
+              <a:spcBef>
+                <a:spcPts val="0"/>
+              </a:spcBef>
+              <a:spcAft>
+                <a:spcPts val="0"/>
+              </a:spcAft>
+              <a:buClrTx/>
+              <a:buSzTx/>
+              <a:buFontTx/>
+              <a:buNone/>
+              <a:tabLst/>
+              <a:defRPr/>
+            </a:pPr>
+            <a:r>
+              <a:rPr lang="en-US" dirty="0"/>
+              <a:t>APP/LOGIN/INGREDIENT_SELECTOR/INGREDIENT_DAYPLAN components the </a:t>
+            </a:r>
+            <a:r>
+              <a:rPr lang="en-US" dirty="0" err="1"/>
+              <a:t>datepicker</a:t>
+            </a:r>
+            <a:r>
+              <a:rPr lang="en-US" dirty="0"/>
+              <a:t> and the header will only show from the INGREDIENT_SELECTOR component</a:t>
+            </a:r>
+          </a:p>
+          <a:p>
+            <a:endParaRPr lang="en-US" dirty="0"/>
+          </a:p>
+        </p:txBody>
+      </p:sp>
+      <p:sp>
+        <p:nvSpPr>
+          <p:cNvPr id="4" name="Slide Number Placeholder 3"/>
+          <p:cNvSpPr>
+            <a:spLocks noGrp="1"/>
+          </p:cNvSpPr>
+          <p:nvPr>
+            <p:ph type="sldNum" sz="quarter" idx="5"/>
+          </p:nvPr>
+        </p:nvSpPr>
+        <p:spPr/>
+        <p:txBody>
+          <a:bodyPr/>
+          <a:lstStyle/>
+          <a:p>
+            <a:fld id="{8340A06A-1837-4BE9-9E21-BD460EB73CFB}" type="slidenum">
+              <a:rPr lang="en-US" smtClean="0"/>
+              <a:t>6</a:t>
+            </a:fld>
+            <a:endParaRPr lang="en-US"/>
+          </a:p>
+        </p:txBody>
+      </p:sp>
+    </p:spTree>
+    <p:extLst>
+      <p:ext uri="{BB962C8B-B14F-4D97-AF65-F5344CB8AC3E}">
+        <p14:creationId xmlns:p14="http://schemas.microsoft.com/office/powerpoint/2010/main" val="3289912331"/>
+      </p:ext>
+    </p:extLst>
+  </p:cSld>
+  <p:clrMapOvr>
+    <a:masterClrMapping/>
+  </p:clrMapOvr>
+</p:notes>
+</file>
+
+<file path=ppt/notesSlides/notesSlide6.xml><?xml version="1.0" encoding="utf-8"?>
+<p:notes xmlns:a="http://schemas.openxmlformats.org/drawingml/2006/main" xmlns:r="http://schemas.openxmlformats.org/officeDocument/2006/relationships" xmlns:p="http://schemas.openxmlformats.org/presentationml/2006/main">
+  <p:cSld>
+    <p:spTree>
+      <p:nvGrpSpPr>
+        <p:cNvPr id="1" name=""/>
+        <p:cNvGrpSpPr/>
+        <p:nvPr/>
+      </p:nvGrpSpPr>
+      <p:grpSpPr>
+        <a:xfrm>
+          <a:off x="0" y="0"/>
+          <a:ext cx="0" cy="0"/>
+          <a:chOff x="0" y="0"/>
+          <a:chExt cx="0" cy="0"/>
+        </a:xfrm>
+      </p:grpSpPr>
+      <p:sp>
+        <p:nvSpPr>
+          <p:cNvPr id="2" name="Slide Image Placeholder 1"/>
+          <p:cNvSpPr>
+            <a:spLocks noGrp="1" noRot="1" noChangeAspect="1"/>
+          </p:cNvSpPr>
+          <p:nvPr>
+            <p:ph type="sldImg"/>
+          </p:nvPr>
+        </p:nvSpPr>
+        <p:spPr/>
+      </p:sp>
+      <p:sp>
+        <p:nvSpPr>
+          <p:cNvPr id="3" name="Notes Placeholder 2"/>
+          <p:cNvSpPr>
+            <a:spLocks noGrp="1"/>
+          </p:cNvSpPr>
+          <p:nvPr>
+            <p:ph type="body" idx="1"/>
+          </p:nvPr>
+        </p:nvSpPr>
+        <p:spPr/>
+        <p:txBody>
+          <a:bodyPr/>
+          <a:lstStyle/>
+          <a:p>
+            <a:r>
+              <a:rPr lang="en-US" dirty="0"/>
+              <a:t>1.When the user first opens the page they will be shown the App component with Login component rendering the name of the page as a header and a username and password input box with login and new user buttons.(This will always show regardless of other components rendering)</a:t>
+            </a:r>
+          </a:p>
+          <a:p>
+            <a:r>
+              <a:rPr lang="en-US" dirty="0"/>
+              <a:t>2. The user will then input username and password and click login.</a:t>
+            </a:r>
+          </a:p>
+          <a:p>
+            <a:r>
+              <a:rPr lang="en-US" dirty="0"/>
+              <a:t>3. If information is correct the App/Login component will stay rendered and the </a:t>
+            </a:r>
+            <a:r>
+              <a:rPr lang="en-US" dirty="0" err="1"/>
+              <a:t>Ingredient_selection</a:t>
+            </a:r>
+            <a:r>
+              <a:rPr lang="en-US" dirty="0"/>
+              <a:t> component will now be rendered with only the header  and the date picker being shown for the user to select a date.</a:t>
+            </a:r>
+          </a:p>
+          <a:p>
+            <a:r>
+              <a:rPr lang="en-US" dirty="0"/>
+              <a:t>4. User selects a date and will then render the rest of the </a:t>
+            </a:r>
+            <a:r>
+              <a:rPr lang="en-US" dirty="0" err="1"/>
+              <a:t>Ingredient_selection</a:t>
+            </a:r>
+            <a:r>
+              <a:rPr lang="en-US" dirty="0"/>
+              <a:t> component to include  a div for breakfast, lunch, and dinner with drop downs to choose from and ingredient input box for the user to input ingredients they want to use for each div.</a:t>
+            </a:r>
+          </a:p>
+          <a:p>
+            <a:r>
+              <a:rPr lang="en-US" dirty="0"/>
+              <a:t>5. Once the user has completed selections for each div they will click on a button called search for recipes.</a:t>
+            </a:r>
+          </a:p>
+          <a:p>
+            <a:r>
+              <a:rPr lang="en-US" dirty="0"/>
+              <a:t>6. The </a:t>
+            </a:r>
+            <a:r>
+              <a:rPr lang="en-US" dirty="0" err="1"/>
+              <a:t>Ingredient_result</a:t>
+            </a:r>
+            <a:r>
+              <a:rPr lang="en-US" dirty="0"/>
+              <a:t> component will then render with a div showing the ingredients they chose on the right side of the screen and three </a:t>
+            </a:r>
+            <a:r>
+              <a:rPr lang="en-US" dirty="0" err="1"/>
+              <a:t>divs</a:t>
+            </a:r>
+            <a:r>
+              <a:rPr lang="en-US" dirty="0"/>
+              <a:t> breakfast, lunch, and dinner that will show three results per </a:t>
+            </a:r>
+            <a:r>
+              <a:rPr lang="en-US" dirty="0" err="1"/>
+              <a:t>divs</a:t>
+            </a:r>
+            <a:r>
+              <a:rPr lang="en-US" dirty="0"/>
+              <a:t>.</a:t>
+            </a:r>
+          </a:p>
+          <a:p>
+            <a:r>
+              <a:rPr lang="en-US" dirty="0"/>
+              <a:t>7. The user will be able to click on a check box next to the results per div to select which recipe the want to pick from they will only be able to click on one checkbox per div.</a:t>
+            </a:r>
+          </a:p>
+          <a:p>
+            <a:r>
+              <a:rPr lang="en-US" dirty="0"/>
+              <a:t>8.The user once a selection is made will click save results button.</a:t>
+            </a:r>
+          </a:p>
+          <a:p>
+            <a:r>
+              <a:rPr lang="en-US" dirty="0"/>
+              <a:t>9.The </a:t>
+            </a:r>
+            <a:r>
+              <a:rPr lang="en-US" dirty="0" err="1"/>
+              <a:t>Ingredient_dayplan</a:t>
+            </a:r>
+            <a:r>
+              <a:rPr lang="en-US" dirty="0"/>
+              <a:t> and the goal meter components will then render on the page.(app/login still the base ingredients used to search far left, three </a:t>
+            </a:r>
+            <a:r>
+              <a:rPr lang="en-US" dirty="0" err="1"/>
+              <a:t>divs</a:t>
+            </a:r>
+            <a:r>
+              <a:rPr lang="en-US" dirty="0"/>
+              <a:t> with recipe selected per div in the middle, goal meter on far right.)</a:t>
+            </a:r>
+          </a:p>
+          <a:p>
+            <a:r>
+              <a:rPr lang="en-US" dirty="0"/>
+              <a:t>10. When the user clicks the checkboxes next to the recipe named consumed the goal meter will start to color showing the progress for the day.</a:t>
+            </a:r>
+          </a:p>
+          <a:p>
+            <a:r>
+              <a:rPr lang="en-US" dirty="0"/>
+              <a:t>11. The user will have to have all three consumed check boxes selected for the goal meter to fill up completely.</a:t>
+            </a:r>
+          </a:p>
+        </p:txBody>
+      </p:sp>
+      <p:sp>
+        <p:nvSpPr>
+          <p:cNvPr id="4" name="Slide Number Placeholder 3"/>
+          <p:cNvSpPr>
+            <a:spLocks noGrp="1"/>
+          </p:cNvSpPr>
+          <p:nvPr>
+            <p:ph type="sldNum" sz="quarter" idx="5"/>
+          </p:nvPr>
+        </p:nvSpPr>
+        <p:spPr/>
+        <p:txBody>
+          <a:bodyPr/>
+          <a:lstStyle/>
+          <a:p>
+            <a:fld id="{8340A06A-1837-4BE9-9E21-BD460EB73CFB}" type="slidenum">
+              <a:rPr lang="en-US" smtClean="0"/>
+              <a:t>8</a:t>
+            </a:fld>
+            <a:endParaRPr lang="en-US"/>
+          </a:p>
+        </p:txBody>
+      </p:sp>
+    </p:spTree>
+    <p:extLst>
+      <p:ext uri="{BB962C8B-B14F-4D97-AF65-F5344CB8AC3E}">
+        <p14:creationId xmlns:p14="http://schemas.microsoft.com/office/powerpoint/2010/main" val="1232011871"/>
+      </p:ext>
+    </p:extLst>
+  </p:cSld>
+  <p:clrMapOvr>
+    <a:masterClrMapping/>
+  </p:clrMapOvr>
+</p:notes>
+</file>
+
+<file path=ppt/notesSlides/notesSlide7.xml><?xml version="1.0" encoding="utf-8"?>
+<p:notes xmlns:a="http://schemas.openxmlformats.org/drawingml/2006/main" xmlns:r="http://schemas.openxmlformats.org/officeDocument/2006/relationships" xmlns:p="http://schemas.openxmlformats.org/presentationml/2006/main">
+  <p:cSld>
+    <p:spTree>
+      <p:nvGrpSpPr>
+        <p:cNvPr id="1" name=""/>
+        <p:cNvGrpSpPr/>
+        <p:nvPr/>
+      </p:nvGrpSpPr>
+      <p:grpSpPr>
+        <a:xfrm>
+          <a:off x="0" y="0"/>
+          <a:ext cx="0" cy="0"/>
+          <a:chOff x="0" y="0"/>
+          <a:chExt cx="0" cy="0"/>
+        </a:xfrm>
+      </p:grpSpPr>
+      <p:sp>
+        <p:nvSpPr>
+          <p:cNvPr id="2" name="Slide Image Placeholder 1"/>
+          <p:cNvSpPr>
+            <a:spLocks noGrp="1" noRot="1" noChangeAspect="1"/>
+          </p:cNvSpPr>
+          <p:nvPr>
+            <p:ph type="sldImg"/>
+          </p:nvPr>
+        </p:nvSpPr>
+        <p:spPr/>
+      </p:sp>
+      <p:sp>
+        <p:nvSpPr>
+          <p:cNvPr id="3" name="Notes Placeholder 2"/>
+          <p:cNvSpPr>
+            <a:spLocks noGrp="1"/>
+          </p:cNvSpPr>
+          <p:nvPr>
+            <p:ph type="body" idx="1"/>
+          </p:nvPr>
+        </p:nvSpPr>
+        <p:spPr/>
+        <p:txBody>
+          <a:bodyPr/>
+          <a:lstStyle/>
+          <a:p>
+            <a:r>
+              <a:rPr lang="en-US" dirty="0"/>
+              <a:t>1.When the user first opens the page they will be shown the App component with Login component rendering the name of the page as a header and a username and password input box with login and new user buttons.(This will always show regardless of other components rendering)</a:t>
+            </a:r>
+          </a:p>
+          <a:p>
+            <a:r>
+              <a:rPr lang="en-US" dirty="0"/>
+              <a:t>2. The user will then input username and password and click login.</a:t>
+            </a:r>
+          </a:p>
+          <a:p>
+            <a:r>
+              <a:rPr lang="en-US" dirty="0"/>
+              <a:t>3. If information is correct the App/Login component will stay rendered and the </a:t>
+            </a:r>
+            <a:r>
+              <a:rPr lang="en-US" dirty="0" err="1"/>
+              <a:t>Ingredient_selection</a:t>
+            </a:r>
+            <a:r>
+              <a:rPr lang="en-US" dirty="0"/>
+              <a:t> component will now be rendered with only the header  and the date picker being shown for the user to select a date.</a:t>
+            </a:r>
+          </a:p>
+          <a:p>
+            <a:r>
+              <a:rPr lang="en-US" dirty="0"/>
+              <a:t>4.Since recipes have already been selected for the date chosen we will bypass the </a:t>
+            </a:r>
+            <a:r>
+              <a:rPr lang="en-US" dirty="0" err="1"/>
+              <a:t>ingredient_selection</a:t>
+            </a:r>
+            <a:r>
+              <a:rPr lang="en-US" dirty="0"/>
+              <a:t> and the </a:t>
+            </a:r>
+            <a:r>
+              <a:rPr lang="en-US" dirty="0" err="1"/>
+              <a:t>ingredient_result</a:t>
+            </a:r>
+            <a:r>
+              <a:rPr lang="en-US" dirty="0"/>
+              <a:t> components.</a:t>
+            </a:r>
+          </a:p>
+          <a:p>
+            <a:r>
+              <a:rPr lang="en-US" dirty="0"/>
+              <a:t>4.The </a:t>
+            </a:r>
+            <a:r>
+              <a:rPr lang="en-US" dirty="0" err="1"/>
+              <a:t>Ingredient_dayplan</a:t>
+            </a:r>
+            <a:r>
+              <a:rPr lang="en-US" dirty="0"/>
+              <a:t> and the goal meter components will then render on the page.(app/login still the base ingredients used to search far left, three </a:t>
+            </a:r>
+            <a:r>
+              <a:rPr lang="en-US" dirty="0" err="1"/>
+              <a:t>divs</a:t>
+            </a:r>
+            <a:r>
+              <a:rPr lang="en-US" dirty="0"/>
+              <a:t> with recipe selected per div in the middle, goal meter on far right.)</a:t>
+            </a:r>
+          </a:p>
+          <a:p>
+            <a:r>
+              <a:rPr lang="en-US" dirty="0"/>
+              <a:t>5. When the user clicks the checkboxes next to the recipe named consumed the goal meter will start to color showing the progress for the day.</a:t>
+            </a:r>
+          </a:p>
+          <a:p>
+            <a:r>
+              <a:rPr lang="en-US" dirty="0"/>
+              <a:t>6. The user will have to have all three consumed check boxes selected for the goal meter to fill up completely.</a:t>
+            </a:r>
+          </a:p>
+          <a:p>
+            <a:endParaRPr lang="en-US" dirty="0"/>
+          </a:p>
+        </p:txBody>
+      </p:sp>
+      <p:sp>
+        <p:nvSpPr>
+          <p:cNvPr id="4" name="Slide Number Placeholder 3"/>
+          <p:cNvSpPr>
+            <a:spLocks noGrp="1"/>
+          </p:cNvSpPr>
+          <p:nvPr>
+            <p:ph type="sldNum" sz="quarter" idx="5"/>
+          </p:nvPr>
+        </p:nvSpPr>
+        <p:spPr/>
+        <p:txBody>
+          <a:bodyPr/>
+          <a:lstStyle/>
+          <a:p>
+            <a:fld id="{8340A06A-1837-4BE9-9E21-BD460EB73CFB}" type="slidenum">
+              <a:rPr lang="en-US" smtClean="0"/>
+              <a:t>9</a:t>
+            </a:fld>
+            <a:endParaRPr lang="en-US"/>
+          </a:p>
+        </p:txBody>
+      </p:sp>
+    </p:spTree>
+    <p:extLst>
+      <p:ext uri="{BB962C8B-B14F-4D97-AF65-F5344CB8AC3E}">
+        <p14:creationId xmlns:p14="http://schemas.microsoft.com/office/powerpoint/2010/main" val="198568106"/>
+      </p:ext>
+    </p:extLst>
+  </p:cSld>
+  <p:clrMapOvr>
+    <a:masterClrMapping/>
+  </p:clrMapOvr>
+</p:notes>
+</file>
+
+<file path=ppt/notesSlides/notesSlide8.xml><?xml version="1.0" encoding="utf-8"?>
+<p:notes xmlns:a="http://schemas.openxmlformats.org/drawingml/2006/main" xmlns:r="http://schemas.openxmlformats.org/officeDocument/2006/relationships" xmlns:p="http://schemas.openxmlformats.org/presentationml/2006/main">
+  <p:cSld>
+    <p:spTree>
+      <p:nvGrpSpPr>
+        <p:cNvPr id="1" name=""/>
+        <p:cNvGrpSpPr/>
+        <p:nvPr/>
+      </p:nvGrpSpPr>
+      <p:grpSpPr>
+        <a:xfrm>
+          <a:off x="0" y="0"/>
+          <a:ext cx="0" cy="0"/>
+          <a:chOff x="0" y="0"/>
+          <a:chExt cx="0" cy="0"/>
+        </a:xfrm>
+      </p:grpSpPr>
+      <p:sp>
+        <p:nvSpPr>
+          <p:cNvPr id="2" name="Slide Image Placeholder 1"/>
+          <p:cNvSpPr>
+            <a:spLocks noGrp="1" noRot="1" noChangeAspect="1"/>
+          </p:cNvSpPr>
+          <p:nvPr>
+            <p:ph type="sldImg"/>
+          </p:nvPr>
+        </p:nvSpPr>
+        <p:spPr/>
+      </p:sp>
+      <p:sp>
+        <p:nvSpPr>
+          <p:cNvPr id="3" name="Notes Placeholder 2"/>
+          <p:cNvSpPr>
+            <a:spLocks noGrp="1"/>
+          </p:cNvSpPr>
+          <p:nvPr>
+            <p:ph type="body" idx="1"/>
+          </p:nvPr>
+        </p:nvSpPr>
+        <p:spPr/>
+        <p:txBody>
+          <a:bodyPr/>
+          <a:lstStyle/>
+          <a:p>
+            <a:r>
+              <a:rPr lang="en-US" dirty="0"/>
+              <a:t>1.When the user first opens the page they will be shown the App component with Login component rendering the name of the page as a header and a username and password input box with login and new user buttons.(This will always show regardless of other components rendering)</a:t>
+            </a:r>
+          </a:p>
+          <a:p>
+            <a:r>
+              <a:rPr lang="en-US" dirty="0"/>
+              <a:t>2. The user will then input username and password and click New User.</a:t>
+            </a:r>
+          </a:p>
+          <a:p>
+            <a:r>
+              <a:rPr lang="en-US" dirty="0"/>
+              <a:t>3. Username and password will be stored in the database and the App/Login component will stay rendered and the </a:t>
+            </a:r>
+            <a:r>
+              <a:rPr lang="en-US" dirty="0" err="1"/>
+              <a:t>Ingredient_selection</a:t>
+            </a:r>
+            <a:r>
+              <a:rPr lang="en-US" dirty="0"/>
+              <a:t> component will now be rendered with only the header  and the date picker being shown for the user to select a date.</a:t>
+            </a:r>
+          </a:p>
+          <a:p>
+            <a:r>
+              <a:rPr lang="en-US" dirty="0"/>
+              <a:t>4. User selects a date and will then render the rest of the </a:t>
+            </a:r>
+            <a:r>
+              <a:rPr lang="en-US" dirty="0" err="1"/>
+              <a:t>Ingredient_selection</a:t>
+            </a:r>
+            <a:r>
+              <a:rPr lang="en-US" dirty="0"/>
+              <a:t> component to include  a div for breakfast, lunch, and dinner with drop downs to choose from and ingredient input box for the user to input ingredients they want to use for each div.</a:t>
+            </a:r>
+          </a:p>
+          <a:p>
+            <a:r>
+              <a:rPr lang="en-US" dirty="0"/>
+              <a:t>5. Once the user has completed selections for each div they will click on a button called search for recipes.</a:t>
+            </a:r>
+          </a:p>
+          <a:p>
+            <a:r>
+              <a:rPr lang="en-US" dirty="0"/>
+              <a:t>6. The </a:t>
+            </a:r>
+            <a:r>
+              <a:rPr lang="en-US" dirty="0" err="1"/>
+              <a:t>Ingredient_result</a:t>
+            </a:r>
+            <a:r>
+              <a:rPr lang="en-US" dirty="0"/>
+              <a:t> component will then render with a div showing the ingredients they chose on the right side of the screen and three </a:t>
+            </a:r>
+            <a:r>
+              <a:rPr lang="en-US" dirty="0" err="1"/>
+              <a:t>divs</a:t>
+            </a:r>
+            <a:r>
+              <a:rPr lang="en-US" dirty="0"/>
+              <a:t> breakfast, lunch, and dinner that will show three results per </a:t>
+            </a:r>
+            <a:r>
+              <a:rPr lang="en-US" dirty="0" err="1"/>
+              <a:t>divs</a:t>
+            </a:r>
+            <a:r>
+              <a:rPr lang="en-US" dirty="0"/>
+              <a:t>.</a:t>
+            </a:r>
+          </a:p>
+          <a:p>
+            <a:r>
+              <a:rPr lang="en-US" dirty="0"/>
+              <a:t>7. The user will be able to click on a check box next to the results per div to select which recipe the want to pick from they will only be able to click on one checkbox per div.</a:t>
+            </a:r>
+          </a:p>
+          <a:p>
+            <a:r>
+              <a:rPr lang="en-US" dirty="0"/>
+              <a:t>8.The user once a selection is made will click save results button.</a:t>
+            </a:r>
+          </a:p>
+          <a:p>
+            <a:r>
+              <a:rPr lang="en-US" dirty="0"/>
+              <a:t>9.The </a:t>
+            </a:r>
+            <a:r>
+              <a:rPr lang="en-US" dirty="0" err="1"/>
+              <a:t>Ingredient_dayplan</a:t>
+            </a:r>
+            <a:r>
+              <a:rPr lang="en-US" dirty="0"/>
+              <a:t> and the goal meter components will then render on the page.(app/login still the base ingredients used to search far left, three </a:t>
+            </a:r>
+            <a:r>
+              <a:rPr lang="en-US" dirty="0" err="1"/>
+              <a:t>divs</a:t>
+            </a:r>
+            <a:r>
+              <a:rPr lang="en-US" dirty="0"/>
+              <a:t> with recipe selected per div in the middle, goal meter on far right.)</a:t>
+            </a:r>
+          </a:p>
+          <a:p>
+            <a:r>
+              <a:rPr lang="en-US" dirty="0"/>
+              <a:t>10. When the user clicks the checkboxes next to the recipe named consumed the goal meter will start to color showing the progress for the day.</a:t>
+            </a:r>
+          </a:p>
+          <a:p>
+            <a:r>
+              <a:rPr lang="en-US" dirty="0"/>
+              <a:t>11. The user will have to have all three consumed check boxes selected for the goal meter to fill up completely.</a:t>
+            </a:r>
+          </a:p>
+          <a:p>
+            <a:endParaRPr lang="en-US" dirty="0"/>
+          </a:p>
+        </p:txBody>
+      </p:sp>
+      <p:sp>
+        <p:nvSpPr>
+          <p:cNvPr id="4" name="Slide Number Placeholder 3"/>
+          <p:cNvSpPr>
+            <a:spLocks noGrp="1"/>
+          </p:cNvSpPr>
+          <p:nvPr>
+            <p:ph type="sldNum" sz="quarter" idx="5"/>
+          </p:nvPr>
+        </p:nvSpPr>
+        <p:spPr/>
+        <p:txBody>
+          <a:bodyPr/>
+          <a:lstStyle/>
+          <a:p>
+            <a:fld id="{8340A06A-1837-4BE9-9E21-BD460EB73CFB}" type="slidenum">
+              <a:rPr lang="en-US" smtClean="0"/>
+              <a:t>10</a:t>
+            </a:fld>
+            <a:endParaRPr lang="en-US"/>
+          </a:p>
+        </p:txBody>
+      </p:sp>
+    </p:spTree>
+    <p:extLst>
+      <p:ext uri="{BB962C8B-B14F-4D97-AF65-F5344CB8AC3E}">
+        <p14:creationId xmlns:p14="http://schemas.microsoft.com/office/powerpoint/2010/main" val="3320865277"/>
+      </p:ext>
+    </p:extLst>
+  </p:cSld>
+  <p:clrMapOvr>
+    <a:masterClrMapping/>
+  </p:clrMapOvr>
+</p:notes>
 </file>
 
 <file path=ppt/slideLayouts/slideLayout1.xml><?xml version="1.0" encoding="utf-8"?>
@@ -3372,7 +4814,11 @@
               <a:t>ESCULENT</a:t>
             </a:r>
             <a:r>
-              <a:rPr lang="en-US" dirty="0"/>
+              <a:rPr lang="en-US" dirty="0">
+                <a:solidFill>
+                  <a:srgbClr val="BCED91"/>
+                </a:solidFill>
+              </a:rPr>
               <a:t> </a:t>
             </a:r>
           </a:p>
@@ -3382,6 +4828,442 @@
     <p:extLst>
       <p:ext uri="{BB962C8B-B14F-4D97-AF65-F5344CB8AC3E}">
         <p14:creationId xmlns:p14="http://schemas.microsoft.com/office/powerpoint/2010/main" val="3191390999"/>
+      </p:ext>
+    </p:extLst>
+  </p:cSld>
+  <p:clrMapOvr>
+    <a:masterClrMapping/>
+  </p:clrMapOvr>
+</p:sld>
+</file>
+
+<file path=ppt/slides/slide10.xml><?xml version="1.0" encoding="utf-8"?>
+<p:sld xmlns:a="http://schemas.openxmlformats.org/drawingml/2006/main" xmlns:r="http://schemas.openxmlformats.org/officeDocument/2006/relationships" xmlns:p="http://schemas.openxmlformats.org/presentationml/2006/main">
+  <p:cSld>
+    <p:spTree>
+      <p:nvGrpSpPr>
+        <p:cNvPr id="1" name=""/>
+        <p:cNvGrpSpPr/>
+        <p:nvPr/>
+      </p:nvGrpSpPr>
+      <p:grpSpPr>
+        <a:xfrm>
+          <a:off x="0" y="0"/>
+          <a:ext cx="0" cy="0"/>
+          <a:chOff x="0" y="0"/>
+          <a:chExt cx="0" cy="0"/>
+        </a:xfrm>
+      </p:grpSpPr>
+      <p:sp>
+        <p:nvSpPr>
+          <p:cNvPr id="5" name="Rectangle 4">
+            <a:extLst>
+              <a:ext uri="{FF2B5EF4-FFF2-40B4-BE49-F238E27FC236}">
+                <a16:creationId xmlns:a16="http://schemas.microsoft.com/office/drawing/2014/main" id="{F88F6448-7400-42F6-84B6-0F9E164D4DED}"/>
+              </a:ext>
+            </a:extLst>
+          </p:cNvPr>
+          <p:cNvSpPr/>
+          <p:nvPr/>
+        </p:nvSpPr>
+        <p:spPr>
+          <a:xfrm>
+            <a:off x="409074" y="168442"/>
+            <a:ext cx="11640552" cy="553453"/>
+          </a:xfrm>
+          <a:prstGeom prst="rect">
+            <a:avLst/>
+          </a:prstGeom>
+        </p:spPr>
+        <p:style>
+          <a:lnRef idx="2">
+            <a:schemeClr val="accent1">
+              <a:shade val="50000"/>
+            </a:schemeClr>
+          </a:lnRef>
+          <a:fillRef idx="1">
+            <a:schemeClr val="accent1"/>
+          </a:fillRef>
+          <a:effectRef idx="0">
+            <a:schemeClr val="accent1"/>
+          </a:effectRef>
+          <a:fontRef idx="minor">
+            <a:schemeClr val="lt1"/>
+          </a:fontRef>
+        </p:style>
+        <p:txBody>
+          <a:bodyPr rtlCol="0" anchor="ctr"/>
+          <a:lstStyle/>
+          <a:p>
+            <a:pPr algn="ctr"/>
+            <a:r>
+              <a:rPr lang="en-US" dirty="0"/>
+              <a:t>New User</a:t>
+            </a:r>
+          </a:p>
+        </p:txBody>
+      </p:sp>
+      <p:sp>
+        <p:nvSpPr>
+          <p:cNvPr id="7" name="Rectangle 6">
+            <a:extLst>
+              <a:ext uri="{FF2B5EF4-FFF2-40B4-BE49-F238E27FC236}">
+                <a16:creationId xmlns:a16="http://schemas.microsoft.com/office/drawing/2014/main" id="{FA67EF5B-7C90-492D-8182-BC21AF60F22C}"/>
+              </a:ext>
+            </a:extLst>
+          </p:cNvPr>
+          <p:cNvSpPr/>
+          <p:nvPr/>
+        </p:nvSpPr>
+        <p:spPr>
+          <a:xfrm>
+            <a:off x="469232" y="1221206"/>
+            <a:ext cx="2171700" cy="625641"/>
+          </a:xfrm>
+          <a:prstGeom prst="rect">
+            <a:avLst/>
+          </a:prstGeom>
+        </p:spPr>
+        <p:style>
+          <a:lnRef idx="2">
+            <a:schemeClr val="accent1">
+              <a:shade val="50000"/>
+            </a:schemeClr>
+          </a:lnRef>
+          <a:fillRef idx="1">
+            <a:schemeClr val="accent1"/>
+          </a:fillRef>
+          <a:effectRef idx="0">
+            <a:schemeClr val="accent1"/>
+          </a:effectRef>
+          <a:fontRef idx="minor">
+            <a:schemeClr val="lt1"/>
+          </a:fontRef>
+        </p:style>
+        <p:txBody>
+          <a:bodyPr rtlCol="0" anchor="ctr"/>
+          <a:lstStyle/>
+          <a:p>
+            <a:pPr algn="ctr"/>
+            <a:r>
+              <a:rPr lang="en-US" dirty="0"/>
+              <a:t>Login</a:t>
+            </a:r>
+          </a:p>
+        </p:txBody>
+      </p:sp>
+      <p:sp>
+        <p:nvSpPr>
+          <p:cNvPr id="9" name="Rectangle 8">
+            <a:extLst>
+              <a:ext uri="{FF2B5EF4-FFF2-40B4-BE49-F238E27FC236}">
+                <a16:creationId xmlns:a16="http://schemas.microsoft.com/office/drawing/2014/main" id="{93F3F98B-0310-4365-8247-38B408F724CA}"/>
+              </a:ext>
+            </a:extLst>
+          </p:cNvPr>
+          <p:cNvSpPr/>
+          <p:nvPr/>
+        </p:nvSpPr>
+        <p:spPr>
+          <a:xfrm>
+            <a:off x="3781927" y="863265"/>
+            <a:ext cx="3176337" cy="1341521"/>
+          </a:xfrm>
+          <a:prstGeom prst="rect">
+            <a:avLst/>
+          </a:prstGeom>
+        </p:spPr>
+        <p:style>
+          <a:lnRef idx="2">
+            <a:schemeClr val="accent1">
+              <a:shade val="50000"/>
+            </a:schemeClr>
+          </a:lnRef>
+          <a:fillRef idx="1">
+            <a:schemeClr val="accent1"/>
+          </a:fillRef>
+          <a:effectRef idx="0">
+            <a:schemeClr val="accent1"/>
+          </a:effectRef>
+          <a:fontRef idx="minor">
+            <a:schemeClr val="lt1"/>
+          </a:fontRef>
+        </p:style>
+        <p:txBody>
+          <a:bodyPr rtlCol="0" anchor="ctr"/>
+          <a:lstStyle/>
+          <a:p>
+            <a:pPr algn="ctr"/>
+            <a:r>
+              <a:rPr lang="en-US" dirty="0"/>
+              <a:t>Ingredient Selection component with</a:t>
+            </a:r>
+          </a:p>
+          <a:p>
+            <a:pPr algn="ctr"/>
+            <a:r>
+              <a:rPr lang="en-US" dirty="0"/>
+              <a:t>Date picker only</a:t>
+            </a:r>
+          </a:p>
+        </p:txBody>
+      </p:sp>
+      <p:sp>
+        <p:nvSpPr>
+          <p:cNvPr id="11" name="Arrow: Right 10">
+            <a:extLst>
+              <a:ext uri="{FF2B5EF4-FFF2-40B4-BE49-F238E27FC236}">
+                <a16:creationId xmlns:a16="http://schemas.microsoft.com/office/drawing/2014/main" id="{4833AB50-1541-475A-AF31-4959EFCF590C}"/>
+              </a:ext>
+            </a:extLst>
+          </p:cNvPr>
+          <p:cNvSpPr/>
+          <p:nvPr/>
+        </p:nvSpPr>
+        <p:spPr>
+          <a:xfrm>
+            <a:off x="3001879" y="1467853"/>
+            <a:ext cx="649705" cy="54142"/>
+          </a:xfrm>
+          <a:prstGeom prst="rightArrow">
+            <a:avLst/>
+          </a:prstGeom>
+        </p:spPr>
+        <p:style>
+          <a:lnRef idx="2">
+            <a:schemeClr val="accent1">
+              <a:shade val="50000"/>
+            </a:schemeClr>
+          </a:lnRef>
+          <a:fillRef idx="1">
+            <a:schemeClr val="accent1"/>
+          </a:fillRef>
+          <a:effectRef idx="0">
+            <a:schemeClr val="accent1"/>
+          </a:effectRef>
+          <a:fontRef idx="minor">
+            <a:schemeClr val="lt1"/>
+          </a:fontRef>
+        </p:style>
+        <p:txBody>
+          <a:bodyPr rtlCol="0" anchor="ctr"/>
+          <a:lstStyle/>
+          <a:p>
+            <a:pPr algn="ctr"/>
+            <a:endParaRPr lang="en-US"/>
+          </a:p>
+        </p:txBody>
+      </p:sp>
+      <p:sp>
+        <p:nvSpPr>
+          <p:cNvPr id="13" name="Arrow: Right 12">
+            <a:extLst>
+              <a:ext uri="{FF2B5EF4-FFF2-40B4-BE49-F238E27FC236}">
+                <a16:creationId xmlns:a16="http://schemas.microsoft.com/office/drawing/2014/main" id="{FB0674DB-4397-4853-A45F-671B2D17E7FE}"/>
+              </a:ext>
+            </a:extLst>
+          </p:cNvPr>
+          <p:cNvSpPr/>
+          <p:nvPr/>
+        </p:nvSpPr>
+        <p:spPr>
+          <a:xfrm rot="5400000">
+            <a:off x="9019172" y="2303295"/>
+            <a:ext cx="306808" cy="49129"/>
+          </a:xfrm>
+          <a:prstGeom prst="rightArrow">
+            <a:avLst/>
+          </a:prstGeom>
+        </p:spPr>
+        <p:style>
+          <a:lnRef idx="2">
+            <a:schemeClr val="accent1">
+              <a:shade val="50000"/>
+            </a:schemeClr>
+          </a:lnRef>
+          <a:fillRef idx="1">
+            <a:schemeClr val="accent1"/>
+          </a:fillRef>
+          <a:effectRef idx="0">
+            <a:schemeClr val="accent1"/>
+          </a:effectRef>
+          <a:fontRef idx="minor">
+            <a:schemeClr val="lt1"/>
+          </a:fontRef>
+        </p:style>
+        <p:txBody>
+          <a:bodyPr rtlCol="0" anchor="ctr"/>
+          <a:lstStyle/>
+          <a:p>
+            <a:pPr algn="ctr"/>
+            <a:endParaRPr lang="en-US"/>
+          </a:p>
+        </p:txBody>
+      </p:sp>
+      <p:sp>
+        <p:nvSpPr>
+          <p:cNvPr id="15" name="Arrow: Right 14">
+            <a:extLst>
+              <a:ext uri="{FF2B5EF4-FFF2-40B4-BE49-F238E27FC236}">
+                <a16:creationId xmlns:a16="http://schemas.microsoft.com/office/drawing/2014/main" id="{6A61269F-4405-4A66-B28F-2A1340E23F03}"/>
+              </a:ext>
+            </a:extLst>
+          </p:cNvPr>
+          <p:cNvSpPr/>
+          <p:nvPr/>
+        </p:nvSpPr>
+        <p:spPr>
+          <a:xfrm>
+            <a:off x="7088607" y="1494924"/>
+            <a:ext cx="649705" cy="54142"/>
+          </a:xfrm>
+          <a:prstGeom prst="rightArrow">
+            <a:avLst/>
+          </a:prstGeom>
+        </p:spPr>
+        <p:style>
+          <a:lnRef idx="2">
+            <a:schemeClr val="accent1">
+              <a:shade val="50000"/>
+            </a:schemeClr>
+          </a:lnRef>
+          <a:fillRef idx="1">
+            <a:schemeClr val="accent1"/>
+          </a:fillRef>
+          <a:effectRef idx="0">
+            <a:schemeClr val="accent1"/>
+          </a:effectRef>
+          <a:fontRef idx="minor">
+            <a:schemeClr val="lt1"/>
+          </a:fontRef>
+        </p:style>
+        <p:txBody>
+          <a:bodyPr rtlCol="0" anchor="ctr"/>
+          <a:lstStyle/>
+          <a:p>
+            <a:pPr algn="ctr"/>
+            <a:endParaRPr lang="en-US"/>
+          </a:p>
+        </p:txBody>
+      </p:sp>
+      <p:sp>
+        <p:nvSpPr>
+          <p:cNvPr id="17" name="Rectangle 16">
+            <a:extLst>
+              <a:ext uri="{FF2B5EF4-FFF2-40B4-BE49-F238E27FC236}">
+                <a16:creationId xmlns:a16="http://schemas.microsoft.com/office/drawing/2014/main" id="{3749B0D9-5F0E-446C-BD1A-21E123B1D554}"/>
+              </a:ext>
+            </a:extLst>
+          </p:cNvPr>
+          <p:cNvSpPr/>
+          <p:nvPr/>
+        </p:nvSpPr>
+        <p:spPr>
+          <a:xfrm>
+            <a:off x="7868655" y="1025691"/>
+            <a:ext cx="2422356" cy="1016667"/>
+          </a:xfrm>
+          <a:prstGeom prst="rect">
+            <a:avLst/>
+          </a:prstGeom>
+        </p:spPr>
+        <p:style>
+          <a:lnRef idx="2">
+            <a:schemeClr val="accent1">
+              <a:shade val="50000"/>
+            </a:schemeClr>
+          </a:lnRef>
+          <a:fillRef idx="1">
+            <a:schemeClr val="accent1"/>
+          </a:fillRef>
+          <a:effectRef idx="0">
+            <a:schemeClr val="accent1"/>
+          </a:effectRef>
+          <a:fontRef idx="minor">
+            <a:schemeClr val="lt1"/>
+          </a:fontRef>
+        </p:style>
+        <p:txBody>
+          <a:bodyPr rtlCol="0" anchor="ctr"/>
+          <a:lstStyle/>
+          <a:p>
+            <a:pPr algn="ctr"/>
+            <a:r>
+              <a:rPr lang="en-US" dirty="0"/>
+              <a:t>Ingredient result component</a:t>
+            </a:r>
+          </a:p>
+        </p:txBody>
+      </p:sp>
+      <p:sp>
+        <p:nvSpPr>
+          <p:cNvPr id="19" name="Rectangle 18">
+            <a:extLst>
+              <a:ext uri="{FF2B5EF4-FFF2-40B4-BE49-F238E27FC236}">
+                <a16:creationId xmlns:a16="http://schemas.microsoft.com/office/drawing/2014/main" id="{3D63DF20-377F-49EF-9028-030B25A42B97}"/>
+              </a:ext>
+            </a:extLst>
+          </p:cNvPr>
+          <p:cNvSpPr/>
+          <p:nvPr/>
+        </p:nvSpPr>
+        <p:spPr>
+          <a:xfrm>
+            <a:off x="7936834" y="2613360"/>
+            <a:ext cx="2422356" cy="1016667"/>
+          </a:xfrm>
+          <a:prstGeom prst="rect">
+            <a:avLst/>
+          </a:prstGeom>
+        </p:spPr>
+        <p:style>
+          <a:lnRef idx="2">
+            <a:schemeClr val="accent1">
+              <a:shade val="50000"/>
+            </a:schemeClr>
+          </a:lnRef>
+          <a:fillRef idx="1">
+            <a:schemeClr val="accent1"/>
+          </a:fillRef>
+          <a:effectRef idx="0">
+            <a:schemeClr val="accent1"/>
+          </a:effectRef>
+          <a:fontRef idx="minor">
+            <a:schemeClr val="lt1"/>
+          </a:fontRef>
+        </p:style>
+        <p:txBody>
+          <a:bodyPr rtlCol="0" anchor="ctr"/>
+          <a:lstStyle/>
+          <a:p>
+            <a:pPr algn="ctr"/>
+            <a:r>
+              <a:rPr lang="en-US" dirty="0" err="1"/>
+              <a:t>Ingredient_dayplan</a:t>
+            </a:r>
+            <a:endParaRPr lang="en-US" dirty="0"/>
+          </a:p>
+          <a:p>
+            <a:pPr algn="ctr"/>
+            <a:r>
+              <a:rPr lang="en-US" dirty="0"/>
+              <a:t>/</a:t>
+            </a:r>
+            <a:r>
+              <a:rPr lang="en-US" dirty="0" err="1"/>
+              <a:t>goalmeter</a:t>
+            </a:r>
+            <a:r>
+              <a:rPr lang="en-US" dirty="0"/>
+              <a:t> components </a:t>
+            </a:r>
+          </a:p>
+        </p:txBody>
+      </p:sp>
+    </p:spTree>
+    <p:extLst>
+      <p:ext uri="{BB962C8B-B14F-4D97-AF65-F5344CB8AC3E}">
+        <p14:creationId xmlns:p14="http://schemas.microsoft.com/office/powerpoint/2010/main" val="3917704922"/>
       </p:ext>
     </p:extLst>
   </p:cSld>
@@ -3464,10 +5346,7 @@
             <a:r>
               <a:rPr lang="en-US" sz="4000" dirty="0">
                 <a:solidFill>
-                  <a:schemeClr val="accent6">
-                    <a:lumMod val="40000"/>
-                    <a:lumOff val="60000"/>
-                  </a:schemeClr>
+                  <a:srgbClr val="BCED91"/>
                 </a:solidFill>
                 <a:latin typeface="Viner Hand ITC" panose="03070502030502020203" pitchFamily="66" charset="0"/>
               </a:rPr>
@@ -3524,10 +5403,7 @@
             <a:r>
               <a:rPr lang="en-US" dirty="0">
                 <a:solidFill>
-                  <a:schemeClr val="accent6">
-                    <a:lumMod val="40000"/>
-                    <a:lumOff val="60000"/>
-                  </a:schemeClr>
+                  <a:srgbClr val="BCED91"/>
                 </a:solidFill>
               </a:rPr>
               <a:t>User-______</a:t>
@@ -3538,10 +5414,7 @@
             <a:r>
               <a:rPr lang="en-US" dirty="0">
                 <a:solidFill>
-                  <a:schemeClr val="accent6">
-                    <a:lumMod val="40000"/>
-                    <a:lumOff val="60000"/>
-                  </a:schemeClr>
+                  <a:srgbClr val="BCED91"/>
                 </a:solidFill>
               </a:rPr>
               <a:t>Pass-______</a:t>
@@ -3552,13 +5425,10 @@
             <a:r>
               <a:rPr lang="en-US" dirty="0">
                 <a:solidFill>
-                  <a:schemeClr val="accent6">
-                    <a:lumMod val="40000"/>
-                    <a:lumOff val="60000"/>
-                  </a:schemeClr>
+                  <a:srgbClr val="BCED91"/>
                 </a:solidFill>
               </a:rPr>
-              <a:t>LOGIN</a:t>
+              <a:t>LOGIN/new user</a:t>
             </a:r>
           </a:p>
         </p:txBody>
@@ -3649,10 +5519,7 @@
             <a:r>
               <a:rPr lang="en-US" sz="4000" dirty="0">
                 <a:solidFill>
-                  <a:schemeClr val="accent6">
-                    <a:lumMod val="40000"/>
-                    <a:lumOff val="60000"/>
-                  </a:schemeClr>
+                  <a:srgbClr val="BCED91"/>
                 </a:solidFill>
                 <a:latin typeface="Viner Hand ITC" panose="03070502030502020203" pitchFamily="66" charset="0"/>
               </a:rPr>
@@ -3663,10 +5530,10 @@
       </p:sp>
       <p:sp>
         <p:nvSpPr>
-          <p:cNvPr id="8" name="Rectangle 7">
-            <a:extLst>
-              <a:ext uri="{FF2B5EF4-FFF2-40B4-BE49-F238E27FC236}">
-                <a16:creationId xmlns:a16="http://schemas.microsoft.com/office/drawing/2014/main" id="{5BA6C1CC-A878-43D9-AB25-E5808D72262B}"/>
+          <p:cNvPr id="5" name="Rectangle 4">
+            <a:extLst>
+              <a:ext uri="{FF2B5EF4-FFF2-40B4-BE49-F238E27FC236}">
+                <a16:creationId xmlns:a16="http://schemas.microsoft.com/office/drawing/2014/main" id="{444F57D6-741E-4243-A12C-0AD29FBC1C24}"/>
               </a:ext>
             </a:extLst>
           </p:cNvPr>
@@ -3675,8 +5542,8 @@
         </p:nvSpPr>
         <p:spPr>
           <a:xfrm>
-            <a:off x="54591" y="1781387"/>
-            <a:ext cx="1909676" cy="4836159"/>
+            <a:off x="54591" y="721896"/>
+            <a:ext cx="1909676" cy="910477"/>
           </a:xfrm>
           <a:prstGeom prst="rect">
             <a:avLst/>
@@ -3709,242 +5576,32 @@
             <a:r>
               <a:rPr lang="en-US" dirty="0">
                 <a:solidFill>
-                  <a:schemeClr val="accent6">
-                    <a:lumMod val="40000"/>
-                    <a:lumOff val="60000"/>
-                  </a:schemeClr>
+                  <a:srgbClr val="BCED91"/>
                 </a:solidFill>
               </a:rPr>
-              <a:t>Breakfast-ingredients</a:t>
-            </a:r>
-          </a:p>
-          <a:p>
-            <a:pPr algn="ctr"/>
-            <a:endParaRPr lang="en-US" dirty="0">
-              <a:solidFill>
-                <a:schemeClr val="accent6">
-                  <a:lumMod val="40000"/>
-                  <a:lumOff val="60000"/>
-                </a:schemeClr>
-              </a:solidFill>
-            </a:endParaRPr>
+              <a:t>User-______</a:t>
+            </a:r>
           </a:p>
           <a:p>
             <a:pPr algn="ctr"/>
             <a:r>
               <a:rPr lang="en-US" dirty="0">
                 <a:solidFill>
-                  <a:schemeClr val="accent6">
-                    <a:lumMod val="40000"/>
-                    <a:lumOff val="60000"/>
-                  </a:schemeClr>
+                  <a:srgbClr val="BCED91"/>
                 </a:solidFill>
               </a:rPr>
-              <a:t>Lunch-ingredients</a:t>
-            </a:r>
-          </a:p>
-          <a:p>
-            <a:pPr algn="ctr"/>
-            <a:endParaRPr lang="en-US" dirty="0">
-              <a:solidFill>
-                <a:schemeClr val="accent6">
-                  <a:lumMod val="40000"/>
-                  <a:lumOff val="60000"/>
-                </a:schemeClr>
-              </a:solidFill>
-            </a:endParaRPr>
+              <a:t>Pass-______</a:t>
+            </a:r>
           </a:p>
           <a:p>
             <a:pPr algn="ctr"/>
             <a:r>
               <a:rPr lang="en-US" dirty="0">
                 <a:solidFill>
-                  <a:schemeClr val="accent6">
-                    <a:lumMod val="40000"/>
-                    <a:lumOff val="60000"/>
-                  </a:schemeClr>
+                  <a:srgbClr val="BCED91"/>
                 </a:solidFill>
               </a:rPr>
-              <a:t>Dinner-ingredients</a:t>
-            </a:r>
-          </a:p>
-          <a:p>
-            <a:pPr algn="ctr"/>
-            <a:endParaRPr lang="en-US" dirty="0">
-              <a:solidFill>
-                <a:schemeClr val="accent6">
-                  <a:lumMod val="40000"/>
-                  <a:lumOff val="60000"/>
-                </a:schemeClr>
-              </a:solidFill>
-            </a:endParaRPr>
-          </a:p>
-          <a:p>
-            <a:pPr algn="ctr"/>
-            <a:endParaRPr lang="en-US" dirty="0">
-              <a:solidFill>
-                <a:schemeClr val="accent6">
-                  <a:lumMod val="40000"/>
-                  <a:lumOff val="60000"/>
-                </a:schemeClr>
-              </a:solidFill>
-            </a:endParaRPr>
-          </a:p>
-          <a:p>
-            <a:pPr algn="ctr"/>
-            <a:endParaRPr lang="en-US" dirty="0">
-              <a:solidFill>
-                <a:schemeClr val="accent6">
-                  <a:lumMod val="40000"/>
-                  <a:lumOff val="60000"/>
-                </a:schemeClr>
-              </a:solidFill>
-            </a:endParaRPr>
-          </a:p>
-        </p:txBody>
-      </p:sp>
-      <p:sp>
-        <p:nvSpPr>
-          <p:cNvPr id="9" name="Rectangle 8">
-            <a:extLst>
-              <a:ext uri="{FF2B5EF4-FFF2-40B4-BE49-F238E27FC236}">
-                <a16:creationId xmlns:a16="http://schemas.microsoft.com/office/drawing/2014/main" id="{90B549AF-B60E-4E26-862F-E0EFE7FFFCDB}"/>
-              </a:ext>
-            </a:extLst>
-          </p:cNvPr>
-          <p:cNvSpPr/>
-          <p:nvPr/>
-        </p:nvSpPr>
-        <p:spPr>
-          <a:xfrm>
-            <a:off x="3416970" y="3359821"/>
-            <a:ext cx="5358062" cy="1437773"/>
-          </a:xfrm>
-          <a:prstGeom prst="rect">
-            <a:avLst/>
-          </a:prstGeom>
-          <a:solidFill>
-            <a:srgbClr val="947352"/>
-          </a:solidFill>
-        </p:spPr>
-        <p:style>
-          <a:lnRef idx="2">
-            <a:schemeClr val="accent1">
-              <a:shade val="50000"/>
-            </a:schemeClr>
-          </a:lnRef>
-          <a:fillRef idx="1">
-            <a:schemeClr val="accent1"/>
-          </a:fillRef>
-          <a:effectRef idx="0">
-            <a:schemeClr val="accent1"/>
-          </a:effectRef>
-          <a:fontRef idx="minor">
-            <a:schemeClr val="lt1"/>
-          </a:fontRef>
-        </p:style>
-        <p:txBody>
-          <a:bodyPr rtlCol="0" anchor="ctr"/>
-          <a:lstStyle/>
-          <a:p>
-            <a:pPr algn="ctr"/>
-            <a:r>
-              <a:rPr lang="en-US" dirty="0">
-                <a:solidFill>
-                  <a:schemeClr val="accent6">
-                    <a:lumMod val="40000"/>
-                    <a:lumOff val="60000"/>
-                  </a:schemeClr>
-                </a:solidFill>
-              </a:rPr>
-              <a:t>L[]D[]C[]-Lunch</a:t>
-            </a:r>
-          </a:p>
-          <a:p>
-            <a:pPr algn="ctr"/>
-            <a:r>
-              <a:rPr lang="en-US" dirty="0">
-                <a:solidFill>
-                  <a:schemeClr val="accent6">
-                    <a:lumMod val="40000"/>
-                    <a:lumOff val="60000"/>
-                  </a:schemeClr>
-                </a:solidFill>
-              </a:rPr>
-              <a:t>Recipe</a:t>
-            </a:r>
-          </a:p>
-        </p:txBody>
-      </p:sp>
-      <p:sp>
-        <p:nvSpPr>
-          <p:cNvPr id="10" name="Rectangle 9">
-            <a:extLst>
-              <a:ext uri="{FF2B5EF4-FFF2-40B4-BE49-F238E27FC236}">
-                <a16:creationId xmlns:a16="http://schemas.microsoft.com/office/drawing/2014/main" id="{CA7B2D9A-FC2B-4DDA-BB55-16C85CCE5BEC}"/>
-              </a:ext>
-            </a:extLst>
-          </p:cNvPr>
-          <p:cNvSpPr/>
-          <p:nvPr/>
-        </p:nvSpPr>
-        <p:spPr>
-          <a:xfrm>
-            <a:off x="3407869" y="1735554"/>
-            <a:ext cx="5358063" cy="1437773"/>
-          </a:xfrm>
-          <a:prstGeom prst="rect">
-            <a:avLst/>
-          </a:prstGeom>
-          <a:solidFill>
-            <a:srgbClr val="947352"/>
-          </a:solidFill>
-        </p:spPr>
-        <p:style>
-          <a:lnRef idx="2">
-            <a:schemeClr val="accent1">
-              <a:shade val="50000"/>
-            </a:schemeClr>
-          </a:lnRef>
-          <a:fillRef idx="1">
-            <a:schemeClr val="accent1"/>
-          </a:fillRef>
-          <a:effectRef idx="0">
-            <a:schemeClr val="accent1"/>
-          </a:effectRef>
-          <a:fontRef idx="minor">
-            <a:schemeClr val="lt1"/>
-          </a:fontRef>
-        </p:style>
-        <p:txBody>
-          <a:bodyPr rtlCol="0" anchor="ctr"/>
-          <a:lstStyle/>
-          <a:p>
-            <a:pPr algn="ctr"/>
-            <a:r>
-              <a:rPr lang="en-US" dirty="0">
-                <a:solidFill>
-                  <a:schemeClr val="accent6">
-                    <a:lumMod val="40000"/>
-                    <a:lumOff val="60000"/>
-                  </a:schemeClr>
-                </a:solidFill>
-              </a:rPr>
-              <a:t>Breakfast</a:t>
-            </a:r>
-          </a:p>
-          <a:p>
-            <a:pPr algn="ctr"/>
-            <a:r>
-              <a:rPr lang="en-US" dirty="0">
-                <a:solidFill>
-                  <a:schemeClr val="accent6">
-                    <a:lumMod val="40000"/>
-                    <a:lumOff val="60000"/>
-                  </a:schemeClr>
-                </a:solidFill>
-              </a:rPr>
-              <a:t>ingredients</a:t>
+              <a:t>LOGIN/new user</a:t>
             </a:r>
           </a:p>
         </p:txBody>
@@ -3954,7 +5611,7 @@
           <p:cNvPr id="2" name="Rectangle 1">
             <a:extLst>
               <a:ext uri="{FF2B5EF4-FFF2-40B4-BE49-F238E27FC236}">
-                <a16:creationId xmlns:a16="http://schemas.microsoft.com/office/drawing/2014/main" id="{1E474967-20C1-421A-B5B5-BFC9A4F1A65B}"/>
+                <a16:creationId xmlns:a16="http://schemas.microsoft.com/office/drawing/2014/main" id="{BC6833F3-69AA-4BF8-B67E-8FAD93119BA5}"/>
               </a:ext>
             </a:extLst>
           </p:cNvPr>
@@ -3997,10 +5654,7 @@
             <a:r>
               <a:rPr lang="en-US" dirty="0">
                 <a:solidFill>
-                  <a:schemeClr val="accent6">
-                    <a:lumMod val="40000"/>
-                    <a:lumOff val="60000"/>
-                  </a:schemeClr>
+                  <a:srgbClr val="BCED91"/>
                 </a:solidFill>
               </a:rPr>
               <a:t>NAME DAILY NUTRITION PLAN</a:t>
@@ -4009,183 +5663,25 @@
           <a:p>
             <a:pPr algn="ctr"/>
             <a:r>
-              <a:rPr lang="en-US" dirty="0">
+              <a:rPr lang="en-US" dirty="0" err="1">
                 <a:solidFill>
-                  <a:schemeClr val="accent6">
-                    <a:lumMod val="40000"/>
-                    <a:lumOff val="60000"/>
-                  </a:schemeClr>
+                  <a:srgbClr val="BCED91"/>
                 </a:solidFill>
               </a:rPr>
-              <a:t>Date</a:t>
-            </a:r>
-          </a:p>
-        </p:txBody>
-      </p:sp>
-      <p:sp>
-        <p:nvSpPr>
-          <p:cNvPr id="14" name="Rectangle 13">
-            <a:extLst>
-              <a:ext uri="{FF2B5EF4-FFF2-40B4-BE49-F238E27FC236}">
-                <a16:creationId xmlns:a16="http://schemas.microsoft.com/office/drawing/2014/main" id="{0E4F692B-A34C-4D9A-8F0C-8BE4BFF15F3D}"/>
-              </a:ext>
-            </a:extLst>
-          </p:cNvPr>
-          <p:cNvSpPr/>
-          <p:nvPr/>
-        </p:nvSpPr>
-        <p:spPr>
-          <a:xfrm>
-            <a:off x="3416970" y="4984088"/>
-            <a:ext cx="5358062" cy="1534018"/>
-          </a:xfrm>
-          <a:prstGeom prst="rect">
-            <a:avLst/>
-          </a:prstGeom>
-          <a:solidFill>
-            <a:srgbClr val="947352"/>
-          </a:solidFill>
-        </p:spPr>
-        <p:style>
-          <a:lnRef idx="2">
-            <a:schemeClr val="accent1">
-              <a:shade val="50000"/>
-            </a:schemeClr>
-          </a:lnRef>
-          <a:fillRef idx="1">
-            <a:schemeClr val="accent1"/>
-          </a:fillRef>
-          <a:effectRef idx="0">
-            <a:schemeClr val="accent1"/>
-          </a:effectRef>
-          <a:fontRef idx="minor">
-            <a:schemeClr val="lt1"/>
-          </a:fontRef>
-        </p:style>
-        <p:txBody>
-          <a:bodyPr rtlCol="0" anchor="ctr"/>
-          <a:lstStyle/>
-          <a:p>
-            <a:pPr algn="ctr"/>
-            <a:r>
-              <a:rPr lang="en-US" dirty="0">
-                <a:solidFill>
-                  <a:schemeClr val="accent6">
-                    <a:lumMod val="40000"/>
-                    <a:lumOff val="60000"/>
-                  </a:schemeClr>
-                </a:solidFill>
-              </a:rPr>
-              <a:t>L[]D[]C[]-Dinner</a:t>
-            </a:r>
-          </a:p>
-          <a:p>
-            <a:pPr algn="ctr"/>
-            <a:r>
-              <a:rPr lang="en-US" dirty="0">
-                <a:solidFill>
-                  <a:schemeClr val="accent6">
-                    <a:lumMod val="40000"/>
-                    <a:lumOff val="60000"/>
-                  </a:schemeClr>
-                </a:solidFill>
-              </a:rPr>
-              <a:t>Recipe</a:t>
-            </a:r>
-          </a:p>
-        </p:txBody>
-      </p:sp>
-      <p:sp>
-        <p:nvSpPr>
-          <p:cNvPr id="18" name="Rectangle 17">
-            <a:extLst>
-              <a:ext uri="{FF2B5EF4-FFF2-40B4-BE49-F238E27FC236}">
-                <a16:creationId xmlns:a16="http://schemas.microsoft.com/office/drawing/2014/main" id="{3F6F232A-3415-4E99-815A-5060480667AD}"/>
-              </a:ext>
-            </a:extLst>
-          </p:cNvPr>
-          <p:cNvSpPr/>
-          <p:nvPr/>
-        </p:nvSpPr>
-        <p:spPr>
-          <a:xfrm>
-            <a:off x="54591" y="721896"/>
-            <a:ext cx="1909676" cy="910477"/>
-          </a:xfrm>
-          <a:prstGeom prst="rect">
-            <a:avLst/>
-          </a:prstGeom>
-          <a:solidFill>
-            <a:srgbClr val="947352"/>
-          </a:solidFill>
-        </p:spPr>
-        <p:style>
-          <a:lnRef idx="2">
-            <a:schemeClr val="accent1">
-              <a:shade val="50000"/>
-            </a:schemeClr>
-          </a:lnRef>
-          <a:fillRef idx="1">
-            <a:schemeClr val="accent1"/>
-          </a:fillRef>
-          <a:effectRef idx="0">
-            <a:schemeClr val="accent1"/>
-          </a:effectRef>
-          <a:fontRef idx="minor">
-            <a:schemeClr val="lt1"/>
-          </a:fontRef>
-        </p:style>
-        <p:txBody>
-          <a:bodyPr rtlCol="0" anchor="ctr"/>
-          <a:lstStyle/>
-          <a:p>
-            <a:pPr algn="ctr"/>
-            <a:r>
-              <a:rPr lang="en-US" dirty="0">
-                <a:solidFill>
-                  <a:schemeClr val="accent6">
-                    <a:lumMod val="40000"/>
-                    <a:lumOff val="60000"/>
-                  </a:schemeClr>
-                </a:solidFill>
-              </a:rPr>
-              <a:t>User-______</a:t>
-            </a:r>
-          </a:p>
-          <a:p>
-            <a:pPr algn="ctr"/>
-            <a:r>
-              <a:rPr lang="en-US" dirty="0">
-                <a:solidFill>
-                  <a:schemeClr val="accent6">
-                    <a:lumMod val="40000"/>
-                    <a:lumOff val="60000"/>
-                  </a:schemeClr>
-                </a:solidFill>
-              </a:rPr>
-              <a:t>Pass-______</a:t>
-            </a:r>
-          </a:p>
-          <a:p>
-            <a:pPr algn="ctr"/>
-            <a:r>
-              <a:rPr lang="en-US" dirty="0">
-                <a:solidFill>
-                  <a:schemeClr val="accent6">
-                    <a:lumMod val="40000"/>
-                    <a:lumOff val="60000"/>
-                  </a:schemeClr>
-                </a:solidFill>
-              </a:rPr>
-              <a:t>LOGIN</a:t>
-            </a:r>
+              <a:t>DatePicker</a:t>
+            </a:r>
+            <a:endParaRPr lang="en-US" dirty="0">
+              <a:solidFill>
+                <a:srgbClr val="BCED91"/>
+              </a:solidFill>
+            </a:endParaRPr>
           </a:p>
         </p:txBody>
       </p:sp>
     </p:spTree>
     <p:extLst>
       <p:ext uri="{BB962C8B-B14F-4D97-AF65-F5344CB8AC3E}">
-        <p14:creationId xmlns:p14="http://schemas.microsoft.com/office/powerpoint/2010/main" val="2237717799"/>
+        <p14:creationId xmlns:p14="http://schemas.microsoft.com/office/powerpoint/2010/main" val="3348357799"/>
       </p:ext>
     </p:extLst>
   </p:cSld>
@@ -4268,10 +5764,7 @@
             <a:r>
               <a:rPr lang="en-US" sz="4000" dirty="0">
                 <a:solidFill>
-                  <a:schemeClr val="accent6">
-                    <a:lumMod val="40000"/>
-                    <a:lumOff val="60000"/>
-                  </a:schemeClr>
+                  <a:srgbClr val="BCED91"/>
                 </a:solidFill>
                 <a:latin typeface="Viner Hand ITC" panose="03070502030502020203" pitchFamily="66" charset="0"/>
               </a:rPr>
@@ -4282,10 +5775,10 @@
       </p:sp>
       <p:sp>
         <p:nvSpPr>
-          <p:cNvPr id="2" name="Rectangle 1">
-            <a:extLst>
-              <a:ext uri="{FF2B5EF4-FFF2-40B4-BE49-F238E27FC236}">
-                <a16:creationId xmlns:a16="http://schemas.microsoft.com/office/drawing/2014/main" id="{A1E96056-9E12-4C7F-9968-3A10215C00F3}"/>
+          <p:cNvPr id="9" name="Rectangle 8">
+            <a:extLst>
+              <a:ext uri="{FF2B5EF4-FFF2-40B4-BE49-F238E27FC236}">
+                <a16:creationId xmlns:a16="http://schemas.microsoft.com/office/drawing/2014/main" id="{90B549AF-B60E-4E26-862F-E0EFE7FFFCDB}"/>
               </a:ext>
             </a:extLst>
           </p:cNvPr>
@@ -4294,7 +5787,183 @@
         </p:nvSpPr>
         <p:spPr>
           <a:xfrm>
-            <a:off x="3416968" y="721896"/>
+            <a:off x="1284694" y="3359821"/>
+            <a:ext cx="9567192" cy="1437773"/>
+          </a:xfrm>
+          <a:prstGeom prst="rect">
+            <a:avLst/>
+          </a:prstGeom>
+          <a:solidFill>
+            <a:srgbClr val="947352"/>
+          </a:solidFill>
+        </p:spPr>
+        <p:style>
+          <a:lnRef idx="2">
+            <a:schemeClr val="accent1">
+              <a:shade val="50000"/>
+            </a:schemeClr>
+          </a:lnRef>
+          <a:fillRef idx="1">
+            <a:schemeClr val="accent1"/>
+          </a:fillRef>
+          <a:effectRef idx="0">
+            <a:schemeClr val="accent1"/>
+          </a:effectRef>
+          <a:fontRef idx="minor">
+            <a:schemeClr val="lt1"/>
+          </a:fontRef>
+        </p:style>
+        <p:txBody>
+          <a:bodyPr rtlCol="0" anchor="ctr"/>
+          <a:lstStyle/>
+          <a:p>
+            <a:pPr algn="ctr"/>
+            <a:r>
+              <a:rPr lang="en-US" dirty="0">
+                <a:solidFill>
+                  <a:srgbClr val="BCED91"/>
+                </a:solidFill>
+              </a:rPr>
+              <a:t>Lunch</a:t>
+            </a:r>
+          </a:p>
+          <a:p>
+            <a:pPr algn="ctr"/>
+            <a:endParaRPr lang="en-US" dirty="0">
+              <a:solidFill>
+                <a:srgbClr val="BCED91"/>
+              </a:solidFill>
+            </a:endParaRPr>
+          </a:p>
+          <a:p>
+            <a:pPr algn="ctr"/>
+            <a:endParaRPr lang="en-US" dirty="0">
+              <a:solidFill>
+                <a:srgbClr val="BCED91"/>
+              </a:solidFill>
+            </a:endParaRPr>
+          </a:p>
+          <a:p>
+            <a:pPr algn="ctr"/>
+            <a:endParaRPr lang="en-US" dirty="0">
+              <a:solidFill>
+                <a:srgbClr val="BCED91"/>
+              </a:solidFill>
+            </a:endParaRPr>
+          </a:p>
+          <a:p>
+            <a:pPr algn="ctr"/>
+            <a:endParaRPr lang="en-US" dirty="0">
+              <a:solidFill>
+                <a:srgbClr val="BCED91"/>
+              </a:solidFill>
+            </a:endParaRPr>
+          </a:p>
+        </p:txBody>
+      </p:sp>
+      <p:sp>
+        <p:nvSpPr>
+          <p:cNvPr id="10" name="Rectangle 9">
+            <a:extLst>
+              <a:ext uri="{FF2B5EF4-FFF2-40B4-BE49-F238E27FC236}">
+                <a16:creationId xmlns:a16="http://schemas.microsoft.com/office/drawing/2014/main" id="{CA7B2D9A-FC2B-4DDA-BB55-16C85CCE5BEC}"/>
+              </a:ext>
+            </a:extLst>
+          </p:cNvPr>
+          <p:cNvSpPr/>
+          <p:nvPr/>
+        </p:nvSpPr>
+        <p:spPr>
+          <a:xfrm>
+            <a:off x="1284694" y="1687905"/>
+            <a:ext cx="9567193" cy="1437773"/>
+          </a:xfrm>
+          <a:prstGeom prst="rect">
+            <a:avLst/>
+          </a:prstGeom>
+          <a:solidFill>
+            <a:srgbClr val="947352"/>
+          </a:solidFill>
+        </p:spPr>
+        <p:style>
+          <a:lnRef idx="2">
+            <a:schemeClr val="accent1">
+              <a:shade val="50000"/>
+            </a:schemeClr>
+          </a:lnRef>
+          <a:fillRef idx="1">
+            <a:schemeClr val="accent1"/>
+          </a:fillRef>
+          <a:effectRef idx="0">
+            <a:schemeClr val="accent1"/>
+          </a:effectRef>
+          <a:fontRef idx="minor">
+            <a:schemeClr val="lt1"/>
+          </a:fontRef>
+        </p:style>
+        <p:txBody>
+          <a:bodyPr rtlCol="0" anchor="ctr"/>
+          <a:lstStyle/>
+          <a:p>
+            <a:pPr algn="ctr"/>
+            <a:r>
+              <a:rPr lang="en-US" dirty="0">
+                <a:solidFill>
+                  <a:srgbClr val="BCED91"/>
+                </a:solidFill>
+              </a:rPr>
+              <a:t>Breakfast</a:t>
+            </a:r>
+          </a:p>
+          <a:p>
+            <a:pPr algn="ctr"/>
+            <a:endParaRPr lang="en-US" dirty="0">
+              <a:solidFill>
+                <a:srgbClr val="BCED91"/>
+              </a:solidFill>
+            </a:endParaRPr>
+          </a:p>
+          <a:p>
+            <a:pPr algn="ctr"/>
+            <a:endParaRPr lang="en-US" dirty="0">
+              <a:solidFill>
+                <a:srgbClr val="BCED91"/>
+              </a:solidFill>
+            </a:endParaRPr>
+          </a:p>
+          <a:p>
+            <a:pPr algn="ctr"/>
+            <a:endParaRPr lang="en-US" dirty="0">
+              <a:solidFill>
+                <a:srgbClr val="BCED91"/>
+              </a:solidFill>
+            </a:endParaRPr>
+          </a:p>
+          <a:p>
+            <a:pPr algn="ctr"/>
+            <a:endParaRPr lang="en-US" dirty="0">
+              <a:solidFill>
+                <a:srgbClr val="BCED91"/>
+              </a:solidFill>
+            </a:endParaRPr>
+          </a:p>
+        </p:txBody>
+      </p:sp>
+      <p:sp>
+        <p:nvSpPr>
+          <p:cNvPr id="2" name="Rectangle 1">
+            <a:extLst>
+              <a:ext uri="{FF2B5EF4-FFF2-40B4-BE49-F238E27FC236}">
+                <a16:creationId xmlns:a16="http://schemas.microsoft.com/office/drawing/2014/main" id="{1E474967-20C1-421A-B5B5-BFC9A4F1A65B}"/>
+              </a:ext>
+            </a:extLst>
+          </p:cNvPr>
+          <p:cNvSpPr/>
+          <p:nvPr/>
+        </p:nvSpPr>
+        <p:spPr>
+          <a:xfrm>
+            <a:off x="3416968" y="825965"/>
             <a:ext cx="5358064" cy="627797"/>
           </a:xfrm>
           <a:prstGeom prst="rect">
@@ -4328,10 +5997,7 @@
             <a:r>
               <a:rPr lang="en-US" dirty="0">
                 <a:solidFill>
-                  <a:schemeClr val="accent6">
-                    <a:lumMod val="40000"/>
-                    <a:lumOff val="60000"/>
-                  </a:schemeClr>
+                  <a:srgbClr val="BCED91"/>
                 </a:solidFill>
               </a:rPr>
               <a:t>NAME DAILY NUTRITION PLAN</a:t>
@@ -4340,25 +6006,123 @@
           <a:p>
             <a:pPr algn="ctr"/>
             <a:r>
+              <a:rPr lang="en-US" dirty="0" err="1">
+                <a:solidFill>
+                  <a:srgbClr val="BCED91"/>
+                </a:solidFill>
+              </a:rPr>
+              <a:t>DatePicker</a:t>
+            </a:r>
+            <a:endParaRPr lang="en-US" dirty="0">
+              <a:solidFill>
+                <a:srgbClr val="BCED91"/>
+              </a:solidFill>
+            </a:endParaRPr>
+          </a:p>
+        </p:txBody>
+      </p:sp>
+      <p:sp>
+        <p:nvSpPr>
+          <p:cNvPr id="14" name="Rectangle 13">
+            <a:extLst>
+              <a:ext uri="{FF2B5EF4-FFF2-40B4-BE49-F238E27FC236}">
+                <a16:creationId xmlns:a16="http://schemas.microsoft.com/office/drawing/2014/main" id="{0E4F692B-A34C-4D9A-8F0C-8BE4BFF15F3D}"/>
+              </a:ext>
+            </a:extLst>
+          </p:cNvPr>
+          <p:cNvSpPr/>
+          <p:nvPr/>
+        </p:nvSpPr>
+        <p:spPr>
+          <a:xfrm>
+            <a:off x="1284693" y="4984088"/>
+            <a:ext cx="9567191" cy="1534018"/>
+          </a:xfrm>
+          <a:prstGeom prst="rect">
+            <a:avLst/>
+          </a:prstGeom>
+          <a:solidFill>
+            <a:srgbClr val="947352"/>
+          </a:solidFill>
+        </p:spPr>
+        <p:style>
+          <a:lnRef idx="2">
+            <a:schemeClr val="accent1">
+              <a:shade val="50000"/>
+            </a:schemeClr>
+          </a:lnRef>
+          <a:fillRef idx="1">
+            <a:schemeClr val="accent1"/>
+          </a:fillRef>
+          <a:effectRef idx="0">
+            <a:schemeClr val="accent1"/>
+          </a:effectRef>
+          <a:fontRef idx="minor">
+            <a:schemeClr val="lt1"/>
+          </a:fontRef>
+        </p:style>
+        <p:txBody>
+          <a:bodyPr rtlCol="0" anchor="ctr"/>
+          <a:lstStyle/>
+          <a:p>
+            <a:pPr algn="ctr"/>
+            <a:r>
               <a:rPr lang="en-US" dirty="0">
                 <a:solidFill>
-                  <a:schemeClr val="accent6">
-                    <a:lumMod val="40000"/>
-                    <a:lumOff val="60000"/>
-                  </a:schemeClr>
+                  <a:srgbClr val="BCED91"/>
                 </a:solidFill>
               </a:rPr>
-              <a:t>Date</a:t>
-            </a:r>
-          </a:p>
-        </p:txBody>
-      </p:sp>
-      <p:sp>
-        <p:nvSpPr>
-          <p:cNvPr id="3" name="Rectangle 2">
-            <a:extLst>
-              <a:ext uri="{FF2B5EF4-FFF2-40B4-BE49-F238E27FC236}">
-                <a16:creationId xmlns:a16="http://schemas.microsoft.com/office/drawing/2014/main" id="{95924AC5-7427-4182-A460-265B491DBB42}"/>
+              <a:t>Dinner</a:t>
+            </a:r>
+          </a:p>
+          <a:p>
+            <a:pPr algn="ctr"/>
+            <a:endParaRPr lang="en-US" dirty="0">
+              <a:solidFill>
+                <a:srgbClr val="BCED91"/>
+              </a:solidFill>
+            </a:endParaRPr>
+          </a:p>
+          <a:p>
+            <a:pPr algn="ctr"/>
+            <a:endParaRPr lang="en-US" dirty="0">
+              <a:solidFill>
+                <a:srgbClr val="BCED91"/>
+              </a:solidFill>
+            </a:endParaRPr>
+          </a:p>
+          <a:p>
+            <a:pPr algn="ctr"/>
+            <a:endParaRPr lang="en-US" dirty="0">
+              <a:solidFill>
+                <a:srgbClr val="BCED91"/>
+              </a:solidFill>
+            </a:endParaRPr>
+          </a:p>
+          <a:p>
+            <a:pPr algn="ctr"/>
+            <a:endParaRPr lang="en-US" dirty="0">
+              <a:solidFill>
+                <a:srgbClr val="BCED91"/>
+              </a:solidFill>
+            </a:endParaRPr>
+          </a:p>
+          <a:p>
+            <a:pPr algn="ctr"/>
+            <a:endParaRPr lang="en-US" dirty="0">
+              <a:solidFill>
+                <a:srgbClr val="BCED91"/>
+              </a:solidFill>
+            </a:endParaRPr>
+          </a:p>
+        </p:txBody>
+      </p:sp>
+      <p:sp>
+        <p:nvSpPr>
+          <p:cNvPr id="18" name="Rectangle 17">
+            <a:extLst>
+              <a:ext uri="{FF2B5EF4-FFF2-40B4-BE49-F238E27FC236}">
+                <a16:creationId xmlns:a16="http://schemas.microsoft.com/office/drawing/2014/main" id="{3F6F232A-3415-4E99-815A-5060480667AD}"/>
               </a:ext>
             </a:extLst>
           </p:cNvPr>
@@ -4401,10 +6165,7 @@
             <a:r>
               <a:rPr lang="en-US" dirty="0">
                 <a:solidFill>
-                  <a:schemeClr val="accent6">
-                    <a:lumMod val="40000"/>
-                    <a:lumOff val="60000"/>
-                  </a:schemeClr>
+                  <a:srgbClr val="BCED91"/>
                 </a:solidFill>
               </a:rPr>
               <a:t>User-______</a:t>
@@ -4415,10 +6176,7 @@
             <a:r>
               <a:rPr lang="en-US" dirty="0">
                 <a:solidFill>
-                  <a:schemeClr val="accent6">
-                    <a:lumMod val="40000"/>
-                    <a:lumOff val="60000"/>
-                  </a:schemeClr>
+                  <a:srgbClr val="BCED91"/>
                 </a:solidFill>
               </a:rPr>
               <a:t>Pass-______</a:t>
@@ -4429,10 +6187,7 @@
             <a:r>
               <a:rPr lang="en-US" dirty="0">
                 <a:solidFill>
-                  <a:schemeClr val="accent6">
-                    <a:lumMod val="40000"/>
-                    <a:lumOff val="60000"/>
-                  </a:schemeClr>
+                  <a:srgbClr val="BCED91"/>
                 </a:solidFill>
               </a:rPr>
               <a:t>LOGIN</a:t>
@@ -4442,10 +6197,10 @@
       </p:sp>
       <p:sp>
         <p:nvSpPr>
-          <p:cNvPr id="5" name="Rectangle 4">
-            <a:extLst>
-              <a:ext uri="{FF2B5EF4-FFF2-40B4-BE49-F238E27FC236}">
-                <a16:creationId xmlns:a16="http://schemas.microsoft.com/office/drawing/2014/main" id="{E55AD31E-770A-48DD-8114-440CC36EBFB3}"/>
+          <p:cNvPr id="3" name="Rectangle 2">
+            <a:extLst>
+              <a:ext uri="{FF2B5EF4-FFF2-40B4-BE49-F238E27FC236}">
+                <a16:creationId xmlns:a16="http://schemas.microsoft.com/office/drawing/2014/main" id="{A45DCE48-4FEC-4D15-9DF0-8F7D4FBA81A7}"/>
               </a:ext>
             </a:extLst>
           </p:cNvPr>
@@ -4454,8 +6209,8 @@
         </p:nvSpPr>
         <p:spPr>
           <a:xfrm>
-            <a:off x="3416970" y="3359821"/>
-            <a:ext cx="5358062" cy="1437773"/>
+            <a:off x="6521085" y="2342318"/>
+            <a:ext cx="4103462" cy="695828"/>
           </a:xfrm>
           <a:prstGeom prst="rect">
             <a:avLst/>
@@ -4488,37 +6243,20 @@
             <a:r>
               <a:rPr lang="en-US" dirty="0">
                 <a:solidFill>
-                  <a:schemeClr val="accent6">
-                    <a:lumMod val="40000"/>
-                    <a:lumOff val="60000"/>
-                  </a:schemeClr>
+                  <a:srgbClr val="BCED91"/>
                 </a:solidFill>
               </a:rPr>
-              <a:t>Lunch</a:t>
-            </a:r>
-          </a:p>
-          <a:p>
-            <a:pPr algn="ctr"/>
-            <a:r>
-              <a:rPr lang="en-US" dirty="0">
-                <a:solidFill>
-                  <a:schemeClr val="accent6">
-                    <a:lumMod val="40000"/>
-                    <a:lumOff val="60000"/>
-                  </a:schemeClr>
-                </a:solidFill>
-              </a:rPr>
-              <a:t>Recipe choices</a:t>
-            </a:r>
-          </a:p>
-        </p:txBody>
-      </p:sp>
-      <p:sp>
-        <p:nvSpPr>
-          <p:cNvPr id="6" name="Rectangle 5">
-            <a:extLst>
-              <a:ext uri="{FF2B5EF4-FFF2-40B4-BE49-F238E27FC236}">
-                <a16:creationId xmlns:a16="http://schemas.microsoft.com/office/drawing/2014/main" id="{88A3F7E8-8555-45A0-8DFB-BB014389440A}"/>
+              <a:t>ingredients</a:t>
+            </a:r>
+          </a:p>
+        </p:txBody>
+      </p:sp>
+      <p:sp>
+        <p:nvSpPr>
+          <p:cNvPr id="5" name="Rectangle 4">
+            <a:extLst>
+              <a:ext uri="{FF2B5EF4-FFF2-40B4-BE49-F238E27FC236}">
+                <a16:creationId xmlns:a16="http://schemas.microsoft.com/office/drawing/2014/main" id="{393630D8-3C0A-4D4F-B3B4-4ECC8B620D07}"/>
               </a:ext>
             </a:extLst>
           </p:cNvPr>
@@ -4527,8 +6265,8 @@
         </p:nvSpPr>
         <p:spPr>
           <a:xfrm>
-            <a:off x="3407869" y="1735554"/>
-            <a:ext cx="5358063" cy="1437773"/>
+            <a:off x="1378203" y="2327879"/>
+            <a:ext cx="1612533" cy="710266"/>
           </a:xfrm>
           <a:prstGeom prst="rect">
             <a:avLst/>
@@ -4561,37 +6299,20 @@
             <a:r>
               <a:rPr lang="en-US" dirty="0">
                 <a:solidFill>
-                  <a:schemeClr val="accent6">
-                    <a:lumMod val="40000"/>
-                    <a:lumOff val="60000"/>
-                  </a:schemeClr>
+                  <a:srgbClr val="BCED91"/>
                 </a:solidFill>
               </a:rPr>
-              <a:t>Breakfast</a:t>
-            </a:r>
-          </a:p>
-          <a:p>
-            <a:pPr algn="ctr"/>
-            <a:r>
-              <a:rPr lang="en-US" dirty="0">
-                <a:solidFill>
-                  <a:schemeClr val="accent6">
-                    <a:lumMod val="40000"/>
-                    <a:lumOff val="60000"/>
-                  </a:schemeClr>
-                </a:solidFill>
-              </a:rPr>
-              <a:t>Recipe choices</a:t>
-            </a:r>
-          </a:p>
-        </p:txBody>
-      </p:sp>
-      <p:sp>
-        <p:nvSpPr>
-          <p:cNvPr id="12" name="Rectangle 11">
-            <a:extLst>
-              <a:ext uri="{FF2B5EF4-FFF2-40B4-BE49-F238E27FC236}">
-                <a16:creationId xmlns:a16="http://schemas.microsoft.com/office/drawing/2014/main" id="{7C6C11AC-1510-4297-910E-DB89D8C9205F}"/>
+              <a:t>Intolerance with dropdown</a:t>
+            </a:r>
+          </a:p>
+        </p:txBody>
+      </p:sp>
+      <p:sp>
+        <p:nvSpPr>
+          <p:cNvPr id="6" name="Rectangle 5">
+            <a:extLst>
+              <a:ext uri="{FF2B5EF4-FFF2-40B4-BE49-F238E27FC236}">
+                <a16:creationId xmlns:a16="http://schemas.microsoft.com/office/drawing/2014/main" id="{D8361F11-7E05-4168-BF5C-28DAA3478576}"/>
               </a:ext>
             </a:extLst>
           </p:cNvPr>
@@ -4600,8 +6321,8 @@
         </p:nvSpPr>
         <p:spPr>
           <a:xfrm>
-            <a:off x="3416970" y="4984088"/>
-            <a:ext cx="5358062" cy="1534018"/>
+            <a:off x="3303642" y="2342319"/>
+            <a:ext cx="755641" cy="681390"/>
           </a:xfrm>
           <a:prstGeom prst="rect">
             <a:avLst/>
@@ -4634,37 +6355,20 @@
             <a:r>
               <a:rPr lang="en-US" dirty="0">
                 <a:solidFill>
-                  <a:schemeClr val="accent6">
-                    <a:lumMod val="40000"/>
-                    <a:lumOff val="60000"/>
-                  </a:schemeClr>
+                  <a:srgbClr val="BCED91"/>
                 </a:solidFill>
               </a:rPr>
-              <a:t>Dinner</a:t>
-            </a:r>
-          </a:p>
-          <a:p>
-            <a:pPr algn="ctr"/>
-            <a:r>
-              <a:rPr lang="en-US" dirty="0">
-                <a:solidFill>
-                  <a:schemeClr val="accent6">
-                    <a:lumMod val="40000"/>
-                    <a:lumOff val="60000"/>
-                  </a:schemeClr>
-                </a:solidFill>
-              </a:rPr>
-              <a:t>Recipe choices</a:t>
-            </a:r>
-          </a:p>
-        </p:txBody>
-      </p:sp>
-      <p:sp>
-        <p:nvSpPr>
-          <p:cNvPr id="14" name="Rectangle 13">
-            <a:extLst>
-              <a:ext uri="{FF2B5EF4-FFF2-40B4-BE49-F238E27FC236}">
-                <a16:creationId xmlns:a16="http://schemas.microsoft.com/office/drawing/2014/main" id="{DB4ECC75-BF14-4F81-9C9E-9EFE121289A0}"/>
+              <a:t>Min/max</a:t>
+            </a:r>
+          </a:p>
+        </p:txBody>
+      </p:sp>
+      <p:sp>
+        <p:nvSpPr>
+          <p:cNvPr id="7" name="Rectangle 6">
+            <a:extLst>
+              <a:ext uri="{FF2B5EF4-FFF2-40B4-BE49-F238E27FC236}">
+                <a16:creationId xmlns:a16="http://schemas.microsoft.com/office/drawing/2014/main" id="{263BBBA8-E39A-43F4-9178-7EDD0A68E666}"/>
               </a:ext>
             </a:extLst>
           </p:cNvPr>
@@ -4673,8 +6377,8 @@
         </p:nvSpPr>
         <p:spPr>
           <a:xfrm>
-            <a:off x="54591" y="1781387"/>
-            <a:ext cx="1909676" cy="4836159"/>
+            <a:off x="4372189" y="2342318"/>
+            <a:ext cx="1364997" cy="695827"/>
           </a:xfrm>
           <a:prstGeom prst="rect">
             <a:avLst/>
@@ -4707,104 +6411,466 @@
             <a:r>
               <a:rPr lang="en-US" dirty="0">
                 <a:solidFill>
-                  <a:schemeClr val="accent6">
-                    <a:lumMod val="40000"/>
-                    <a:lumOff val="60000"/>
-                  </a:schemeClr>
+                  <a:srgbClr val="BCED91"/>
                 </a:solidFill>
               </a:rPr>
-              <a:t>Breakfast-ingredients</a:t>
-            </a:r>
-          </a:p>
-          <a:p>
-            <a:pPr algn="ctr"/>
-            <a:endParaRPr lang="en-US" dirty="0">
-              <a:solidFill>
-                <a:schemeClr val="accent6">
-                  <a:lumMod val="40000"/>
-                  <a:lumOff val="60000"/>
-                </a:schemeClr>
-              </a:solidFill>
-            </a:endParaRPr>
-          </a:p>
+              <a:t>Dropdown of nutrients</a:t>
+            </a:r>
+          </a:p>
+        </p:txBody>
+      </p:sp>
+      <p:sp>
+        <p:nvSpPr>
+          <p:cNvPr id="13" name="Rectangle 12">
+            <a:extLst>
+              <a:ext uri="{FF2B5EF4-FFF2-40B4-BE49-F238E27FC236}">
+                <a16:creationId xmlns:a16="http://schemas.microsoft.com/office/drawing/2014/main" id="{6AB88E8D-C1AD-4190-9FCD-7C067E2EEF51}"/>
+              </a:ext>
+            </a:extLst>
+          </p:cNvPr>
+          <p:cNvSpPr/>
+          <p:nvPr/>
+        </p:nvSpPr>
+        <p:spPr>
+          <a:xfrm>
+            <a:off x="6521085" y="4027279"/>
+            <a:ext cx="4103462" cy="695828"/>
+          </a:xfrm>
+          <a:prstGeom prst="rect">
+            <a:avLst/>
+          </a:prstGeom>
+          <a:solidFill>
+            <a:srgbClr val="947352"/>
+          </a:solidFill>
+        </p:spPr>
+        <p:style>
+          <a:lnRef idx="2">
+            <a:schemeClr val="accent1">
+              <a:shade val="50000"/>
+            </a:schemeClr>
+          </a:lnRef>
+          <a:fillRef idx="1">
+            <a:schemeClr val="accent1"/>
+          </a:fillRef>
+          <a:effectRef idx="0">
+            <a:schemeClr val="accent1"/>
+          </a:effectRef>
+          <a:fontRef idx="minor">
+            <a:schemeClr val="lt1"/>
+          </a:fontRef>
+        </p:style>
+        <p:txBody>
+          <a:bodyPr rtlCol="0" anchor="ctr"/>
+          <a:lstStyle/>
           <a:p>
             <a:pPr algn="ctr"/>
             <a:r>
               <a:rPr lang="en-US" dirty="0">
                 <a:solidFill>
-                  <a:schemeClr val="accent6">
-                    <a:lumMod val="40000"/>
-                    <a:lumOff val="60000"/>
-                  </a:schemeClr>
+                  <a:srgbClr val="BCED91"/>
                 </a:solidFill>
               </a:rPr>
-              <a:t>Lunch-ingredients</a:t>
-            </a:r>
-          </a:p>
-          <a:p>
-            <a:pPr algn="ctr"/>
-            <a:endParaRPr lang="en-US" dirty="0">
-              <a:solidFill>
-                <a:schemeClr val="accent6">
-                  <a:lumMod val="40000"/>
-                  <a:lumOff val="60000"/>
-                </a:schemeClr>
-              </a:solidFill>
-            </a:endParaRPr>
-          </a:p>
+              <a:t>ingredients</a:t>
+            </a:r>
+          </a:p>
+        </p:txBody>
+      </p:sp>
+      <p:sp>
+        <p:nvSpPr>
+          <p:cNvPr id="21" name="Rectangle 20">
+            <a:extLst>
+              <a:ext uri="{FF2B5EF4-FFF2-40B4-BE49-F238E27FC236}">
+                <a16:creationId xmlns:a16="http://schemas.microsoft.com/office/drawing/2014/main" id="{30866C35-8A92-443F-B31C-BEAB6FDB27C9}"/>
+              </a:ext>
+            </a:extLst>
+          </p:cNvPr>
+          <p:cNvSpPr/>
+          <p:nvPr/>
+        </p:nvSpPr>
+        <p:spPr>
+          <a:xfrm>
+            <a:off x="1378203" y="4012840"/>
+            <a:ext cx="1612533" cy="710266"/>
+          </a:xfrm>
+          <a:prstGeom prst="rect">
+            <a:avLst/>
+          </a:prstGeom>
+          <a:solidFill>
+            <a:srgbClr val="947352"/>
+          </a:solidFill>
+        </p:spPr>
+        <p:style>
+          <a:lnRef idx="2">
+            <a:schemeClr val="accent1">
+              <a:shade val="50000"/>
+            </a:schemeClr>
+          </a:lnRef>
+          <a:fillRef idx="1">
+            <a:schemeClr val="accent1"/>
+          </a:fillRef>
+          <a:effectRef idx="0">
+            <a:schemeClr val="accent1"/>
+          </a:effectRef>
+          <a:fontRef idx="minor">
+            <a:schemeClr val="lt1"/>
+          </a:fontRef>
+        </p:style>
+        <p:txBody>
+          <a:bodyPr rtlCol="0" anchor="ctr"/>
+          <a:lstStyle/>
           <a:p>
             <a:pPr algn="ctr"/>
             <a:r>
               <a:rPr lang="en-US" dirty="0">
                 <a:solidFill>
-                  <a:schemeClr val="accent6">
-                    <a:lumMod val="40000"/>
-                    <a:lumOff val="60000"/>
-                  </a:schemeClr>
+                  <a:srgbClr val="BCED91"/>
                 </a:solidFill>
               </a:rPr>
-              <a:t>Dinner-ingredients</a:t>
-            </a:r>
-          </a:p>
-          <a:p>
-            <a:pPr algn="ctr"/>
-            <a:endParaRPr lang="en-US" dirty="0">
-              <a:solidFill>
-                <a:schemeClr val="accent6">
-                  <a:lumMod val="40000"/>
-                  <a:lumOff val="60000"/>
-                </a:schemeClr>
-              </a:solidFill>
-            </a:endParaRPr>
-          </a:p>
-          <a:p>
-            <a:pPr algn="ctr"/>
-            <a:endParaRPr lang="en-US" dirty="0">
-              <a:solidFill>
-                <a:schemeClr val="accent6">
-                  <a:lumMod val="40000"/>
-                  <a:lumOff val="60000"/>
-                </a:schemeClr>
-              </a:solidFill>
-            </a:endParaRPr>
-          </a:p>
-          <a:p>
-            <a:pPr algn="ctr"/>
-            <a:endParaRPr lang="en-US" dirty="0">
-              <a:solidFill>
-                <a:schemeClr val="accent6">
-                  <a:lumMod val="40000"/>
-                  <a:lumOff val="60000"/>
-                </a:schemeClr>
-              </a:solidFill>
-            </a:endParaRPr>
+              <a:t>Intolerance with dropdown</a:t>
+            </a:r>
+          </a:p>
+        </p:txBody>
+      </p:sp>
+      <p:sp>
+        <p:nvSpPr>
+          <p:cNvPr id="23" name="Rectangle 22">
+            <a:extLst>
+              <a:ext uri="{FF2B5EF4-FFF2-40B4-BE49-F238E27FC236}">
+                <a16:creationId xmlns:a16="http://schemas.microsoft.com/office/drawing/2014/main" id="{D2D23EB6-B3E4-40CB-A9B5-823837AECB98}"/>
+              </a:ext>
+            </a:extLst>
+          </p:cNvPr>
+          <p:cNvSpPr/>
+          <p:nvPr/>
+        </p:nvSpPr>
+        <p:spPr>
+          <a:xfrm>
+            <a:off x="3303642" y="4027280"/>
+            <a:ext cx="755641" cy="681390"/>
+          </a:xfrm>
+          <a:prstGeom prst="rect">
+            <a:avLst/>
+          </a:prstGeom>
+          <a:solidFill>
+            <a:srgbClr val="947352"/>
+          </a:solidFill>
+        </p:spPr>
+        <p:style>
+          <a:lnRef idx="2">
+            <a:schemeClr val="accent1">
+              <a:shade val="50000"/>
+            </a:schemeClr>
+          </a:lnRef>
+          <a:fillRef idx="1">
+            <a:schemeClr val="accent1"/>
+          </a:fillRef>
+          <a:effectRef idx="0">
+            <a:schemeClr val="accent1"/>
+          </a:effectRef>
+          <a:fontRef idx="minor">
+            <a:schemeClr val="lt1"/>
+          </a:fontRef>
+        </p:style>
+        <p:txBody>
+          <a:bodyPr rtlCol="0" anchor="ctr"/>
+          <a:lstStyle/>
+          <a:p>
+            <a:pPr algn="ctr"/>
+            <a:r>
+              <a:rPr lang="en-US" dirty="0">
+                <a:solidFill>
+                  <a:srgbClr val="BCED91"/>
+                </a:solidFill>
+              </a:rPr>
+              <a:t>Min/max</a:t>
+            </a:r>
+          </a:p>
+        </p:txBody>
+      </p:sp>
+      <p:sp>
+        <p:nvSpPr>
+          <p:cNvPr id="25" name="Rectangle 24">
+            <a:extLst>
+              <a:ext uri="{FF2B5EF4-FFF2-40B4-BE49-F238E27FC236}">
+                <a16:creationId xmlns:a16="http://schemas.microsoft.com/office/drawing/2014/main" id="{2D5344DB-0002-482C-95F5-33CCFEF2CFEB}"/>
+              </a:ext>
+            </a:extLst>
+          </p:cNvPr>
+          <p:cNvSpPr/>
+          <p:nvPr/>
+        </p:nvSpPr>
+        <p:spPr>
+          <a:xfrm>
+            <a:off x="4372189" y="4027279"/>
+            <a:ext cx="1364997" cy="695827"/>
+          </a:xfrm>
+          <a:prstGeom prst="rect">
+            <a:avLst/>
+          </a:prstGeom>
+          <a:solidFill>
+            <a:srgbClr val="947352"/>
+          </a:solidFill>
+        </p:spPr>
+        <p:style>
+          <a:lnRef idx="2">
+            <a:schemeClr val="accent1">
+              <a:shade val="50000"/>
+            </a:schemeClr>
+          </a:lnRef>
+          <a:fillRef idx="1">
+            <a:schemeClr val="accent1"/>
+          </a:fillRef>
+          <a:effectRef idx="0">
+            <a:schemeClr val="accent1"/>
+          </a:effectRef>
+          <a:fontRef idx="minor">
+            <a:schemeClr val="lt1"/>
+          </a:fontRef>
+        </p:style>
+        <p:txBody>
+          <a:bodyPr rtlCol="0" anchor="ctr"/>
+          <a:lstStyle/>
+          <a:p>
+            <a:pPr algn="ctr"/>
+            <a:r>
+              <a:rPr lang="en-US" dirty="0">
+                <a:solidFill>
+                  <a:srgbClr val="BCED91"/>
+                </a:solidFill>
+              </a:rPr>
+              <a:t>Dropdown of nutrients</a:t>
+            </a:r>
+          </a:p>
+        </p:txBody>
+      </p:sp>
+      <p:sp>
+        <p:nvSpPr>
+          <p:cNvPr id="27" name="Rectangle 26">
+            <a:extLst>
+              <a:ext uri="{FF2B5EF4-FFF2-40B4-BE49-F238E27FC236}">
+                <a16:creationId xmlns:a16="http://schemas.microsoft.com/office/drawing/2014/main" id="{7181265C-BE7F-40BC-9EE1-695C809D26B3}"/>
+              </a:ext>
+            </a:extLst>
+          </p:cNvPr>
+          <p:cNvSpPr/>
+          <p:nvPr/>
+        </p:nvSpPr>
+        <p:spPr>
+          <a:xfrm>
+            <a:off x="6521085" y="5781565"/>
+            <a:ext cx="4103462" cy="695828"/>
+          </a:xfrm>
+          <a:prstGeom prst="rect">
+            <a:avLst/>
+          </a:prstGeom>
+          <a:solidFill>
+            <a:srgbClr val="947352"/>
+          </a:solidFill>
+        </p:spPr>
+        <p:style>
+          <a:lnRef idx="2">
+            <a:schemeClr val="accent1">
+              <a:shade val="50000"/>
+            </a:schemeClr>
+          </a:lnRef>
+          <a:fillRef idx="1">
+            <a:schemeClr val="accent1"/>
+          </a:fillRef>
+          <a:effectRef idx="0">
+            <a:schemeClr val="accent1"/>
+          </a:effectRef>
+          <a:fontRef idx="minor">
+            <a:schemeClr val="lt1"/>
+          </a:fontRef>
+        </p:style>
+        <p:txBody>
+          <a:bodyPr rtlCol="0" anchor="ctr"/>
+          <a:lstStyle/>
+          <a:p>
+            <a:pPr algn="ctr"/>
+            <a:r>
+              <a:rPr lang="en-US" dirty="0">
+                <a:solidFill>
+                  <a:srgbClr val="BCED91"/>
+                </a:solidFill>
+              </a:rPr>
+              <a:t>ingredients</a:t>
+            </a:r>
+          </a:p>
+        </p:txBody>
+      </p:sp>
+      <p:sp>
+        <p:nvSpPr>
+          <p:cNvPr id="29" name="Rectangle 28">
+            <a:extLst>
+              <a:ext uri="{FF2B5EF4-FFF2-40B4-BE49-F238E27FC236}">
+                <a16:creationId xmlns:a16="http://schemas.microsoft.com/office/drawing/2014/main" id="{CB7A34E4-C142-4A40-AC12-80CFFA3742E1}"/>
+              </a:ext>
+            </a:extLst>
+          </p:cNvPr>
+          <p:cNvSpPr/>
+          <p:nvPr/>
+        </p:nvSpPr>
+        <p:spPr>
+          <a:xfrm>
+            <a:off x="1378203" y="5767126"/>
+            <a:ext cx="1612533" cy="710266"/>
+          </a:xfrm>
+          <a:prstGeom prst="rect">
+            <a:avLst/>
+          </a:prstGeom>
+          <a:solidFill>
+            <a:srgbClr val="947352"/>
+          </a:solidFill>
+        </p:spPr>
+        <p:style>
+          <a:lnRef idx="2">
+            <a:schemeClr val="accent1">
+              <a:shade val="50000"/>
+            </a:schemeClr>
+          </a:lnRef>
+          <a:fillRef idx="1">
+            <a:schemeClr val="accent1"/>
+          </a:fillRef>
+          <a:effectRef idx="0">
+            <a:schemeClr val="accent1"/>
+          </a:effectRef>
+          <a:fontRef idx="minor">
+            <a:schemeClr val="lt1"/>
+          </a:fontRef>
+        </p:style>
+        <p:txBody>
+          <a:bodyPr rtlCol="0" anchor="ctr"/>
+          <a:lstStyle/>
+          <a:p>
+            <a:pPr algn="ctr"/>
+            <a:r>
+              <a:rPr lang="en-US" dirty="0">
+                <a:solidFill>
+                  <a:srgbClr val="BCED91"/>
+                </a:solidFill>
+              </a:rPr>
+              <a:t>Intolerance with dropdown</a:t>
+            </a:r>
+          </a:p>
+        </p:txBody>
+      </p:sp>
+      <p:sp>
+        <p:nvSpPr>
+          <p:cNvPr id="31" name="Rectangle 30">
+            <a:extLst>
+              <a:ext uri="{FF2B5EF4-FFF2-40B4-BE49-F238E27FC236}">
+                <a16:creationId xmlns:a16="http://schemas.microsoft.com/office/drawing/2014/main" id="{16A9B379-DADE-42A9-8B5D-42E5F132231F}"/>
+              </a:ext>
+            </a:extLst>
+          </p:cNvPr>
+          <p:cNvSpPr/>
+          <p:nvPr/>
+        </p:nvSpPr>
+        <p:spPr>
+          <a:xfrm>
+            <a:off x="3303642" y="5781566"/>
+            <a:ext cx="755641" cy="681390"/>
+          </a:xfrm>
+          <a:prstGeom prst="rect">
+            <a:avLst/>
+          </a:prstGeom>
+          <a:solidFill>
+            <a:srgbClr val="947352"/>
+          </a:solidFill>
+        </p:spPr>
+        <p:style>
+          <a:lnRef idx="2">
+            <a:schemeClr val="accent1">
+              <a:shade val="50000"/>
+            </a:schemeClr>
+          </a:lnRef>
+          <a:fillRef idx="1">
+            <a:schemeClr val="accent1"/>
+          </a:fillRef>
+          <a:effectRef idx="0">
+            <a:schemeClr val="accent1"/>
+          </a:effectRef>
+          <a:fontRef idx="minor">
+            <a:schemeClr val="lt1"/>
+          </a:fontRef>
+        </p:style>
+        <p:txBody>
+          <a:bodyPr rtlCol="0" anchor="ctr"/>
+          <a:lstStyle/>
+          <a:p>
+            <a:pPr algn="ctr"/>
+            <a:r>
+              <a:rPr lang="en-US" dirty="0">
+                <a:solidFill>
+                  <a:srgbClr val="BCED91"/>
+                </a:solidFill>
+              </a:rPr>
+              <a:t>Min/max</a:t>
+            </a:r>
+          </a:p>
+        </p:txBody>
+      </p:sp>
+      <p:sp>
+        <p:nvSpPr>
+          <p:cNvPr id="33" name="Rectangle 32">
+            <a:extLst>
+              <a:ext uri="{FF2B5EF4-FFF2-40B4-BE49-F238E27FC236}">
+                <a16:creationId xmlns:a16="http://schemas.microsoft.com/office/drawing/2014/main" id="{30C5B92F-E5A0-4F55-B57E-3CA2CC1B4B6D}"/>
+              </a:ext>
+            </a:extLst>
+          </p:cNvPr>
+          <p:cNvSpPr/>
+          <p:nvPr/>
+        </p:nvSpPr>
+        <p:spPr>
+          <a:xfrm>
+            <a:off x="4372189" y="5781565"/>
+            <a:ext cx="1364997" cy="695827"/>
+          </a:xfrm>
+          <a:prstGeom prst="rect">
+            <a:avLst/>
+          </a:prstGeom>
+          <a:solidFill>
+            <a:srgbClr val="947352"/>
+          </a:solidFill>
+        </p:spPr>
+        <p:style>
+          <a:lnRef idx="2">
+            <a:schemeClr val="accent1">
+              <a:shade val="50000"/>
+            </a:schemeClr>
+          </a:lnRef>
+          <a:fillRef idx="1">
+            <a:schemeClr val="accent1"/>
+          </a:fillRef>
+          <a:effectRef idx="0">
+            <a:schemeClr val="accent1"/>
+          </a:effectRef>
+          <a:fontRef idx="minor">
+            <a:schemeClr val="lt1"/>
+          </a:fontRef>
+        </p:style>
+        <p:txBody>
+          <a:bodyPr rtlCol="0" anchor="ctr"/>
+          <a:lstStyle/>
+          <a:p>
+            <a:pPr algn="ctr"/>
+            <a:r>
+              <a:rPr lang="en-US" dirty="0">
+                <a:solidFill>
+                  <a:srgbClr val="BCED91"/>
+                </a:solidFill>
+              </a:rPr>
+              <a:t>Dropdown of nutrients</a:t>
+            </a:r>
           </a:p>
         </p:txBody>
       </p:sp>
     </p:spTree>
     <p:extLst>
       <p:ext uri="{BB962C8B-B14F-4D97-AF65-F5344CB8AC3E}">
-        <p14:creationId xmlns:p14="http://schemas.microsoft.com/office/powerpoint/2010/main" val="3405220187"/>
+        <p14:creationId xmlns:p14="http://schemas.microsoft.com/office/powerpoint/2010/main" val="2237717799"/>
       </p:ext>
     </p:extLst>
   </p:cSld>
@@ -4887,10 +6953,7 @@
             <a:r>
               <a:rPr lang="en-US" sz="4000" dirty="0">
                 <a:solidFill>
-                  <a:schemeClr val="accent6">
-                    <a:lumMod val="40000"/>
-                    <a:lumOff val="60000"/>
-                  </a:schemeClr>
+                  <a:srgbClr val="BCED91"/>
                 </a:solidFill>
                 <a:latin typeface="Viner Hand ITC" panose="03070502030502020203" pitchFamily="66" charset="0"/>
               </a:rPr>
@@ -4901,10 +6964,160 @@
       </p:sp>
       <p:sp>
         <p:nvSpPr>
-          <p:cNvPr id="9" name="Rectangle 8">
-            <a:extLst>
-              <a:ext uri="{FF2B5EF4-FFF2-40B4-BE49-F238E27FC236}">
-                <a16:creationId xmlns:a16="http://schemas.microsoft.com/office/drawing/2014/main" id="{90B549AF-B60E-4E26-862F-E0EFE7FFFCDB}"/>
+          <p:cNvPr id="2" name="Rectangle 1">
+            <a:extLst>
+              <a:ext uri="{FF2B5EF4-FFF2-40B4-BE49-F238E27FC236}">
+                <a16:creationId xmlns:a16="http://schemas.microsoft.com/office/drawing/2014/main" id="{A1E96056-9E12-4C7F-9968-3A10215C00F3}"/>
+              </a:ext>
+            </a:extLst>
+          </p:cNvPr>
+          <p:cNvSpPr/>
+          <p:nvPr/>
+        </p:nvSpPr>
+        <p:spPr>
+          <a:xfrm>
+            <a:off x="3416968" y="721896"/>
+            <a:ext cx="5358064" cy="627797"/>
+          </a:xfrm>
+          <a:prstGeom prst="rect">
+            <a:avLst/>
+          </a:prstGeom>
+          <a:solidFill>
+            <a:srgbClr val="947352"/>
+          </a:solidFill>
+        </p:spPr>
+        <p:style>
+          <a:lnRef idx="2">
+            <a:schemeClr val="accent1">
+              <a:shade val="50000"/>
+            </a:schemeClr>
+          </a:lnRef>
+          <a:fillRef idx="1">
+            <a:schemeClr val="accent1"/>
+          </a:fillRef>
+          <a:effectRef idx="0">
+            <a:schemeClr val="accent1"/>
+          </a:effectRef>
+          <a:fontRef idx="minor">
+            <a:schemeClr val="lt1"/>
+          </a:fontRef>
+        </p:style>
+        <p:txBody>
+          <a:bodyPr rtlCol="0" anchor="ctr"/>
+          <a:lstStyle/>
+          <a:p>
+            <a:pPr algn="ctr"/>
+            <a:r>
+              <a:rPr lang="en-US" dirty="0">
+                <a:solidFill>
+                  <a:srgbClr val="BCED91"/>
+                </a:solidFill>
+              </a:rPr>
+              <a:t>NAME DAILY NUTRITION PLAN</a:t>
+            </a:r>
+          </a:p>
+          <a:p>
+            <a:pPr algn="ctr"/>
+            <a:r>
+              <a:rPr lang="en-US" dirty="0" err="1">
+                <a:solidFill>
+                  <a:srgbClr val="BCED91"/>
+                </a:solidFill>
+              </a:rPr>
+              <a:t>DatePicker</a:t>
+            </a:r>
+            <a:endParaRPr lang="en-US" dirty="0">
+              <a:solidFill>
+                <a:srgbClr val="BCED91"/>
+              </a:solidFill>
+            </a:endParaRPr>
+          </a:p>
+        </p:txBody>
+      </p:sp>
+      <p:sp>
+        <p:nvSpPr>
+          <p:cNvPr id="3" name="Rectangle 2">
+            <a:extLst>
+              <a:ext uri="{FF2B5EF4-FFF2-40B4-BE49-F238E27FC236}">
+                <a16:creationId xmlns:a16="http://schemas.microsoft.com/office/drawing/2014/main" id="{95924AC5-7427-4182-A460-265B491DBB42}"/>
+              </a:ext>
+            </a:extLst>
+          </p:cNvPr>
+          <p:cNvSpPr/>
+          <p:nvPr/>
+        </p:nvSpPr>
+        <p:spPr>
+          <a:xfrm>
+            <a:off x="54591" y="721896"/>
+            <a:ext cx="1909676" cy="910477"/>
+          </a:xfrm>
+          <a:prstGeom prst="rect">
+            <a:avLst/>
+          </a:prstGeom>
+          <a:solidFill>
+            <a:srgbClr val="947352"/>
+          </a:solidFill>
+        </p:spPr>
+        <p:style>
+          <a:lnRef idx="2">
+            <a:schemeClr val="accent1">
+              <a:shade val="50000"/>
+            </a:schemeClr>
+          </a:lnRef>
+          <a:fillRef idx="1">
+            <a:schemeClr val="accent1"/>
+          </a:fillRef>
+          <a:effectRef idx="0">
+            <a:schemeClr val="accent1"/>
+          </a:effectRef>
+          <a:fontRef idx="minor">
+            <a:schemeClr val="lt1"/>
+          </a:fontRef>
+        </p:style>
+        <p:txBody>
+          <a:bodyPr rtlCol="0" anchor="ctr"/>
+          <a:lstStyle/>
+          <a:p>
+            <a:pPr algn="ctr"/>
+            <a:r>
+              <a:rPr lang="en-US" dirty="0">
+                <a:solidFill>
+                  <a:srgbClr val="BCED91"/>
+                </a:solidFill>
+              </a:rPr>
+              <a:t>User-______</a:t>
+            </a:r>
+          </a:p>
+          <a:p>
+            <a:pPr algn="ctr"/>
+            <a:r>
+              <a:rPr lang="en-US" dirty="0">
+                <a:solidFill>
+                  <a:srgbClr val="BCED91"/>
+                </a:solidFill>
+              </a:rPr>
+              <a:t>Pass-______</a:t>
+            </a:r>
+          </a:p>
+          <a:p>
+            <a:pPr algn="ctr"/>
+            <a:r>
+              <a:rPr lang="en-US" dirty="0">
+                <a:solidFill>
+                  <a:srgbClr val="BCED91"/>
+                </a:solidFill>
+              </a:rPr>
+              <a:t>LOGIN</a:t>
+            </a:r>
+          </a:p>
+        </p:txBody>
+      </p:sp>
+      <p:sp>
+        <p:nvSpPr>
+          <p:cNvPr id="5" name="Rectangle 4">
+            <a:extLst>
+              <a:ext uri="{FF2B5EF4-FFF2-40B4-BE49-F238E27FC236}">
+                <a16:creationId xmlns:a16="http://schemas.microsoft.com/office/drawing/2014/main" id="{E55AD31E-770A-48DD-8114-440CC36EBFB3}"/>
               </a:ext>
             </a:extLst>
           </p:cNvPr>
@@ -4947,13 +7160,10 @@
             <a:r>
               <a:rPr lang="en-US" dirty="0">
                 <a:solidFill>
-                  <a:schemeClr val="accent6">
-                    <a:lumMod val="40000"/>
-                    <a:lumOff val="60000"/>
-                  </a:schemeClr>
+                  <a:srgbClr val="BCED91"/>
                 </a:solidFill>
               </a:rPr>
-              <a:t>L[]D[]C[]-Lunch</a:t>
+              <a:t>Lunch</a:t>
             </a:r>
           </a:p>
           <a:p>
@@ -4961,23 +7171,20 @@
             <a:r>
               <a:rPr lang="en-US" dirty="0">
                 <a:solidFill>
-                  <a:schemeClr val="accent6">
-                    <a:lumMod val="40000"/>
-                    <a:lumOff val="60000"/>
-                  </a:schemeClr>
+                  <a:srgbClr val="BCED91"/>
                 </a:solidFill>
               </a:rPr>
-              <a:t>Recipe</a:t>
-            </a:r>
-          </a:p>
-        </p:txBody>
-      </p:sp>
-      <p:sp>
-        <p:nvSpPr>
-          <p:cNvPr id="10" name="Rectangle 9">
-            <a:extLst>
-              <a:ext uri="{FF2B5EF4-FFF2-40B4-BE49-F238E27FC236}">
-                <a16:creationId xmlns:a16="http://schemas.microsoft.com/office/drawing/2014/main" id="{CA7B2D9A-FC2B-4DDA-BB55-16C85CCE5BEC}"/>
+              <a:t>Recipe choices</a:t>
+            </a:r>
+          </a:p>
+        </p:txBody>
+      </p:sp>
+      <p:sp>
+        <p:nvSpPr>
+          <p:cNvPr id="6" name="Rectangle 5">
+            <a:extLst>
+              <a:ext uri="{FF2B5EF4-FFF2-40B4-BE49-F238E27FC236}">
+                <a16:creationId xmlns:a16="http://schemas.microsoft.com/office/drawing/2014/main" id="{88A3F7E8-8555-45A0-8DFB-BB014389440A}"/>
               </a:ext>
             </a:extLst>
           </p:cNvPr>
@@ -5020,10 +7227,421 @@
             <a:r>
               <a:rPr lang="en-US" dirty="0">
                 <a:solidFill>
-                  <a:schemeClr val="accent6">
-                    <a:lumMod val="40000"/>
-                    <a:lumOff val="60000"/>
-                  </a:schemeClr>
+                  <a:srgbClr val="BCED91"/>
+                </a:solidFill>
+              </a:rPr>
+              <a:t>Breakfast</a:t>
+            </a:r>
+          </a:p>
+          <a:p>
+            <a:pPr algn="ctr"/>
+            <a:r>
+              <a:rPr lang="en-US" dirty="0">
+                <a:solidFill>
+                  <a:srgbClr val="BCED91"/>
+                </a:solidFill>
+              </a:rPr>
+              <a:t>Recipe choices</a:t>
+            </a:r>
+          </a:p>
+        </p:txBody>
+      </p:sp>
+      <p:sp>
+        <p:nvSpPr>
+          <p:cNvPr id="12" name="Rectangle 11">
+            <a:extLst>
+              <a:ext uri="{FF2B5EF4-FFF2-40B4-BE49-F238E27FC236}">
+                <a16:creationId xmlns:a16="http://schemas.microsoft.com/office/drawing/2014/main" id="{7C6C11AC-1510-4297-910E-DB89D8C9205F}"/>
+              </a:ext>
+            </a:extLst>
+          </p:cNvPr>
+          <p:cNvSpPr/>
+          <p:nvPr/>
+        </p:nvSpPr>
+        <p:spPr>
+          <a:xfrm>
+            <a:off x="3416970" y="4984088"/>
+            <a:ext cx="5358062" cy="1534018"/>
+          </a:xfrm>
+          <a:prstGeom prst="rect">
+            <a:avLst/>
+          </a:prstGeom>
+          <a:solidFill>
+            <a:srgbClr val="947352"/>
+          </a:solidFill>
+        </p:spPr>
+        <p:style>
+          <a:lnRef idx="2">
+            <a:schemeClr val="accent1">
+              <a:shade val="50000"/>
+            </a:schemeClr>
+          </a:lnRef>
+          <a:fillRef idx="1">
+            <a:schemeClr val="accent1"/>
+          </a:fillRef>
+          <a:effectRef idx="0">
+            <a:schemeClr val="accent1"/>
+          </a:effectRef>
+          <a:fontRef idx="minor">
+            <a:schemeClr val="lt1"/>
+          </a:fontRef>
+        </p:style>
+        <p:txBody>
+          <a:bodyPr rtlCol="0" anchor="ctr"/>
+          <a:lstStyle/>
+          <a:p>
+            <a:pPr algn="ctr"/>
+            <a:r>
+              <a:rPr lang="en-US" dirty="0">
+                <a:solidFill>
+                  <a:srgbClr val="BCED91"/>
+                </a:solidFill>
+              </a:rPr>
+              <a:t>Dinner</a:t>
+            </a:r>
+          </a:p>
+          <a:p>
+            <a:pPr algn="ctr"/>
+            <a:r>
+              <a:rPr lang="en-US" dirty="0">
+                <a:solidFill>
+                  <a:srgbClr val="BCED91"/>
+                </a:solidFill>
+              </a:rPr>
+              <a:t>Recipe choices</a:t>
+            </a:r>
+          </a:p>
+        </p:txBody>
+      </p:sp>
+      <p:sp>
+        <p:nvSpPr>
+          <p:cNvPr id="14" name="Rectangle 13">
+            <a:extLst>
+              <a:ext uri="{FF2B5EF4-FFF2-40B4-BE49-F238E27FC236}">
+                <a16:creationId xmlns:a16="http://schemas.microsoft.com/office/drawing/2014/main" id="{DB4ECC75-BF14-4F81-9C9E-9EFE121289A0}"/>
+              </a:ext>
+            </a:extLst>
+          </p:cNvPr>
+          <p:cNvSpPr/>
+          <p:nvPr/>
+        </p:nvSpPr>
+        <p:spPr>
+          <a:xfrm>
+            <a:off x="54591" y="1781387"/>
+            <a:ext cx="1909676" cy="4836159"/>
+          </a:xfrm>
+          <a:prstGeom prst="rect">
+            <a:avLst/>
+          </a:prstGeom>
+          <a:solidFill>
+            <a:srgbClr val="947352"/>
+          </a:solidFill>
+        </p:spPr>
+        <p:style>
+          <a:lnRef idx="2">
+            <a:schemeClr val="accent1">
+              <a:shade val="50000"/>
+            </a:schemeClr>
+          </a:lnRef>
+          <a:fillRef idx="1">
+            <a:schemeClr val="accent1"/>
+          </a:fillRef>
+          <a:effectRef idx="0">
+            <a:schemeClr val="accent1"/>
+          </a:effectRef>
+          <a:fontRef idx="minor">
+            <a:schemeClr val="lt1"/>
+          </a:fontRef>
+        </p:style>
+        <p:txBody>
+          <a:bodyPr rtlCol="0" anchor="ctr"/>
+          <a:lstStyle/>
+          <a:p>
+            <a:pPr algn="ctr"/>
+            <a:r>
+              <a:rPr lang="en-US" dirty="0">
+                <a:solidFill>
+                  <a:srgbClr val="BCED91"/>
+                </a:solidFill>
+              </a:rPr>
+              <a:t>Breakfast-ingredients</a:t>
+            </a:r>
+          </a:p>
+          <a:p>
+            <a:pPr algn="ctr"/>
+            <a:endParaRPr lang="en-US" dirty="0">
+              <a:solidFill>
+                <a:srgbClr val="BCED91"/>
+              </a:solidFill>
+            </a:endParaRPr>
+          </a:p>
+          <a:p>
+            <a:pPr algn="ctr"/>
+            <a:r>
+              <a:rPr lang="en-US" dirty="0">
+                <a:solidFill>
+                  <a:srgbClr val="BCED91"/>
+                </a:solidFill>
+              </a:rPr>
+              <a:t>Lunch-ingredients</a:t>
+            </a:r>
+          </a:p>
+          <a:p>
+            <a:pPr algn="ctr"/>
+            <a:endParaRPr lang="en-US" dirty="0">
+              <a:solidFill>
+                <a:srgbClr val="BCED91"/>
+              </a:solidFill>
+            </a:endParaRPr>
+          </a:p>
+          <a:p>
+            <a:pPr algn="ctr"/>
+            <a:r>
+              <a:rPr lang="en-US" dirty="0">
+                <a:solidFill>
+                  <a:srgbClr val="BCED91"/>
+                </a:solidFill>
+              </a:rPr>
+              <a:t>Dinner-ingredients</a:t>
+            </a:r>
+          </a:p>
+          <a:p>
+            <a:pPr algn="ctr"/>
+            <a:endParaRPr lang="en-US" dirty="0">
+              <a:solidFill>
+                <a:srgbClr val="BCED91"/>
+              </a:solidFill>
+            </a:endParaRPr>
+          </a:p>
+          <a:p>
+            <a:pPr algn="ctr"/>
+            <a:endParaRPr lang="en-US" dirty="0">
+              <a:solidFill>
+                <a:srgbClr val="BCED91"/>
+              </a:solidFill>
+            </a:endParaRPr>
+          </a:p>
+          <a:p>
+            <a:pPr algn="ctr"/>
+            <a:endParaRPr lang="en-US" dirty="0">
+              <a:solidFill>
+                <a:srgbClr val="BCED91"/>
+              </a:solidFill>
+            </a:endParaRPr>
+          </a:p>
+        </p:txBody>
+      </p:sp>
+    </p:spTree>
+    <p:extLst>
+      <p:ext uri="{BB962C8B-B14F-4D97-AF65-F5344CB8AC3E}">
+        <p14:creationId xmlns:p14="http://schemas.microsoft.com/office/powerpoint/2010/main" val="3405220187"/>
+      </p:ext>
+    </p:extLst>
+  </p:cSld>
+  <p:clrMapOvr>
+    <a:masterClrMapping/>
+  </p:clrMapOvr>
+</p:sld>
+</file>
+
+<file path=ppt/slides/slide6.xml><?xml version="1.0" encoding="utf-8"?>
+<p:sld xmlns:a="http://schemas.openxmlformats.org/drawingml/2006/main" xmlns:r="http://schemas.openxmlformats.org/officeDocument/2006/relationships" xmlns:p="http://schemas.openxmlformats.org/presentationml/2006/main">
+  <p:cSld>
+    <p:bg>
+      <p:bgPr>
+        <a:solidFill>
+          <a:srgbClr val="947352"/>
+        </a:solidFill>
+        <a:effectLst/>
+      </p:bgPr>
+    </p:bg>
+    <p:spTree>
+      <p:nvGrpSpPr>
+        <p:cNvPr id="1" name=""/>
+        <p:cNvGrpSpPr/>
+        <p:nvPr/>
+      </p:nvGrpSpPr>
+      <p:grpSpPr>
+        <a:xfrm>
+          <a:off x="0" y="0"/>
+          <a:ext cx="0" cy="0"/>
+          <a:chOff x="0" y="0"/>
+          <a:chExt cx="0" cy="0"/>
+        </a:xfrm>
+      </p:grpSpPr>
+      <p:sp>
+        <p:nvSpPr>
+          <p:cNvPr id="4" name="Rectangle 3">
+            <a:extLst>
+              <a:ext uri="{FF2B5EF4-FFF2-40B4-BE49-F238E27FC236}">
+                <a16:creationId xmlns:a16="http://schemas.microsoft.com/office/drawing/2014/main" id="{5ED3B30A-D3E1-4411-A579-F37718C5E7C2}"/>
+              </a:ext>
+            </a:extLst>
+          </p:cNvPr>
+          <p:cNvSpPr/>
+          <p:nvPr/>
+        </p:nvSpPr>
+        <p:spPr>
+          <a:xfrm>
+            <a:off x="54591" y="47767"/>
+            <a:ext cx="12064621" cy="627797"/>
+          </a:xfrm>
+          <a:prstGeom prst="rect">
+            <a:avLst/>
+          </a:prstGeom>
+          <a:solidFill>
+            <a:srgbClr val="947352"/>
+          </a:solidFill>
+        </p:spPr>
+        <p:style>
+          <a:lnRef idx="2">
+            <a:schemeClr val="accent1">
+              <a:shade val="50000"/>
+            </a:schemeClr>
+          </a:lnRef>
+          <a:fillRef idx="1">
+            <a:schemeClr val="accent1"/>
+          </a:fillRef>
+          <a:effectRef idx="0">
+            <a:schemeClr val="accent1"/>
+          </a:effectRef>
+          <a:fontRef idx="minor">
+            <a:schemeClr val="lt1"/>
+          </a:fontRef>
+        </p:style>
+        <p:txBody>
+          <a:bodyPr rtlCol="0" anchor="ctr"/>
+          <a:lstStyle/>
+          <a:p>
+            <a:pPr algn="ctr"/>
+            <a:r>
+              <a:rPr lang="en-US" sz="4000" dirty="0">
+                <a:solidFill>
+                  <a:srgbClr val="BCED91"/>
+                </a:solidFill>
+                <a:latin typeface="Viner Hand ITC" panose="03070502030502020203" pitchFamily="66" charset="0"/>
+              </a:rPr>
+              <a:t>ESCULENT</a:t>
+            </a:r>
+          </a:p>
+        </p:txBody>
+      </p:sp>
+      <p:sp>
+        <p:nvSpPr>
+          <p:cNvPr id="9" name="Rectangle 8">
+            <a:extLst>
+              <a:ext uri="{FF2B5EF4-FFF2-40B4-BE49-F238E27FC236}">
+                <a16:creationId xmlns:a16="http://schemas.microsoft.com/office/drawing/2014/main" id="{90B549AF-B60E-4E26-862F-E0EFE7FFFCDB}"/>
+              </a:ext>
+            </a:extLst>
+          </p:cNvPr>
+          <p:cNvSpPr/>
+          <p:nvPr/>
+        </p:nvSpPr>
+        <p:spPr>
+          <a:xfrm>
+            <a:off x="3416970" y="3359821"/>
+            <a:ext cx="5358062" cy="1437773"/>
+          </a:xfrm>
+          <a:prstGeom prst="rect">
+            <a:avLst/>
+          </a:prstGeom>
+          <a:solidFill>
+            <a:srgbClr val="947352"/>
+          </a:solidFill>
+        </p:spPr>
+        <p:style>
+          <a:lnRef idx="2">
+            <a:schemeClr val="accent1">
+              <a:shade val="50000"/>
+            </a:schemeClr>
+          </a:lnRef>
+          <a:fillRef idx="1">
+            <a:schemeClr val="accent1"/>
+          </a:fillRef>
+          <a:effectRef idx="0">
+            <a:schemeClr val="accent1"/>
+          </a:effectRef>
+          <a:fontRef idx="minor">
+            <a:schemeClr val="lt1"/>
+          </a:fontRef>
+        </p:style>
+        <p:txBody>
+          <a:bodyPr rtlCol="0" anchor="ctr"/>
+          <a:lstStyle/>
+          <a:p>
+            <a:pPr algn="ctr"/>
+            <a:r>
+              <a:rPr lang="en-US" dirty="0">
+                <a:solidFill>
+                  <a:srgbClr val="BCED91"/>
+                </a:solidFill>
+              </a:rPr>
+              <a:t>L[]D[]C[]-Lunch</a:t>
+            </a:r>
+          </a:p>
+          <a:p>
+            <a:pPr algn="ctr"/>
+            <a:r>
+              <a:rPr lang="en-US" dirty="0">
+                <a:solidFill>
+                  <a:srgbClr val="BCED91"/>
+                </a:solidFill>
+              </a:rPr>
+              <a:t>Recipe</a:t>
+            </a:r>
+          </a:p>
+        </p:txBody>
+      </p:sp>
+      <p:sp>
+        <p:nvSpPr>
+          <p:cNvPr id="10" name="Rectangle 9">
+            <a:extLst>
+              <a:ext uri="{FF2B5EF4-FFF2-40B4-BE49-F238E27FC236}">
+                <a16:creationId xmlns:a16="http://schemas.microsoft.com/office/drawing/2014/main" id="{CA7B2D9A-FC2B-4DDA-BB55-16C85CCE5BEC}"/>
+              </a:ext>
+            </a:extLst>
+          </p:cNvPr>
+          <p:cNvSpPr/>
+          <p:nvPr/>
+        </p:nvSpPr>
+        <p:spPr>
+          <a:xfrm>
+            <a:off x="3407869" y="1735554"/>
+            <a:ext cx="5358063" cy="1437773"/>
+          </a:xfrm>
+          <a:prstGeom prst="rect">
+            <a:avLst/>
+          </a:prstGeom>
+          <a:solidFill>
+            <a:srgbClr val="947352"/>
+          </a:solidFill>
+        </p:spPr>
+        <p:style>
+          <a:lnRef idx="2">
+            <a:schemeClr val="accent1">
+              <a:shade val="50000"/>
+            </a:schemeClr>
+          </a:lnRef>
+          <a:fillRef idx="1">
+            <a:schemeClr val="accent1"/>
+          </a:fillRef>
+          <a:effectRef idx="0">
+            <a:schemeClr val="accent1"/>
+          </a:effectRef>
+          <a:fontRef idx="minor">
+            <a:schemeClr val="lt1"/>
+          </a:fontRef>
+        </p:style>
+        <p:txBody>
+          <a:bodyPr rtlCol="0" anchor="ctr"/>
+          <a:lstStyle/>
+          <a:p>
+            <a:pPr algn="ctr"/>
+            <a:r>
+              <a:rPr lang="en-US" dirty="0">
+                <a:solidFill>
+                  <a:srgbClr val="BCED91"/>
                 </a:solidFill>
               </a:rPr>
               <a:t>L[]D[]C[]-Breakfast</a:t>
@@ -5034,10 +7652,7 @@
             <a:r>
               <a:rPr lang="en-US" dirty="0">
                 <a:solidFill>
-                  <a:schemeClr val="accent6">
-                    <a:lumMod val="40000"/>
-                    <a:lumOff val="60000"/>
-                  </a:schemeClr>
+                  <a:srgbClr val="BCED91"/>
                 </a:solidFill>
               </a:rPr>
               <a:t>Recipe</a:t>
@@ -5093,10 +7708,7 @@
             <a:r>
               <a:rPr lang="en-US" dirty="0">
                 <a:solidFill>
-                  <a:schemeClr val="accent6">
-                    <a:lumMod val="40000"/>
-                    <a:lumOff val="60000"/>
-                  </a:schemeClr>
+                  <a:srgbClr val="BCED91"/>
                 </a:solidFill>
               </a:rPr>
               <a:t>NAME DAILY NUTRITION PLAN</a:t>
@@ -5105,16 +7717,18 @@
           <a:p>
             <a:pPr algn="ctr"/>
             <a:r>
-              <a:rPr lang="en-US" dirty="0">
+              <a:rPr lang="en-US" dirty="0" err="1">
                 <a:solidFill>
-                  <a:schemeClr val="accent6">
-                    <a:lumMod val="40000"/>
-                    <a:lumOff val="60000"/>
-                  </a:schemeClr>
+                  <a:srgbClr val="BCED91"/>
                 </a:solidFill>
               </a:rPr>
-              <a:t>Date</a:t>
-            </a:r>
+              <a:t>DatePicker</a:t>
+            </a:r>
+            <a:endParaRPr lang="en-US" dirty="0">
+              <a:solidFill>
+                <a:srgbClr val="BCED91"/>
+              </a:solidFill>
+            </a:endParaRPr>
           </a:p>
         </p:txBody>
       </p:sp>
@@ -5166,10 +7780,7 @@
             <a:r>
               <a:rPr lang="en-US" dirty="0">
                 <a:solidFill>
-                  <a:schemeClr val="accent6">
-                    <a:lumMod val="40000"/>
-                    <a:lumOff val="60000"/>
-                  </a:schemeClr>
+                  <a:srgbClr val="BCED91"/>
                 </a:solidFill>
               </a:rPr>
               <a:t>L[]D[]C[]-Dinner</a:t>
@@ -5180,10 +7791,7 @@
             <a:r>
               <a:rPr lang="en-US" dirty="0">
                 <a:solidFill>
-                  <a:schemeClr val="accent6">
-                    <a:lumMod val="40000"/>
-                    <a:lumOff val="60000"/>
-                  </a:schemeClr>
+                  <a:srgbClr val="BCED91"/>
                 </a:solidFill>
               </a:rPr>
               <a:t>Recipe</a:t>
@@ -5239,10 +7847,7 @@
             <a:r>
               <a:rPr lang="en-US" dirty="0">
                 <a:solidFill>
-                  <a:schemeClr val="accent6">
-                    <a:lumMod val="40000"/>
-                    <a:lumOff val="60000"/>
-                  </a:schemeClr>
+                  <a:srgbClr val="BCED91"/>
                 </a:solidFill>
               </a:rPr>
               <a:t>GOAL METER</a:t>
@@ -5250,15 +7855,27 @@
           </a:p>
           <a:p>
             <a:pPr algn="ctr"/>
-            <a:endParaRPr lang="en-US" dirty="0"/>
-          </a:p>
-          <a:p>
-            <a:pPr algn="ctr"/>
-            <a:endParaRPr lang="en-US" dirty="0"/>
-          </a:p>
-          <a:p>
-            <a:pPr algn="ctr"/>
-            <a:endParaRPr lang="en-US" dirty="0"/>
+            <a:endParaRPr lang="en-US" dirty="0">
+              <a:solidFill>
+                <a:srgbClr val="BCED91"/>
+              </a:solidFill>
+            </a:endParaRPr>
+          </a:p>
+          <a:p>
+            <a:pPr algn="ctr"/>
+            <a:endParaRPr lang="en-US" dirty="0">
+              <a:solidFill>
+                <a:srgbClr val="BCED91"/>
+              </a:solidFill>
+            </a:endParaRPr>
+          </a:p>
+          <a:p>
+            <a:pPr algn="ctr"/>
+            <a:endParaRPr lang="en-US" dirty="0">
+              <a:solidFill>
+                <a:srgbClr val="BCED91"/>
+              </a:solidFill>
+            </a:endParaRPr>
           </a:p>
         </p:txBody>
       </p:sp>
@@ -5310,10 +7927,7 @@
             <a:r>
               <a:rPr lang="en-US" dirty="0">
                 <a:solidFill>
-                  <a:schemeClr val="accent6">
-                    <a:lumMod val="40000"/>
-                    <a:lumOff val="60000"/>
-                  </a:schemeClr>
+                  <a:srgbClr val="BCED91"/>
                 </a:solidFill>
               </a:rPr>
               <a:t>User-______</a:t>
@@ -5324,10 +7938,7 @@
             <a:r>
               <a:rPr lang="en-US" dirty="0">
                 <a:solidFill>
-                  <a:schemeClr val="accent6">
-                    <a:lumMod val="40000"/>
-                    <a:lumOff val="60000"/>
-                  </a:schemeClr>
+                  <a:srgbClr val="BCED91"/>
                 </a:solidFill>
               </a:rPr>
               <a:t>Pass-______</a:t>
@@ -5338,10 +7949,7 @@
             <a:r>
               <a:rPr lang="en-US" dirty="0">
                 <a:solidFill>
-                  <a:schemeClr val="accent6">
-                    <a:lumMod val="40000"/>
-                    <a:lumOff val="60000"/>
-                  </a:schemeClr>
+                  <a:srgbClr val="BCED91"/>
                 </a:solidFill>
               </a:rPr>
               <a:t>LOGIN</a:t>
@@ -5397,10 +8005,7 @@
             <a:r>
               <a:rPr lang="en-US" dirty="0">
                 <a:solidFill>
-                  <a:schemeClr val="accent6">
-                    <a:lumMod val="40000"/>
-                    <a:lumOff val="60000"/>
-                  </a:schemeClr>
+                  <a:srgbClr val="BCED91"/>
                 </a:solidFill>
               </a:rPr>
               <a:t>Breakfast-ingredients</a:t>
@@ -5410,10 +8015,7 @@
             <a:pPr algn="ctr"/>
             <a:endParaRPr lang="en-US" dirty="0">
               <a:solidFill>
-                <a:schemeClr val="accent6">
-                  <a:lumMod val="40000"/>
-                  <a:lumOff val="60000"/>
-                </a:schemeClr>
+                <a:srgbClr val="BCED91"/>
               </a:solidFill>
             </a:endParaRPr>
           </a:p>
@@ -5422,10 +8024,7 @@
             <a:r>
               <a:rPr lang="en-US" dirty="0">
                 <a:solidFill>
-                  <a:schemeClr val="accent6">
-                    <a:lumMod val="40000"/>
-                    <a:lumOff val="60000"/>
-                  </a:schemeClr>
+                  <a:srgbClr val="BCED91"/>
                 </a:solidFill>
               </a:rPr>
               <a:t>Lunch-ingredients</a:t>
@@ -5435,10 +8034,7 @@
             <a:pPr algn="ctr"/>
             <a:endParaRPr lang="en-US" dirty="0">
               <a:solidFill>
-                <a:schemeClr val="accent6">
-                  <a:lumMod val="40000"/>
-                  <a:lumOff val="60000"/>
-                </a:schemeClr>
+                <a:srgbClr val="BCED91"/>
               </a:solidFill>
             </a:endParaRPr>
           </a:p>
@@ -5447,10 +8043,7 @@
             <a:r>
               <a:rPr lang="en-US" dirty="0">
                 <a:solidFill>
-                  <a:schemeClr val="accent6">
-                    <a:lumMod val="40000"/>
-                    <a:lumOff val="60000"/>
-                  </a:schemeClr>
+                  <a:srgbClr val="BCED91"/>
                 </a:solidFill>
               </a:rPr>
               <a:t>Dinner-ingredients</a:t>
@@ -5460,10 +8053,7 @@
             <a:pPr algn="ctr"/>
             <a:endParaRPr lang="en-US" dirty="0">
               <a:solidFill>
-                <a:schemeClr val="accent6">
-                  <a:lumMod val="40000"/>
-                  <a:lumOff val="60000"/>
-                </a:schemeClr>
+                <a:srgbClr val="BCED91"/>
               </a:solidFill>
             </a:endParaRPr>
           </a:p>
@@ -5471,10 +8061,7 @@
             <a:pPr algn="ctr"/>
             <a:endParaRPr lang="en-US" dirty="0">
               <a:solidFill>
-                <a:schemeClr val="accent6">
-                  <a:lumMod val="40000"/>
-                  <a:lumOff val="60000"/>
-                </a:schemeClr>
+                <a:srgbClr val="BCED91"/>
               </a:solidFill>
             </a:endParaRPr>
           </a:p>
@@ -5482,10 +8069,7 @@
             <a:pPr algn="ctr"/>
             <a:endParaRPr lang="en-US" dirty="0">
               <a:solidFill>
-                <a:schemeClr val="accent6">
-                  <a:lumMod val="40000"/>
-                  <a:lumOff val="60000"/>
-                </a:schemeClr>
+                <a:srgbClr val="BCED91"/>
               </a:solidFill>
             </a:endParaRPr>
           </a:p>
@@ -5504,7 +8088,7 @@
 </p:sld>
 </file>
 
-<file path=ppt/slides/slide6.xml><?xml version="1.0" encoding="utf-8"?>
+<file path=ppt/slides/slide7.xml><?xml version="1.0" encoding="utf-8"?>
 <p:sld xmlns:a="http://schemas.openxmlformats.org/drawingml/2006/main" xmlns:r="http://schemas.openxmlformats.org/officeDocument/2006/relationships" xmlns:p="http://schemas.openxmlformats.org/presentationml/2006/main">
   <p:cSld>
     <p:spTree>
@@ -5591,7 +8175,7 @@
           <a:p>
             <a:r>
               <a:rPr lang="en-US" dirty="0"/>
-              <a:t>		date: “</a:t>
+              <a:t>		date:{ “</a:t>
             </a:r>
             <a:r>
               <a:rPr lang="en-US" dirty="0" err="1"/>
@@ -5665,7 +8249,7 @@
           <a:p>
             <a:r>
               <a:rPr lang="en-US" dirty="0"/>
-              <a:t>			}</a:t>
+              <a:t>			}}</a:t>
             </a:r>
           </a:p>
           <a:p>
@@ -5795,6 +8379,829 @@
     <p:extLst>
       <p:ext uri="{BB962C8B-B14F-4D97-AF65-F5344CB8AC3E}">
         <p14:creationId xmlns:p14="http://schemas.microsoft.com/office/powerpoint/2010/main" val="154201238"/>
+      </p:ext>
+    </p:extLst>
+  </p:cSld>
+  <p:clrMapOvr>
+    <a:masterClrMapping/>
+  </p:clrMapOvr>
+</p:sld>
+</file>
+
+<file path=ppt/slides/slide8.xml><?xml version="1.0" encoding="utf-8"?>
+<p:sld xmlns:a="http://schemas.openxmlformats.org/drawingml/2006/main" xmlns:r="http://schemas.openxmlformats.org/officeDocument/2006/relationships" xmlns:p="http://schemas.openxmlformats.org/presentationml/2006/main">
+  <p:cSld>
+    <p:spTree>
+      <p:nvGrpSpPr>
+        <p:cNvPr id="1" name=""/>
+        <p:cNvGrpSpPr/>
+        <p:nvPr/>
+      </p:nvGrpSpPr>
+      <p:grpSpPr>
+        <a:xfrm>
+          <a:off x="0" y="0"/>
+          <a:ext cx="0" cy="0"/>
+          <a:chOff x="0" y="0"/>
+          <a:chExt cx="0" cy="0"/>
+        </a:xfrm>
+      </p:grpSpPr>
+      <p:sp>
+        <p:nvSpPr>
+          <p:cNvPr id="4" name="Rectangle 3">
+            <a:extLst>
+              <a:ext uri="{FF2B5EF4-FFF2-40B4-BE49-F238E27FC236}">
+                <a16:creationId xmlns:a16="http://schemas.microsoft.com/office/drawing/2014/main" id="{996364A1-E813-4CCB-8D1B-9BE2DF86D35B}"/>
+              </a:ext>
+            </a:extLst>
+          </p:cNvPr>
+          <p:cNvSpPr/>
+          <p:nvPr/>
+        </p:nvSpPr>
+        <p:spPr>
+          <a:xfrm>
+            <a:off x="469232" y="1221206"/>
+            <a:ext cx="2171700" cy="625641"/>
+          </a:xfrm>
+          <a:prstGeom prst="rect">
+            <a:avLst/>
+          </a:prstGeom>
+        </p:spPr>
+        <p:style>
+          <a:lnRef idx="2">
+            <a:schemeClr val="accent1">
+              <a:shade val="50000"/>
+            </a:schemeClr>
+          </a:lnRef>
+          <a:fillRef idx="1">
+            <a:schemeClr val="accent1"/>
+          </a:fillRef>
+          <a:effectRef idx="0">
+            <a:schemeClr val="accent1"/>
+          </a:effectRef>
+          <a:fontRef idx="minor">
+            <a:schemeClr val="lt1"/>
+          </a:fontRef>
+        </p:style>
+        <p:txBody>
+          <a:bodyPr rtlCol="0" anchor="ctr"/>
+          <a:lstStyle/>
+          <a:p>
+            <a:pPr algn="ctr"/>
+            <a:r>
+              <a:rPr lang="en-US" dirty="0"/>
+              <a:t>Login</a:t>
+            </a:r>
+          </a:p>
+        </p:txBody>
+      </p:sp>
+      <p:sp>
+        <p:nvSpPr>
+          <p:cNvPr id="7" name="Rectangle 6">
+            <a:extLst>
+              <a:ext uri="{FF2B5EF4-FFF2-40B4-BE49-F238E27FC236}">
+                <a16:creationId xmlns:a16="http://schemas.microsoft.com/office/drawing/2014/main" id="{8E3B359D-FF72-477B-939E-2ABC2531A6E0}"/>
+              </a:ext>
+            </a:extLst>
+          </p:cNvPr>
+          <p:cNvSpPr/>
+          <p:nvPr/>
+        </p:nvSpPr>
+        <p:spPr>
+          <a:xfrm>
+            <a:off x="3781927" y="863265"/>
+            <a:ext cx="3176337" cy="1341521"/>
+          </a:xfrm>
+          <a:prstGeom prst="rect">
+            <a:avLst/>
+          </a:prstGeom>
+        </p:spPr>
+        <p:style>
+          <a:lnRef idx="2">
+            <a:schemeClr val="accent1">
+              <a:shade val="50000"/>
+            </a:schemeClr>
+          </a:lnRef>
+          <a:fillRef idx="1">
+            <a:schemeClr val="accent1"/>
+          </a:fillRef>
+          <a:effectRef idx="0">
+            <a:schemeClr val="accent1"/>
+          </a:effectRef>
+          <a:fontRef idx="minor">
+            <a:schemeClr val="lt1"/>
+          </a:fontRef>
+        </p:style>
+        <p:txBody>
+          <a:bodyPr rtlCol="0" anchor="ctr"/>
+          <a:lstStyle/>
+          <a:p>
+            <a:pPr algn="ctr"/>
+            <a:r>
+              <a:rPr lang="en-US" dirty="0"/>
+              <a:t>Ingredient Selection component with</a:t>
+            </a:r>
+          </a:p>
+          <a:p>
+            <a:pPr algn="ctr"/>
+            <a:r>
+              <a:rPr lang="en-US" dirty="0"/>
+              <a:t>Date picker only</a:t>
+            </a:r>
+          </a:p>
+        </p:txBody>
+      </p:sp>
+      <p:sp>
+        <p:nvSpPr>
+          <p:cNvPr id="12" name="Rectangle 11">
+            <a:extLst>
+              <a:ext uri="{FF2B5EF4-FFF2-40B4-BE49-F238E27FC236}">
+                <a16:creationId xmlns:a16="http://schemas.microsoft.com/office/drawing/2014/main" id="{A42FBE9E-8ED3-4EDB-A82F-099E1AB99DD4}"/>
+              </a:ext>
+            </a:extLst>
+          </p:cNvPr>
+          <p:cNvSpPr/>
+          <p:nvPr/>
+        </p:nvSpPr>
+        <p:spPr>
+          <a:xfrm>
+            <a:off x="409074" y="168442"/>
+            <a:ext cx="11640552" cy="553453"/>
+          </a:xfrm>
+          <a:prstGeom prst="rect">
+            <a:avLst/>
+          </a:prstGeom>
+        </p:spPr>
+        <p:style>
+          <a:lnRef idx="2">
+            <a:schemeClr val="accent1">
+              <a:shade val="50000"/>
+            </a:schemeClr>
+          </a:lnRef>
+          <a:fillRef idx="1">
+            <a:schemeClr val="accent1"/>
+          </a:fillRef>
+          <a:effectRef idx="0">
+            <a:schemeClr val="accent1"/>
+          </a:effectRef>
+          <a:fontRef idx="minor">
+            <a:schemeClr val="lt1"/>
+          </a:fontRef>
+        </p:style>
+        <p:txBody>
+          <a:bodyPr rtlCol="0" anchor="ctr"/>
+          <a:lstStyle/>
+          <a:p>
+            <a:pPr algn="ctr"/>
+            <a:r>
+              <a:rPr lang="en-US" dirty="0"/>
+              <a:t>Login Flow Chart with no date in database</a:t>
+            </a:r>
+          </a:p>
+        </p:txBody>
+      </p:sp>
+      <p:sp>
+        <p:nvSpPr>
+          <p:cNvPr id="13" name="Arrow: Right 12">
+            <a:extLst>
+              <a:ext uri="{FF2B5EF4-FFF2-40B4-BE49-F238E27FC236}">
+                <a16:creationId xmlns:a16="http://schemas.microsoft.com/office/drawing/2014/main" id="{63968188-B998-4FEC-A2A2-65A1A329562A}"/>
+              </a:ext>
+            </a:extLst>
+          </p:cNvPr>
+          <p:cNvSpPr/>
+          <p:nvPr/>
+        </p:nvSpPr>
+        <p:spPr>
+          <a:xfrm>
+            <a:off x="3001879" y="1467853"/>
+            <a:ext cx="649705" cy="54142"/>
+          </a:xfrm>
+          <a:prstGeom prst="rightArrow">
+            <a:avLst/>
+          </a:prstGeom>
+        </p:spPr>
+        <p:style>
+          <a:lnRef idx="2">
+            <a:schemeClr val="accent1">
+              <a:shade val="50000"/>
+            </a:schemeClr>
+          </a:lnRef>
+          <a:fillRef idx="1">
+            <a:schemeClr val="accent1"/>
+          </a:fillRef>
+          <a:effectRef idx="0">
+            <a:schemeClr val="accent1"/>
+          </a:effectRef>
+          <a:fontRef idx="minor">
+            <a:schemeClr val="lt1"/>
+          </a:fontRef>
+        </p:style>
+        <p:txBody>
+          <a:bodyPr rtlCol="0" anchor="ctr"/>
+          <a:lstStyle/>
+          <a:p>
+            <a:pPr algn="ctr"/>
+            <a:endParaRPr lang="en-US"/>
+          </a:p>
+        </p:txBody>
+      </p:sp>
+      <p:sp>
+        <p:nvSpPr>
+          <p:cNvPr id="15" name="Arrow: Right 14">
+            <a:extLst>
+              <a:ext uri="{FF2B5EF4-FFF2-40B4-BE49-F238E27FC236}">
+                <a16:creationId xmlns:a16="http://schemas.microsoft.com/office/drawing/2014/main" id="{19735E94-7749-44C7-BF7B-6C18DD9C4B4B}"/>
+              </a:ext>
+            </a:extLst>
+          </p:cNvPr>
+          <p:cNvSpPr/>
+          <p:nvPr/>
+        </p:nvSpPr>
+        <p:spPr>
+          <a:xfrm rot="5400000">
+            <a:off x="9019172" y="2303295"/>
+            <a:ext cx="306808" cy="49129"/>
+          </a:xfrm>
+          <a:prstGeom prst="rightArrow">
+            <a:avLst/>
+          </a:prstGeom>
+        </p:spPr>
+        <p:style>
+          <a:lnRef idx="2">
+            <a:schemeClr val="accent1">
+              <a:shade val="50000"/>
+            </a:schemeClr>
+          </a:lnRef>
+          <a:fillRef idx="1">
+            <a:schemeClr val="accent1"/>
+          </a:fillRef>
+          <a:effectRef idx="0">
+            <a:schemeClr val="accent1"/>
+          </a:effectRef>
+          <a:fontRef idx="minor">
+            <a:schemeClr val="lt1"/>
+          </a:fontRef>
+        </p:style>
+        <p:txBody>
+          <a:bodyPr rtlCol="0" anchor="ctr"/>
+          <a:lstStyle/>
+          <a:p>
+            <a:pPr algn="ctr"/>
+            <a:endParaRPr lang="en-US"/>
+          </a:p>
+        </p:txBody>
+      </p:sp>
+      <p:sp>
+        <p:nvSpPr>
+          <p:cNvPr id="17" name="Arrow: Right 16">
+            <a:extLst>
+              <a:ext uri="{FF2B5EF4-FFF2-40B4-BE49-F238E27FC236}">
+                <a16:creationId xmlns:a16="http://schemas.microsoft.com/office/drawing/2014/main" id="{9E83D4D8-B11D-4589-983D-BA72A82FAFD7}"/>
+              </a:ext>
+            </a:extLst>
+          </p:cNvPr>
+          <p:cNvSpPr/>
+          <p:nvPr/>
+        </p:nvSpPr>
+        <p:spPr>
+          <a:xfrm>
+            <a:off x="10291011" y="6234364"/>
+            <a:ext cx="649705" cy="54142"/>
+          </a:xfrm>
+          <a:prstGeom prst="rightArrow">
+            <a:avLst/>
+          </a:prstGeom>
+        </p:spPr>
+        <p:style>
+          <a:lnRef idx="2">
+            <a:schemeClr val="accent1">
+              <a:shade val="50000"/>
+            </a:schemeClr>
+          </a:lnRef>
+          <a:fillRef idx="1">
+            <a:schemeClr val="accent1"/>
+          </a:fillRef>
+          <a:effectRef idx="0">
+            <a:schemeClr val="accent1"/>
+          </a:effectRef>
+          <a:fontRef idx="minor">
+            <a:schemeClr val="lt1"/>
+          </a:fontRef>
+        </p:style>
+        <p:txBody>
+          <a:bodyPr rtlCol="0" anchor="ctr"/>
+          <a:lstStyle/>
+          <a:p>
+            <a:pPr algn="ctr"/>
+            <a:endParaRPr lang="en-US"/>
+          </a:p>
+        </p:txBody>
+      </p:sp>
+      <p:sp>
+        <p:nvSpPr>
+          <p:cNvPr id="19" name="Arrow: Right 18">
+            <a:extLst>
+              <a:ext uri="{FF2B5EF4-FFF2-40B4-BE49-F238E27FC236}">
+                <a16:creationId xmlns:a16="http://schemas.microsoft.com/office/drawing/2014/main" id="{87191D51-1740-491C-819F-6A26986F1613}"/>
+              </a:ext>
+            </a:extLst>
+          </p:cNvPr>
+          <p:cNvSpPr/>
+          <p:nvPr/>
+        </p:nvSpPr>
+        <p:spPr>
+          <a:xfrm>
+            <a:off x="7088607" y="1494924"/>
+            <a:ext cx="649705" cy="54142"/>
+          </a:xfrm>
+          <a:prstGeom prst="rightArrow">
+            <a:avLst/>
+          </a:prstGeom>
+        </p:spPr>
+        <p:style>
+          <a:lnRef idx="2">
+            <a:schemeClr val="accent1">
+              <a:shade val="50000"/>
+            </a:schemeClr>
+          </a:lnRef>
+          <a:fillRef idx="1">
+            <a:schemeClr val="accent1"/>
+          </a:fillRef>
+          <a:effectRef idx="0">
+            <a:schemeClr val="accent1"/>
+          </a:effectRef>
+          <a:fontRef idx="minor">
+            <a:schemeClr val="lt1"/>
+          </a:fontRef>
+        </p:style>
+        <p:txBody>
+          <a:bodyPr rtlCol="0" anchor="ctr"/>
+          <a:lstStyle/>
+          <a:p>
+            <a:pPr algn="ctr"/>
+            <a:endParaRPr lang="en-US"/>
+          </a:p>
+        </p:txBody>
+      </p:sp>
+      <p:sp>
+        <p:nvSpPr>
+          <p:cNvPr id="21" name="Rectangle 20">
+            <a:extLst>
+              <a:ext uri="{FF2B5EF4-FFF2-40B4-BE49-F238E27FC236}">
+                <a16:creationId xmlns:a16="http://schemas.microsoft.com/office/drawing/2014/main" id="{DE50D9B4-F4F1-4490-A64F-7631BE0C1E4F}"/>
+              </a:ext>
+            </a:extLst>
+          </p:cNvPr>
+          <p:cNvSpPr/>
+          <p:nvPr/>
+        </p:nvSpPr>
+        <p:spPr>
+          <a:xfrm>
+            <a:off x="7868655" y="1025691"/>
+            <a:ext cx="2422356" cy="1016667"/>
+          </a:xfrm>
+          <a:prstGeom prst="rect">
+            <a:avLst/>
+          </a:prstGeom>
+        </p:spPr>
+        <p:style>
+          <a:lnRef idx="2">
+            <a:schemeClr val="accent1">
+              <a:shade val="50000"/>
+            </a:schemeClr>
+          </a:lnRef>
+          <a:fillRef idx="1">
+            <a:schemeClr val="accent1"/>
+          </a:fillRef>
+          <a:effectRef idx="0">
+            <a:schemeClr val="accent1"/>
+          </a:effectRef>
+          <a:fontRef idx="minor">
+            <a:schemeClr val="lt1"/>
+          </a:fontRef>
+        </p:style>
+        <p:txBody>
+          <a:bodyPr rtlCol="0" anchor="ctr"/>
+          <a:lstStyle/>
+          <a:p>
+            <a:pPr algn="ctr"/>
+            <a:r>
+              <a:rPr lang="en-US" dirty="0"/>
+              <a:t>Ingredient result component</a:t>
+            </a:r>
+          </a:p>
+        </p:txBody>
+      </p:sp>
+      <p:sp>
+        <p:nvSpPr>
+          <p:cNvPr id="23" name="Rectangle 22">
+            <a:extLst>
+              <a:ext uri="{FF2B5EF4-FFF2-40B4-BE49-F238E27FC236}">
+                <a16:creationId xmlns:a16="http://schemas.microsoft.com/office/drawing/2014/main" id="{E5933B9F-293B-47FA-A344-FD3DC7661291}"/>
+              </a:ext>
+            </a:extLst>
+          </p:cNvPr>
+          <p:cNvSpPr/>
+          <p:nvPr/>
+        </p:nvSpPr>
+        <p:spPr>
+          <a:xfrm>
+            <a:off x="7936834" y="2613360"/>
+            <a:ext cx="2422356" cy="1016667"/>
+          </a:xfrm>
+          <a:prstGeom prst="rect">
+            <a:avLst/>
+          </a:prstGeom>
+        </p:spPr>
+        <p:style>
+          <a:lnRef idx="2">
+            <a:schemeClr val="accent1">
+              <a:shade val="50000"/>
+            </a:schemeClr>
+          </a:lnRef>
+          <a:fillRef idx="1">
+            <a:schemeClr val="accent1"/>
+          </a:fillRef>
+          <a:effectRef idx="0">
+            <a:schemeClr val="accent1"/>
+          </a:effectRef>
+          <a:fontRef idx="minor">
+            <a:schemeClr val="lt1"/>
+          </a:fontRef>
+        </p:style>
+        <p:txBody>
+          <a:bodyPr rtlCol="0" anchor="ctr"/>
+          <a:lstStyle/>
+          <a:p>
+            <a:pPr algn="ctr"/>
+            <a:r>
+              <a:rPr lang="en-US" dirty="0" err="1"/>
+              <a:t>Ingredient_dayplan</a:t>
+            </a:r>
+            <a:endParaRPr lang="en-US" dirty="0"/>
+          </a:p>
+          <a:p>
+            <a:pPr algn="ctr"/>
+            <a:r>
+              <a:rPr lang="en-US" dirty="0"/>
+              <a:t>/</a:t>
+            </a:r>
+            <a:r>
+              <a:rPr lang="en-US" dirty="0" err="1"/>
+              <a:t>goalmeter</a:t>
+            </a:r>
+            <a:r>
+              <a:rPr lang="en-US" dirty="0"/>
+              <a:t> components </a:t>
+            </a:r>
+          </a:p>
+        </p:txBody>
+      </p:sp>
+    </p:spTree>
+    <p:extLst>
+      <p:ext uri="{BB962C8B-B14F-4D97-AF65-F5344CB8AC3E}">
+        <p14:creationId xmlns:p14="http://schemas.microsoft.com/office/powerpoint/2010/main" val="1941734122"/>
+      </p:ext>
+    </p:extLst>
+  </p:cSld>
+  <p:clrMapOvr>
+    <a:masterClrMapping/>
+  </p:clrMapOvr>
+</p:sld>
+</file>
+
+<file path=ppt/slides/slide9.xml><?xml version="1.0" encoding="utf-8"?>
+<p:sld xmlns:a="http://schemas.openxmlformats.org/drawingml/2006/main" xmlns:r="http://schemas.openxmlformats.org/officeDocument/2006/relationships" xmlns:p="http://schemas.openxmlformats.org/presentationml/2006/main">
+  <p:cSld>
+    <p:spTree>
+      <p:nvGrpSpPr>
+        <p:cNvPr id="1" name=""/>
+        <p:cNvGrpSpPr/>
+        <p:nvPr/>
+      </p:nvGrpSpPr>
+      <p:grpSpPr>
+        <a:xfrm>
+          <a:off x="0" y="0"/>
+          <a:ext cx="0" cy="0"/>
+          <a:chOff x="0" y="0"/>
+          <a:chExt cx="0" cy="0"/>
+        </a:xfrm>
+      </p:grpSpPr>
+      <p:sp>
+        <p:nvSpPr>
+          <p:cNvPr id="12" name="Rectangle 11">
+            <a:extLst>
+              <a:ext uri="{FF2B5EF4-FFF2-40B4-BE49-F238E27FC236}">
+                <a16:creationId xmlns:a16="http://schemas.microsoft.com/office/drawing/2014/main" id="{E2C56295-F8DF-4657-86CE-C2EFAC388B70}"/>
+              </a:ext>
+            </a:extLst>
+          </p:cNvPr>
+          <p:cNvSpPr/>
+          <p:nvPr/>
+        </p:nvSpPr>
+        <p:spPr>
+          <a:xfrm>
+            <a:off x="409074" y="168442"/>
+            <a:ext cx="11640552" cy="553453"/>
+          </a:xfrm>
+          <a:prstGeom prst="rect">
+            <a:avLst/>
+          </a:prstGeom>
+        </p:spPr>
+        <p:style>
+          <a:lnRef idx="2">
+            <a:schemeClr val="accent1">
+              <a:shade val="50000"/>
+            </a:schemeClr>
+          </a:lnRef>
+          <a:fillRef idx="1">
+            <a:schemeClr val="accent1"/>
+          </a:fillRef>
+          <a:effectRef idx="0">
+            <a:schemeClr val="accent1"/>
+          </a:effectRef>
+          <a:fontRef idx="minor">
+            <a:schemeClr val="lt1"/>
+          </a:fontRef>
+        </p:style>
+        <p:txBody>
+          <a:bodyPr rtlCol="0" anchor="ctr"/>
+          <a:lstStyle/>
+          <a:p>
+            <a:pPr algn="ctr"/>
+            <a:r>
+              <a:rPr lang="en-US" dirty="0"/>
+              <a:t>Login Flow Chart with date already existing in the database</a:t>
+            </a:r>
+          </a:p>
+        </p:txBody>
+      </p:sp>
+      <p:sp>
+        <p:nvSpPr>
+          <p:cNvPr id="14" name="Rectangle 13">
+            <a:extLst>
+              <a:ext uri="{FF2B5EF4-FFF2-40B4-BE49-F238E27FC236}">
+                <a16:creationId xmlns:a16="http://schemas.microsoft.com/office/drawing/2014/main" id="{EF8A6EB7-61EB-45A6-95ED-240CE85A667E}"/>
+              </a:ext>
+            </a:extLst>
+          </p:cNvPr>
+          <p:cNvSpPr/>
+          <p:nvPr/>
+        </p:nvSpPr>
+        <p:spPr>
+          <a:xfrm>
+            <a:off x="469232" y="1221206"/>
+            <a:ext cx="2171700" cy="625641"/>
+          </a:xfrm>
+          <a:prstGeom prst="rect">
+            <a:avLst/>
+          </a:prstGeom>
+        </p:spPr>
+        <p:style>
+          <a:lnRef idx="2">
+            <a:schemeClr val="accent1">
+              <a:shade val="50000"/>
+            </a:schemeClr>
+          </a:lnRef>
+          <a:fillRef idx="1">
+            <a:schemeClr val="accent1"/>
+          </a:fillRef>
+          <a:effectRef idx="0">
+            <a:schemeClr val="accent1"/>
+          </a:effectRef>
+          <a:fontRef idx="minor">
+            <a:schemeClr val="lt1"/>
+          </a:fontRef>
+        </p:style>
+        <p:txBody>
+          <a:bodyPr rtlCol="0" anchor="ctr"/>
+          <a:lstStyle/>
+          <a:p>
+            <a:pPr algn="ctr"/>
+            <a:r>
+              <a:rPr lang="en-US" dirty="0"/>
+              <a:t>Login</a:t>
+            </a:r>
+          </a:p>
+        </p:txBody>
+      </p:sp>
+      <p:sp>
+        <p:nvSpPr>
+          <p:cNvPr id="16" name="Arrow: Right 15">
+            <a:extLst>
+              <a:ext uri="{FF2B5EF4-FFF2-40B4-BE49-F238E27FC236}">
+                <a16:creationId xmlns:a16="http://schemas.microsoft.com/office/drawing/2014/main" id="{53789FF7-8C79-46C1-8B63-EB5B7442931B}"/>
+              </a:ext>
+            </a:extLst>
+          </p:cNvPr>
+          <p:cNvSpPr/>
+          <p:nvPr/>
+        </p:nvSpPr>
+        <p:spPr>
+          <a:xfrm>
+            <a:off x="3001879" y="1467853"/>
+            <a:ext cx="649705" cy="54142"/>
+          </a:xfrm>
+          <a:prstGeom prst="rightArrow">
+            <a:avLst/>
+          </a:prstGeom>
+        </p:spPr>
+        <p:style>
+          <a:lnRef idx="2">
+            <a:schemeClr val="accent1">
+              <a:shade val="50000"/>
+            </a:schemeClr>
+          </a:lnRef>
+          <a:fillRef idx="1">
+            <a:schemeClr val="accent1"/>
+          </a:fillRef>
+          <a:effectRef idx="0">
+            <a:schemeClr val="accent1"/>
+          </a:effectRef>
+          <a:fontRef idx="minor">
+            <a:schemeClr val="lt1"/>
+          </a:fontRef>
+        </p:style>
+        <p:txBody>
+          <a:bodyPr rtlCol="0" anchor="ctr"/>
+          <a:lstStyle/>
+          <a:p>
+            <a:pPr algn="ctr"/>
+            <a:endParaRPr lang="en-US"/>
+          </a:p>
+        </p:txBody>
+      </p:sp>
+      <p:sp>
+        <p:nvSpPr>
+          <p:cNvPr id="20" name="Arrow: Right 19">
+            <a:extLst>
+              <a:ext uri="{FF2B5EF4-FFF2-40B4-BE49-F238E27FC236}">
+                <a16:creationId xmlns:a16="http://schemas.microsoft.com/office/drawing/2014/main" id="{64222FB5-878E-44B1-9A1F-8C9A25A52BB8}"/>
+              </a:ext>
+            </a:extLst>
+          </p:cNvPr>
+          <p:cNvSpPr/>
+          <p:nvPr/>
+        </p:nvSpPr>
+        <p:spPr>
+          <a:xfrm>
+            <a:off x="7088607" y="1494924"/>
+            <a:ext cx="649705" cy="54142"/>
+          </a:xfrm>
+          <a:prstGeom prst="rightArrow">
+            <a:avLst/>
+          </a:prstGeom>
+        </p:spPr>
+        <p:style>
+          <a:lnRef idx="2">
+            <a:schemeClr val="accent1">
+              <a:shade val="50000"/>
+            </a:schemeClr>
+          </a:lnRef>
+          <a:fillRef idx="1">
+            <a:schemeClr val="accent1"/>
+          </a:fillRef>
+          <a:effectRef idx="0">
+            <a:schemeClr val="accent1"/>
+          </a:effectRef>
+          <a:fontRef idx="minor">
+            <a:schemeClr val="lt1"/>
+          </a:fontRef>
+        </p:style>
+        <p:txBody>
+          <a:bodyPr rtlCol="0" anchor="ctr"/>
+          <a:lstStyle/>
+          <a:p>
+            <a:pPr algn="ctr"/>
+            <a:endParaRPr lang="en-US"/>
+          </a:p>
+        </p:txBody>
+      </p:sp>
+      <p:sp>
+        <p:nvSpPr>
+          <p:cNvPr id="24" name="Rectangle 23">
+            <a:extLst>
+              <a:ext uri="{FF2B5EF4-FFF2-40B4-BE49-F238E27FC236}">
+                <a16:creationId xmlns:a16="http://schemas.microsoft.com/office/drawing/2014/main" id="{0ADB91A0-783D-4498-A3FF-6D81C877FE2B}"/>
+              </a:ext>
+            </a:extLst>
+          </p:cNvPr>
+          <p:cNvSpPr/>
+          <p:nvPr/>
+        </p:nvSpPr>
+        <p:spPr>
+          <a:xfrm>
+            <a:off x="7868655" y="1025691"/>
+            <a:ext cx="2422356" cy="1016667"/>
+          </a:xfrm>
+          <a:prstGeom prst="rect">
+            <a:avLst/>
+          </a:prstGeom>
+        </p:spPr>
+        <p:style>
+          <a:lnRef idx="2">
+            <a:schemeClr val="accent1">
+              <a:shade val="50000"/>
+            </a:schemeClr>
+          </a:lnRef>
+          <a:fillRef idx="1">
+            <a:schemeClr val="accent1"/>
+          </a:fillRef>
+          <a:effectRef idx="0">
+            <a:schemeClr val="accent1"/>
+          </a:effectRef>
+          <a:fontRef idx="minor">
+            <a:schemeClr val="lt1"/>
+          </a:fontRef>
+        </p:style>
+        <p:txBody>
+          <a:bodyPr rtlCol="0" anchor="ctr"/>
+          <a:lstStyle/>
+          <a:p>
+            <a:pPr algn="ctr"/>
+            <a:r>
+              <a:rPr lang="en-US" dirty="0" err="1"/>
+              <a:t>Ingredient_dayplan</a:t>
+            </a:r>
+            <a:endParaRPr lang="en-US" dirty="0"/>
+          </a:p>
+          <a:p>
+            <a:pPr algn="ctr"/>
+            <a:r>
+              <a:rPr lang="en-US" dirty="0"/>
+              <a:t>/</a:t>
+            </a:r>
+            <a:r>
+              <a:rPr lang="en-US" dirty="0" err="1"/>
+              <a:t>goalmeter</a:t>
+            </a:r>
+            <a:r>
+              <a:rPr lang="en-US" dirty="0"/>
+              <a:t> components </a:t>
+            </a:r>
+          </a:p>
+        </p:txBody>
+      </p:sp>
+      <p:sp>
+        <p:nvSpPr>
+          <p:cNvPr id="26" name="Rectangle 25">
+            <a:extLst>
+              <a:ext uri="{FF2B5EF4-FFF2-40B4-BE49-F238E27FC236}">
+                <a16:creationId xmlns:a16="http://schemas.microsoft.com/office/drawing/2014/main" id="{AAA76102-4359-4268-A4EB-A73286DC3F4B}"/>
+              </a:ext>
+            </a:extLst>
+          </p:cNvPr>
+          <p:cNvSpPr/>
+          <p:nvPr/>
+        </p:nvSpPr>
+        <p:spPr>
+          <a:xfrm>
+            <a:off x="3781927" y="863265"/>
+            <a:ext cx="3176337" cy="1341521"/>
+          </a:xfrm>
+          <a:prstGeom prst="rect">
+            <a:avLst/>
+          </a:prstGeom>
+        </p:spPr>
+        <p:style>
+          <a:lnRef idx="2">
+            <a:schemeClr val="accent1">
+              <a:shade val="50000"/>
+            </a:schemeClr>
+          </a:lnRef>
+          <a:fillRef idx="1">
+            <a:schemeClr val="accent1"/>
+          </a:fillRef>
+          <a:effectRef idx="0">
+            <a:schemeClr val="accent1"/>
+          </a:effectRef>
+          <a:fontRef idx="minor">
+            <a:schemeClr val="lt1"/>
+          </a:fontRef>
+        </p:style>
+        <p:txBody>
+          <a:bodyPr rtlCol="0" anchor="ctr"/>
+          <a:lstStyle/>
+          <a:p>
+            <a:pPr algn="ctr"/>
+            <a:r>
+              <a:rPr lang="en-US" dirty="0"/>
+              <a:t>Ingredient Selection component with</a:t>
+            </a:r>
+          </a:p>
+          <a:p>
+            <a:pPr algn="ctr"/>
+            <a:r>
+              <a:rPr lang="en-US" dirty="0"/>
+              <a:t>Date picker only</a:t>
+            </a:r>
+          </a:p>
+        </p:txBody>
+      </p:sp>
+    </p:spTree>
+    <p:extLst>
+      <p:ext uri="{BB962C8B-B14F-4D97-AF65-F5344CB8AC3E}">
+        <p14:creationId xmlns:p14="http://schemas.microsoft.com/office/powerpoint/2010/main" val="2228410431"/>
       </p:ext>
     </p:extLst>
   </p:cSld>
@@ -6097,4 +9504,299 @@
     </a:ext>
   </a:extLst>
 </a:theme>
+</file>
+
+<file path=ppt/theme/theme2.xml><?xml version="1.0" encoding="utf-8"?>
+<a:theme xmlns:a="http://schemas.openxmlformats.org/drawingml/2006/main" name="Office Theme">
+  <a:themeElements>
+    <a:clrScheme name="Office">
+      <a:dk1>
+        <a:sysClr val="windowText" lastClr="000000"/>
+      </a:dk1>
+      <a:lt1>
+        <a:sysClr val="window" lastClr="FFFFFF"/>
+      </a:lt1>
+      <a:dk2>
+        <a:srgbClr val="44546A"/>
+      </a:dk2>
+      <a:lt2>
+        <a:srgbClr val="E7E6E6"/>
+      </a:lt2>
+      <a:accent1>
+        <a:srgbClr val="4472C4"/>
+      </a:accent1>
+      <a:accent2>
+        <a:srgbClr val="ED7D31"/>
+      </a:accent2>
+      <a:accent3>
+        <a:srgbClr val="A5A5A5"/>
+      </a:accent3>
+      <a:accent4>
+        <a:srgbClr val="FFC000"/>
+      </a:accent4>
+      <a:accent5>
+        <a:srgbClr val="5B9BD5"/>
+      </a:accent5>
+      <a:accent6>
+        <a:srgbClr val="70AD47"/>
+      </a:accent6>
+      <a:hlink>
+        <a:srgbClr val="0563C1"/>
+      </a:hlink>
+      <a:folHlink>
+        <a:srgbClr val="954F72"/>
+      </a:folHlink>
+    </a:clrScheme>
+    <a:fontScheme name="Office">
+      <a:majorFont>
+        <a:latin typeface="Calibri Light" panose="020F0302020204030204"/>
+        <a:ea typeface=""/>
+        <a:cs typeface=""/>
+        <a:font script="Jpan" typeface="游ゴシック Light"/>
+        <a:font script="Hang" typeface="맑은 고딕"/>
+        <a:font script="Hans" typeface="等线 Light"/>
+        <a:font script="Hant" typeface="新細明體"/>
+        <a:font script="Arab" typeface="Times New Roman"/>
+        <a:font script="Hebr" typeface="Times New Roman"/>
+        <a:font script="Thai" typeface="Angsana New"/>
+        <a:font script="Ethi" typeface="Nyala"/>
+        <a:font script="Beng" typeface="Vrinda"/>
+        <a:font script="Gujr" typeface="Shruti"/>
+        <a:font script="Khmr" typeface="MoolBoran"/>
+        <a:font script="Knda" typeface="Tunga"/>
+        <a:font script="Guru" typeface="Raavi"/>
+        <a:font script="Cans" typeface="Euphemia"/>
+        <a:font script="Cher" typeface="Plantagenet Cherokee"/>
+        <a:font script="Yiii" typeface="Microsoft Yi Baiti"/>
+        <a:font script="Tibt" typeface="Microsoft Himalaya"/>
+        <a:font script="Thaa" typeface="MV Boli"/>
+        <a:font script="Deva" typeface="Mangal"/>
+        <a:font script="Telu" typeface="Gautami"/>
+        <a:font script="Taml" typeface="Latha"/>
+        <a:font script="Syrc" typeface="Estrangelo Edessa"/>
+        <a:font script="Orya" typeface="Kalinga"/>
+        <a:font script="Mlym" typeface="Kartika"/>
+        <a:font script="Laoo" typeface="DokChampa"/>
+        <a:font script="Sinh" typeface="Iskoola Pota"/>
+        <a:font script="Mong" typeface="Mongolian Baiti"/>
+        <a:font script="Viet" typeface="Times New Roman"/>
+        <a:font script="Uigh" typeface="Microsoft Uighur"/>
+        <a:font script="Geor" typeface="Sylfaen"/>
+        <a:font script="Armn" typeface="Arial"/>
+        <a:font script="Bugi" typeface="Leelawadee UI"/>
+        <a:font script="Bopo" typeface="Microsoft JhengHei"/>
+        <a:font script="Java" typeface="Javanese Text"/>
+        <a:font script="Lisu" typeface="Segoe UI"/>
+        <a:font script="Mymr" typeface="Myanmar Text"/>
+        <a:font script="Nkoo" typeface="Ebrima"/>
+        <a:font script="Olck" typeface="Nirmala UI"/>
+        <a:font script="Osma" typeface="Ebrima"/>
+        <a:font script="Phag" typeface="Phagspa"/>
+        <a:font script="Syrn" typeface="Estrangelo Edessa"/>
+        <a:font script="Syrj" typeface="Estrangelo Edessa"/>
+        <a:font script="Syre" typeface="Estrangelo Edessa"/>
+        <a:font script="Sora" typeface="Nirmala UI"/>
+        <a:font script="Tale" typeface="Microsoft Tai Le"/>
+        <a:font script="Talu" typeface="Microsoft New Tai Lue"/>
+        <a:font script="Tfng" typeface="Ebrima"/>
+      </a:majorFont>
+      <a:minorFont>
+        <a:latin typeface="Calibri" panose="020F0502020204030204"/>
+        <a:ea typeface=""/>
+        <a:cs typeface=""/>
+        <a:font script="Jpan" typeface="游ゴシック"/>
+        <a:font script="Hang" typeface="맑은 고딕"/>
+        <a:font script="Hans" typeface="等线"/>
+        <a:font script="Hant" typeface="新細明體"/>
+        <a:font script="Arab" typeface="Arial"/>
+        <a:font script="Hebr" typeface="Arial"/>
+        <a:font script="Thai" typeface="Cordia New"/>
+        <a:font script="Ethi" typeface="Nyala"/>
+        <a:font script="Beng" typeface="Vrinda"/>
+        <a:font script="Gujr" typeface="Shruti"/>
+        <a:font script="Khmr" typeface="DaunPenh"/>
+        <a:font script="Knda" typeface="Tunga"/>
+        <a:font script="Guru" typeface="Raavi"/>
+        <a:font script="Cans" typeface="Euphemia"/>
+        <a:font script="Cher" typeface="Plantagenet Cherokee"/>
+        <a:font script="Yiii" typeface="Microsoft Yi Baiti"/>
+        <a:font script="Tibt" typeface="Microsoft Himalaya"/>
+        <a:font script="Thaa" typeface="MV Boli"/>
+        <a:font script="Deva" typeface="Mangal"/>
+        <a:font script="Telu" typeface="Gautami"/>
+        <a:font script="Taml" typeface="Latha"/>
+        <a:font script="Syrc" typeface="Estrangelo Edessa"/>
+        <a:font script="Orya" typeface="Kalinga"/>
+        <a:font script="Mlym" typeface="Kartika"/>
+        <a:font script="Laoo" typeface="DokChampa"/>
+        <a:font script="Sinh" typeface="Iskoola Pota"/>
+        <a:font script="Mong" typeface="Mongolian Baiti"/>
+        <a:font script="Viet" typeface="Arial"/>
+        <a:font script="Uigh" typeface="Microsoft Uighur"/>
+        <a:font script="Geor" typeface="Sylfaen"/>
+        <a:font script="Armn" typeface="Arial"/>
+        <a:font script="Bugi" typeface="Leelawadee UI"/>
+        <a:font script="Bopo" typeface="Microsoft JhengHei"/>
+        <a:font script="Java" typeface="Javanese Text"/>
+        <a:font script="Lisu" typeface="Segoe UI"/>
+        <a:font script="Mymr" typeface="Myanmar Text"/>
+        <a:font script="Nkoo" typeface="Ebrima"/>
+        <a:font script="Olck" typeface="Nirmala UI"/>
+        <a:font script="Osma" typeface="Ebrima"/>
+        <a:font script="Phag" typeface="Phagspa"/>
+        <a:font script="Syrn" typeface="Estrangelo Edessa"/>
+        <a:font script="Syrj" typeface="Estrangelo Edessa"/>
+        <a:font script="Syre" typeface="Estrangelo Edessa"/>
+        <a:font script="Sora" typeface="Nirmala UI"/>
+        <a:font script="Tale" typeface="Microsoft Tai Le"/>
+        <a:font script="Talu" typeface="Microsoft New Tai Lue"/>
+        <a:font script="Tfng" typeface="Ebrima"/>
+      </a:minorFont>
+    </a:fontScheme>
+    <a:fmtScheme name="Office">
+      <a:fillStyleLst>
+        <a:solidFill>
+          <a:schemeClr val="phClr"/>
+        </a:solidFill>
+        <a:gradFill rotWithShape="1">
+          <a:gsLst>
+            <a:gs pos="0">
+              <a:schemeClr val="phClr">
+                <a:lumMod val="110000"/>
+                <a:satMod val="105000"/>
+                <a:tint val="67000"/>
+              </a:schemeClr>
+            </a:gs>
+            <a:gs pos="50000">
+              <a:schemeClr val="phClr">
+                <a:lumMod val="105000"/>
+                <a:satMod val="103000"/>
+                <a:tint val="73000"/>
+              </a:schemeClr>
+            </a:gs>
+            <a:gs pos="100000">
+              <a:schemeClr val="phClr">
+                <a:lumMod val="105000"/>
+                <a:satMod val="109000"/>
+                <a:tint val="81000"/>
+              </a:schemeClr>
+            </a:gs>
+          </a:gsLst>
+          <a:lin ang="5400000" scaled="0"/>
+        </a:gradFill>
+        <a:gradFill rotWithShape="1">
+          <a:gsLst>
+            <a:gs pos="0">
+              <a:schemeClr val="phClr">
+                <a:satMod val="103000"/>
+                <a:lumMod val="102000"/>
+                <a:tint val="94000"/>
+              </a:schemeClr>
+            </a:gs>
+            <a:gs pos="50000">
+              <a:schemeClr val="phClr">
+                <a:satMod val="110000"/>
+                <a:lumMod val="100000"/>
+                <a:shade val="100000"/>
+              </a:schemeClr>
+            </a:gs>
+            <a:gs pos="100000">
+              <a:schemeClr val="phClr">
+                <a:lumMod val="99000"/>
+                <a:satMod val="120000"/>
+                <a:shade val="78000"/>
+              </a:schemeClr>
+            </a:gs>
+          </a:gsLst>
+          <a:lin ang="5400000" scaled="0"/>
+        </a:gradFill>
+      </a:fillStyleLst>
+      <a:lnStyleLst>
+        <a:ln w="6350" cap="flat" cmpd="sng" algn="ctr">
+          <a:solidFill>
+            <a:schemeClr val="phClr"/>
+          </a:solidFill>
+          <a:prstDash val="solid"/>
+          <a:miter lim="800000"/>
+        </a:ln>
+        <a:ln w="12700" cap="flat" cmpd="sng" algn="ctr">
+          <a:solidFill>
+            <a:schemeClr val="phClr"/>
+          </a:solidFill>
+          <a:prstDash val="solid"/>
+          <a:miter lim="800000"/>
+        </a:ln>
+        <a:ln w="19050" cap="flat" cmpd="sng" algn="ctr">
+          <a:solidFill>
+            <a:schemeClr val="phClr"/>
+          </a:solidFill>
+          <a:prstDash val="solid"/>
+          <a:miter lim="800000"/>
+        </a:ln>
+      </a:lnStyleLst>
+      <a:effectStyleLst>
+        <a:effectStyle>
+          <a:effectLst/>
+        </a:effectStyle>
+        <a:effectStyle>
+          <a:effectLst/>
+        </a:effectStyle>
+        <a:effectStyle>
+          <a:effectLst>
+            <a:outerShdw blurRad="57150" dist="19050" dir="5400000" algn="ctr" rotWithShape="0">
+              <a:srgbClr val="000000">
+                <a:alpha val="63000"/>
+              </a:srgbClr>
+            </a:outerShdw>
+          </a:effectLst>
+        </a:effectStyle>
+      </a:effectStyleLst>
+      <a:bgFillStyleLst>
+        <a:solidFill>
+          <a:schemeClr val="phClr"/>
+        </a:solidFill>
+        <a:solidFill>
+          <a:schemeClr val="phClr">
+            <a:tint val="95000"/>
+            <a:satMod val="170000"/>
+          </a:schemeClr>
+        </a:solidFill>
+        <a:gradFill rotWithShape="1">
+          <a:gsLst>
+            <a:gs pos="0">
+              <a:schemeClr val="phClr">
+                <a:tint val="93000"/>
+                <a:satMod val="150000"/>
+                <a:shade val="98000"/>
+                <a:lumMod val="102000"/>
+              </a:schemeClr>
+            </a:gs>
+            <a:gs pos="50000">
+              <a:schemeClr val="phClr">
+                <a:tint val="98000"/>
+                <a:satMod val="130000"/>
+                <a:shade val="90000"/>
+                <a:lumMod val="103000"/>
+              </a:schemeClr>
+            </a:gs>
+            <a:gs pos="100000">
+              <a:schemeClr val="phClr">
+                <a:shade val="63000"/>
+                <a:satMod val="120000"/>
+              </a:schemeClr>
+            </a:gs>
+          </a:gsLst>
+          <a:lin ang="5400000" scaled="0"/>
+        </a:gradFill>
+      </a:bgFillStyleLst>
+    </a:fmtScheme>
+  </a:themeElements>
+  <a:objectDefaults/>
+  <a:extraClrSchemeLst/>
+  <a:extLst>
+    <a:ext uri="{05A4C25C-085E-4340-85A3-A5531E510DB2}">
+      <thm15:themeFamily xmlns:thm15="http://schemas.microsoft.com/office/thememl/2012/main" name="Office Theme" id="{62F939B6-93AF-4DB8-9C6B-D6C7DFDC589F}" vid="{4A3C46E8-61CC-4603-A589-7422A47A8E4A}"/>
+    </a:ext>
+  </a:extLst>
+</a:theme>
 </file>
--- a/ESCULENT.pptx
+++ b/ESCULENT.pptx
@@ -206,7 +206,7 @@
           <a:p>
             <a:fld id="{8AA486E0-785D-467E-8DA1-3AE9122A56A2}" type="datetimeFigureOut">
               <a:rPr lang="en-US" smtClean="0"/>
-              <a:t>10/27/2020</a:t>
+              <a:t>10/28/2020</a:t>
             </a:fld>
             <a:endParaRPr lang="en-US"/>
           </a:p>
@@ -1122,7 +1122,7 @@
             </a:r>
             <a:r>
               <a:rPr lang="en-US" dirty="0" err="1"/>
-              <a:t>Ingredient_dayplan</a:t>
+              <a:t>Ingredient_result</a:t>
             </a:r>
             <a:r>
               <a:rPr lang="en-US" dirty="0"/>
@@ -1285,7 +1285,7 @@
             </a:r>
             <a:r>
               <a:rPr lang="en-US" dirty="0" err="1"/>
-              <a:t>Ingredient_dayplan</a:t>
+              <a:t>Ingredient_result</a:t>
             </a:r>
             <a:r>
               <a:rPr lang="en-US" dirty="0"/>
@@ -1491,7 +1491,7 @@
             </a:r>
             <a:r>
               <a:rPr lang="en-US" dirty="0" err="1"/>
-              <a:t>Ingredient_dayplan</a:t>
+              <a:t>Ingredient_result</a:t>
             </a:r>
             <a:r>
               <a:rPr lang="en-US" dirty="0"/>
@@ -1706,7 +1706,7 @@
           <a:p>
             <a:fld id="{2D062B8B-B32E-42A2-9F05-15E8C77FE3B4}" type="datetimeFigureOut">
               <a:rPr lang="en-US" smtClean="0"/>
-              <a:t>10/27/2020</a:t>
+              <a:t>10/28/2020</a:t>
             </a:fld>
             <a:endParaRPr lang="en-US"/>
           </a:p>
@@ -1904,7 +1904,7 @@
           <a:p>
             <a:fld id="{2D062B8B-B32E-42A2-9F05-15E8C77FE3B4}" type="datetimeFigureOut">
               <a:rPr lang="en-US" smtClean="0"/>
-              <a:t>10/27/2020</a:t>
+              <a:t>10/28/2020</a:t>
             </a:fld>
             <a:endParaRPr lang="en-US"/>
           </a:p>
@@ -2112,7 +2112,7 @@
           <a:p>
             <a:fld id="{2D062B8B-B32E-42A2-9F05-15E8C77FE3B4}" type="datetimeFigureOut">
               <a:rPr lang="en-US" smtClean="0"/>
-              <a:t>10/27/2020</a:t>
+              <a:t>10/28/2020</a:t>
             </a:fld>
             <a:endParaRPr lang="en-US"/>
           </a:p>
@@ -2310,7 +2310,7 @@
           <a:p>
             <a:fld id="{2D062B8B-B32E-42A2-9F05-15E8C77FE3B4}" type="datetimeFigureOut">
               <a:rPr lang="en-US" smtClean="0"/>
-              <a:t>10/27/2020</a:t>
+              <a:t>10/28/2020</a:t>
             </a:fld>
             <a:endParaRPr lang="en-US"/>
           </a:p>
@@ -2585,7 +2585,7 @@
           <a:p>
             <a:fld id="{2D062B8B-B32E-42A2-9F05-15E8C77FE3B4}" type="datetimeFigureOut">
               <a:rPr lang="en-US" smtClean="0"/>
-              <a:t>10/27/2020</a:t>
+              <a:t>10/28/2020</a:t>
             </a:fld>
             <a:endParaRPr lang="en-US"/>
           </a:p>
@@ -2850,7 +2850,7 @@
           <a:p>
             <a:fld id="{2D062B8B-B32E-42A2-9F05-15E8C77FE3B4}" type="datetimeFigureOut">
               <a:rPr lang="en-US" smtClean="0"/>
-              <a:t>10/27/2020</a:t>
+              <a:t>10/28/2020</a:t>
             </a:fld>
             <a:endParaRPr lang="en-US"/>
           </a:p>
@@ -3262,7 +3262,7 @@
           <a:p>
             <a:fld id="{2D062B8B-B32E-42A2-9F05-15E8C77FE3B4}" type="datetimeFigureOut">
               <a:rPr lang="en-US" smtClean="0"/>
-              <a:t>10/27/2020</a:t>
+              <a:t>10/28/2020</a:t>
             </a:fld>
             <a:endParaRPr lang="en-US"/>
           </a:p>
@@ -3403,7 +3403,7 @@
           <a:p>
             <a:fld id="{2D062B8B-B32E-42A2-9F05-15E8C77FE3B4}" type="datetimeFigureOut">
               <a:rPr lang="en-US" smtClean="0"/>
-              <a:t>10/27/2020</a:t>
+              <a:t>10/28/2020</a:t>
             </a:fld>
             <a:endParaRPr lang="en-US"/>
           </a:p>
@@ -3516,7 +3516,7 @@
           <a:p>
             <a:fld id="{2D062B8B-B32E-42A2-9F05-15E8C77FE3B4}" type="datetimeFigureOut">
               <a:rPr lang="en-US" smtClean="0"/>
-              <a:t>10/27/2020</a:t>
+              <a:t>10/28/2020</a:t>
             </a:fld>
             <a:endParaRPr lang="en-US"/>
           </a:p>
@@ -3827,7 +3827,7 @@
           <a:p>
             <a:fld id="{2D062B8B-B32E-42A2-9F05-15E8C77FE3B4}" type="datetimeFigureOut">
               <a:rPr lang="en-US" smtClean="0"/>
-              <a:t>10/27/2020</a:t>
+              <a:t>10/28/2020</a:t>
             </a:fld>
             <a:endParaRPr lang="en-US"/>
           </a:p>
@@ -4115,7 +4115,7 @@
           <a:p>
             <a:fld id="{2D062B8B-B32E-42A2-9F05-15E8C77FE3B4}" type="datetimeFigureOut">
               <a:rPr lang="en-US" smtClean="0"/>
-              <a:t>10/27/2020</a:t>
+              <a:t>10/28/2020</a:t>
             </a:fld>
             <a:endParaRPr lang="en-US"/>
           </a:p>
@@ -4356,7 +4356,7 @@
           <a:p>
             <a:fld id="{2D062B8B-B32E-42A2-9F05-15E8C77FE3B4}" type="datetimeFigureOut">
               <a:rPr lang="en-US" smtClean="0"/>
-              <a:t>10/27/2020</a:t>
+              <a:t>10/28/2020</a:t>
             </a:fld>
             <a:endParaRPr lang="en-US"/>
           </a:p>
@@ -5239,7 +5239,7 @@
             <a:pPr algn="ctr"/>
             <a:r>
               <a:rPr lang="en-US" dirty="0" err="1"/>
-              <a:t>Ingredient_dayplan</a:t>
+              <a:t>Ingredient_result</a:t>
             </a:r>
             <a:endParaRPr lang="en-US" dirty="0"/>
           </a:p>
@@ -8836,7 +8836,7 @@
             <a:pPr algn="ctr"/>
             <a:r>
               <a:rPr lang="en-US" dirty="0" err="1"/>
-              <a:t>Ingredient_dayplan</a:t>
+              <a:t>Ingredient_result</a:t>
             </a:r>
             <a:endParaRPr lang="en-US" dirty="0"/>
           </a:p>
@@ -9121,9 +9121,12 @@
             <a:pPr algn="ctr"/>
             <a:r>
               <a:rPr lang="en-US" dirty="0" err="1"/>
-              <a:t>Ingredient_dayplan</a:t>
-            </a:r>
-            <a:endParaRPr lang="en-US" dirty="0"/>
+              <a:t>Ingredient_Result</a:t>
+            </a:r>
+            <a:r>
+              <a:rPr lang="en-US" dirty="0"/>
+              <a:t> </a:t>
+            </a:r>
           </a:p>
           <a:p>
             <a:pPr algn="ctr"/>
